--- a/Figures/Figure_5/Figure_5.pptx
+++ b/Figures/Figure_5/Figure_5.pptx
@@ -5,10 +5,11 @@
     <p:sldMasterId id="2147483684" r:id="rId1"/>
   </p:sldMasterIdLst>
   <p:notesMasterIdLst>
-    <p:notesMasterId r:id="rId3"/>
+    <p:notesMasterId r:id="rId4"/>
   </p:notesMasterIdLst>
   <p:sldIdLst>
     <p:sldId id="256" r:id="rId2"/>
+    <p:sldId id="257" r:id="rId3"/>
   </p:sldIdLst>
   <p:sldSz cx="50399950" cy="35999738"/>
   <p:notesSz cx="6858000" cy="9144000"/>
@@ -544,6 +545,95 @@
     <p:extLst>
       <p:ext uri="{BB962C8B-B14F-4D97-AF65-F5344CB8AC3E}">
         <p14:creationId xmlns:p14="http://schemas.microsoft.com/office/powerpoint/2010/main" val="1647626189"/>
+      </p:ext>
+    </p:extLst>
+  </p:cSld>
+  <p:clrMapOvr>
+    <a:masterClrMapping/>
+  </p:clrMapOvr>
+</p:notes>
+</file>
+
+<file path=ppt/notesSlides/notesSlide2.xml><?xml version="1.0" encoding="utf-8"?>
+<p:notes xmlns:a="http://schemas.openxmlformats.org/drawingml/2006/main" xmlns:r="http://schemas.openxmlformats.org/officeDocument/2006/relationships" xmlns:p="http://schemas.openxmlformats.org/presentationml/2006/main">
+  <p:cSld>
+    <p:spTree>
+      <p:nvGrpSpPr>
+        <p:cNvPr id="1" name=""/>
+        <p:cNvGrpSpPr/>
+        <p:nvPr/>
+      </p:nvGrpSpPr>
+      <p:grpSpPr>
+        <a:xfrm>
+          <a:off x="0" y="0"/>
+          <a:ext cx="0" cy="0"/>
+          <a:chOff x="0" y="0"/>
+          <a:chExt cx="0" cy="0"/>
+        </a:xfrm>
+      </p:grpSpPr>
+      <p:sp>
+        <p:nvSpPr>
+          <p:cNvPr id="2" name="Slide Image Placeholder 1"/>
+          <p:cNvSpPr>
+            <a:spLocks noGrp="1" noRot="1" noChangeAspect="1"/>
+          </p:cNvSpPr>
+          <p:nvPr>
+            <p:ph type="sldImg"/>
+          </p:nvPr>
+        </p:nvSpPr>
+        <p:spPr>
+          <a:xfrm>
+            <a:off x="1270000" y="1143000"/>
+            <a:ext cx="4318000" cy="3086100"/>
+          </a:xfrm>
+        </p:spPr>
+      </p:sp>
+      <p:sp>
+        <p:nvSpPr>
+          <p:cNvPr id="3" name="Notes Placeholder 2"/>
+          <p:cNvSpPr>
+            <a:spLocks noGrp="1"/>
+          </p:cNvSpPr>
+          <p:nvPr>
+            <p:ph type="body" idx="1"/>
+          </p:nvPr>
+        </p:nvSpPr>
+        <p:spPr/>
+        <p:txBody>
+          <a:bodyPr/>
+          <a:lstStyle/>
+          <a:p>
+            <a:endParaRPr lang="en-US" dirty="0"/>
+          </a:p>
+        </p:txBody>
+      </p:sp>
+      <p:sp>
+        <p:nvSpPr>
+          <p:cNvPr id="4" name="Slide Number Placeholder 3"/>
+          <p:cNvSpPr>
+            <a:spLocks noGrp="1"/>
+          </p:cNvSpPr>
+          <p:nvPr>
+            <p:ph type="sldNum" sz="quarter" idx="5"/>
+          </p:nvPr>
+        </p:nvSpPr>
+        <p:spPr/>
+        <p:txBody>
+          <a:bodyPr/>
+          <a:lstStyle/>
+          <a:p>
+            <a:fld id="{95F117BC-AFF7-1F40-A198-4736DB871B4B}" type="slidenum">
+              <a:rPr lang="en-US" smtClean="0"/>
+              <a:t>2</a:t>
+            </a:fld>
+            <a:endParaRPr lang="en-US"/>
+          </a:p>
+        </p:txBody>
+      </p:sp>
+    </p:spTree>
+    <p:extLst>
+      <p:ext uri="{BB962C8B-B14F-4D97-AF65-F5344CB8AC3E}">
+        <p14:creationId xmlns:p14="http://schemas.microsoft.com/office/powerpoint/2010/main" val="3079091395"/>
       </p:ext>
     </p:extLst>
   </p:cSld>
@@ -3414,10 +3504,10 @@
       </p:grpSpPr>
       <p:pic>
         <p:nvPicPr>
-          <p:cNvPr id="54" name="Picture 53" descr="Chart, table&#10;&#10;Description automatically generated">
+          <p:cNvPr id="23" name="Picture 22" descr="Table&#10;&#10;Description automatically generated with medium confidence">
             <a:extLst>
               <a:ext uri="{FF2B5EF4-FFF2-40B4-BE49-F238E27FC236}">
-                <a16:creationId xmlns:a16="http://schemas.microsoft.com/office/drawing/2014/main" id="{C23BFD0C-4B84-24AD-319A-2D60E489C8BE}"/>
+                <a16:creationId xmlns:a16="http://schemas.microsoft.com/office/drawing/2014/main" id="{A529161A-E5F0-FC41-B044-075C6677891F}"/>
               </a:ext>
             </a:extLst>
           </p:cNvPr>
@@ -3434,8 +3524,8 @@
         </p:blipFill>
         <p:spPr>
           <a:xfrm>
-            <a:off x="23595875" y="19031960"/>
-            <a:ext cx="16692469" cy="8346235"/>
+            <a:off x="23744772" y="2249582"/>
+            <a:ext cx="16445286" cy="10963524"/>
           </a:xfrm>
           <a:prstGeom prst="rect">
             <a:avLst/>
@@ -3444,10 +3534,10 @@
       </p:pic>
       <p:pic>
         <p:nvPicPr>
-          <p:cNvPr id="56" name="Picture 55" descr="Chart&#10;&#10;Description automatically generated">
+          <p:cNvPr id="25" name="Picture 24" descr="Chart&#10;&#10;Description automatically generated">
             <a:extLst>
               <a:ext uri="{FF2B5EF4-FFF2-40B4-BE49-F238E27FC236}">
-                <a16:creationId xmlns:a16="http://schemas.microsoft.com/office/drawing/2014/main" id="{A1645D33-6D7A-6D91-ADFD-95FEE3D34F2F}"/>
+                <a16:creationId xmlns:a16="http://schemas.microsoft.com/office/drawing/2014/main" id="{23CC7B00-A44A-E78E-1364-F58FEBF46EAC}"/>
               </a:ext>
             </a:extLst>
           </p:cNvPr>
@@ -3464,8 +3554,8 @@
         </p:blipFill>
         <p:spPr>
           <a:xfrm>
-            <a:off x="6490782" y="19085719"/>
-            <a:ext cx="16692469" cy="8346235"/>
+            <a:off x="23744772" y="14333877"/>
+            <a:ext cx="16445286" cy="10963524"/>
           </a:xfrm>
           <a:prstGeom prst="rect">
             <a:avLst/>
@@ -3474,10 +3564,10 @@
       </p:pic>
       <p:pic>
         <p:nvPicPr>
-          <p:cNvPr id="50" name="Picture 49" descr="Chart&#10;&#10;Description automatically generated">
+          <p:cNvPr id="27" name="Picture 26" descr="Chart&#10;&#10;Description automatically generated">
             <a:extLst>
               <a:ext uri="{FF2B5EF4-FFF2-40B4-BE49-F238E27FC236}">
-                <a16:creationId xmlns:a16="http://schemas.microsoft.com/office/drawing/2014/main" id="{20817482-80CD-0B58-50BE-E1D7DB2AE932}"/>
+                <a16:creationId xmlns:a16="http://schemas.microsoft.com/office/drawing/2014/main" id="{638C9140-8B84-3B22-684E-2A0BBD43C64D}"/>
               </a:ext>
             </a:extLst>
           </p:cNvPr>
@@ -3494,8 +3584,8 @@
         </p:blipFill>
         <p:spPr>
           <a:xfrm>
-            <a:off x="23599950" y="10600177"/>
-            <a:ext cx="16692469" cy="8346235"/>
+            <a:off x="6607576" y="14333877"/>
+            <a:ext cx="16445286" cy="10963524"/>
           </a:xfrm>
           <a:prstGeom prst="rect">
             <a:avLst/>
@@ -3504,10 +3594,10 @@
       </p:pic>
       <p:pic>
         <p:nvPicPr>
-          <p:cNvPr id="58" name="Picture 57" descr="Table&#10;&#10;Description automatically generated with medium confidence">
+          <p:cNvPr id="45" name="Picture 44" descr="Chart, scatter chart&#10;&#10;Description automatically generated">
             <a:extLst>
               <a:ext uri="{FF2B5EF4-FFF2-40B4-BE49-F238E27FC236}">
-                <a16:creationId xmlns:a16="http://schemas.microsoft.com/office/drawing/2014/main" id="{F5435F6C-441A-A329-4A3D-3A2C011925C1}"/>
+                <a16:creationId xmlns:a16="http://schemas.microsoft.com/office/drawing/2014/main" id="{96253E72-C179-3538-7420-15C091C687ED}"/>
               </a:ext>
             </a:extLst>
           </p:cNvPr>
@@ -3524,7 +3614,580 @@
         </p:blipFill>
         <p:spPr>
           <a:xfrm>
-            <a:off x="23633817" y="27516073"/>
+            <a:off x="6636195" y="2249582"/>
+            <a:ext cx="16445286" cy="10963524"/>
+          </a:xfrm>
+          <a:prstGeom prst="rect">
+            <a:avLst/>
+          </a:prstGeom>
+        </p:spPr>
+      </p:pic>
+      <p:sp>
+        <p:nvSpPr>
+          <p:cNvPr id="13" name="TextBox 12">
+            <a:extLst>
+              <a:ext uri="{FF2B5EF4-FFF2-40B4-BE49-F238E27FC236}">
+                <a16:creationId xmlns:a16="http://schemas.microsoft.com/office/drawing/2014/main" id="{39F6D17D-EE6F-26CE-4CE4-126B5907638D}"/>
+              </a:ext>
+            </a:extLst>
+          </p:cNvPr>
+          <p:cNvSpPr txBox="1"/>
+          <p:nvPr/>
+        </p:nvSpPr>
+        <p:spPr>
+          <a:xfrm>
+            <a:off x="4178601" y="1654517"/>
+            <a:ext cx="944489" cy="1938992"/>
+          </a:xfrm>
+          <a:prstGeom prst="rect">
+            <a:avLst/>
+          </a:prstGeom>
+          <a:noFill/>
+        </p:spPr>
+        <p:txBody>
+          <a:bodyPr wrap="none" rtlCol="0">
+            <a:spAutoFit/>
+          </a:bodyPr>
+          <a:lstStyle/>
+          <a:p>
+            <a:r>
+              <a:rPr lang="en-US" sz="12000" b="1" dirty="0"/>
+              <a:t>a</a:t>
+            </a:r>
+          </a:p>
+        </p:txBody>
+      </p:sp>
+      <p:sp>
+        <p:nvSpPr>
+          <p:cNvPr id="17" name="Rectangle 16">
+            <a:extLst>
+              <a:ext uri="{FF2B5EF4-FFF2-40B4-BE49-F238E27FC236}">
+                <a16:creationId xmlns:a16="http://schemas.microsoft.com/office/drawing/2014/main" id="{ACDE5B14-A1B0-C8A3-915D-6A522D1E8F76}"/>
+              </a:ext>
+            </a:extLst>
+          </p:cNvPr>
+          <p:cNvSpPr/>
+          <p:nvPr/>
+        </p:nvSpPr>
+        <p:spPr>
+          <a:xfrm>
+            <a:off x="5427890" y="2249582"/>
+            <a:ext cx="1262199" cy="10916295"/>
+          </a:xfrm>
+          <a:prstGeom prst="rect">
+            <a:avLst/>
+          </a:prstGeom>
+          <a:noFill/>
+          <a:ln w="63500">
+            <a:solidFill>
+              <a:schemeClr val="tx1"/>
+            </a:solidFill>
+          </a:ln>
+        </p:spPr>
+        <p:style>
+          <a:lnRef idx="2">
+            <a:schemeClr val="accent1">
+              <a:shade val="50000"/>
+            </a:schemeClr>
+          </a:lnRef>
+          <a:fillRef idx="1">
+            <a:schemeClr val="accent1"/>
+          </a:fillRef>
+          <a:effectRef idx="0">
+            <a:schemeClr val="accent1"/>
+          </a:effectRef>
+          <a:fontRef idx="minor">
+            <a:schemeClr val="lt1"/>
+          </a:fontRef>
+        </p:style>
+        <p:txBody>
+          <a:bodyPr vert="vert270" rtlCol="0" anchor="ctr"/>
+          <a:lstStyle/>
+          <a:p>
+            <a:pPr algn="ctr"/>
+            <a:r>
+              <a:rPr lang="en-US" sz="6000" b="1" dirty="0" err="1">
+                <a:solidFill>
+                  <a:schemeClr val="tx1"/>
+                </a:solidFill>
+                <a:latin typeface="Microsoft JhengHei UI" panose="020B0604030504040204" pitchFamily="34" charset="-120"/>
+                <a:ea typeface="Microsoft JhengHei UI" panose="020B0604030504040204" pitchFamily="34" charset="-120"/>
+              </a:rPr>
+              <a:t>Positive_MANE</a:t>
+            </a:r>
+            <a:endParaRPr lang="en-US" sz="6000" b="1" dirty="0">
+              <a:solidFill>
+                <a:schemeClr val="tx1"/>
+              </a:solidFill>
+              <a:latin typeface="Microsoft JhengHei UI" panose="020B0604030504040204" pitchFamily="34" charset="-120"/>
+              <a:ea typeface="Microsoft JhengHei UI" panose="020B0604030504040204" pitchFamily="34" charset="-120"/>
+            </a:endParaRPr>
+          </a:p>
+        </p:txBody>
+      </p:sp>
+      <p:sp>
+        <p:nvSpPr>
+          <p:cNvPr id="18" name="Rectangle 17">
+            <a:extLst>
+              <a:ext uri="{FF2B5EF4-FFF2-40B4-BE49-F238E27FC236}">
+                <a16:creationId xmlns:a16="http://schemas.microsoft.com/office/drawing/2014/main" id="{756D40EB-0D67-8398-44AC-9A2F9E3F769A}"/>
+              </a:ext>
+            </a:extLst>
+          </p:cNvPr>
+          <p:cNvSpPr/>
+          <p:nvPr/>
+        </p:nvSpPr>
+        <p:spPr>
+          <a:xfrm>
+            <a:off x="23770047" y="2249582"/>
+            <a:ext cx="16420011" cy="10916295"/>
+          </a:xfrm>
+          <a:prstGeom prst="rect">
+            <a:avLst/>
+          </a:prstGeom>
+          <a:noFill/>
+          <a:ln w="63500">
+            <a:solidFill>
+              <a:schemeClr val="tx1"/>
+            </a:solidFill>
+          </a:ln>
+        </p:spPr>
+        <p:style>
+          <a:lnRef idx="2">
+            <a:schemeClr val="accent1">
+              <a:shade val="50000"/>
+            </a:schemeClr>
+          </a:lnRef>
+          <a:fillRef idx="1">
+            <a:schemeClr val="accent1"/>
+          </a:fillRef>
+          <a:effectRef idx="0">
+            <a:schemeClr val="accent1"/>
+          </a:effectRef>
+          <a:fontRef idx="minor">
+            <a:schemeClr val="lt1"/>
+          </a:fontRef>
+        </p:style>
+        <p:txBody>
+          <a:bodyPr rtlCol="0" anchor="ctr"/>
+          <a:lstStyle/>
+          <a:p>
+            <a:pPr algn="ctr"/>
+            <a:endParaRPr lang="en-US"/>
+          </a:p>
+        </p:txBody>
+      </p:sp>
+      <p:sp>
+        <p:nvSpPr>
+          <p:cNvPr id="19" name="Rectangle 18">
+            <a:extLst>
+              <a:ext uri="{FF2B5EF4-FFF2-40B4-BE49-F238E27FC236}">
+                <a16:creationId xmlns:a16="http://schemas.microsoft.com/office/drawing/2014/main" id="{602FC623-FA0C-0842-A18E-ACA59DDCC9FA}"/>
+              </a:ext>
+            </a:extLst>
+          </p:cNvPr>
+          <p:cNvSpPr/>
+          <p:nvPr/>
+        </p:nvSpPr>
+        <p:spPr>
+          <a:xfrm>
+            <a:off x="6690089" y="2249582"/>
+            <a:ext cx="16420011" cy="10916295"/>
+          </a:xfrm>
+          <a:prstGeom prst="rect">
+            <a:avLst/>
+          </a:prstGeom>
+          <a:noFill/>
+          <a:ln w="63500">
+            <a:solidFill>
+              <a:schemeClr val="tx1"/>
+            </a:solidFill>
+          </a:ln>
+        </p:spPr>
+        <p:style>
+          <a:lnRef idx="2">
+            <a:schemeClr val="accent1">
+              <a:shade val="50000"/>
+            </a:schemeClr>
+          </a:lnRef>
+          <a:fillRef idx="1">
+            <a:schemeClr val="accent1"/>
+          </a:fillRef>
+          <a:effectRef idx="0">
+            <a:schemeClr val="accent1"/>
+          </a:effectRef>
+          <a:fontRef idx="minor">
+            <a:schemeClr val="lt1"/>
+          </a:fontRef>
+        </p:style>
+        <p:txBody>
+          <a:bodyPr rtlCol="0" anchor="ctr"/>
+          <a:lstStyle/>
+          <a:p>
+            <a:pPr algn="ctr"/>
+            <a:endParaRPr lang="en-US" dirty="0"/>
+          </a:p>
+        </p:txBody>
+      </p:sp>
+      <p:grpSp>
+        <p:nvGrpSpPr>
+          <p:cNvPr id="31" name="Group 30">
+            <a:extLst>
+              <a:ext uri="{FF2B5EF4-FFF2-40B4-BE49-F238E27FC236}">
+                <a16:creationId xmlns:a16="http://schemas.microsoft.com/office/drawing/2014/main" id="{10AE9DC3-9EF8-8A31-82E3-AEC77328421E}"/>
+              </a:ext>
+            </a:extLst>
+          </p:cNvPr>
+          <p:cNvGrpSpPr/>
+          <p:nvPr/>
+        </p:nvGrpSpPr>
+        <p:grpSpPr>
+          <a:xfrm>
+            <a:off x="5427890" y="14044701"/>
+            <a:ext cx="34762168" cy="10963524"/>
+            <a:chOff x="5427890" y="2582090"/>
+            <a:chExt cx="34762168" cy="8009709"/>
+          </a:xfrm>
+        </p:grpSpPr>
+        <p:sp>
+          <p:nvSpPr>
+            <p:cNvPr id="32" name="Rectangle 31">
+              <a:extLst>
+                <a:ext uri="{FF2B5EF4-FFF2-40B4-BE49-F238E27FC236}">
+                  <a16:creationId xmlns:a16="http://schemas.microsoft.com/office/drawing/2014/main" id="{73CCFC7B-47EE-8BD4-2037-6847CC44B733}"/>
+                </a:ext>
+              </a:extLst>
+            </p:cNvPr>
+            <p:cNvSpPr/>
+            <p:nvPr/>
+          </p:nvSpPr>
+          <p:spPr>
+            <a:xfrm>
+              <a:off x="5427890" y="2582090"/>
+              <a:ext cx="1262199" cy="8009709"/>
+            </a:xfrm>
+            <a:prstGeom prst="rect">
+              <a:avLst/>
+            </a:prstGeom>
+            <a:noFill/>
+            <a:ln w="63500">
+              <a:solidFill>
+                <a:schemeClr val="tx1"/>
+              </a:solidFill>
+            </a:ln>
+          </p:spPr>
+          <p:style>
+            <a:lnRef idx="2">
+              <a:schemeClr val="accent1">
+                <a:shade val="50000"/>
+              </a:schemeClr>
+            </a:lnRef>
+            <a:fillRef idx="1">
+              <a:schemeClr val="accent1"/>
+            </a:fillRef>
+            <a:effectRef idx="0">
+              <a:schemeClr val="accent1"/>
+            </a:effectRef>
+            <a:fontRef idx="minor">
+              <a:schemeClr val="lt1"/>
+            </a:fontRef>
+          </p:style>
+          <p:txBody>
+            <a:bodyPr vert="vert270" rtlCol="0" anchor="ctr"/>
+            <a:lstStyle/>
+            <a:p>
+              <a:pPr algn="ctr"/>
+              <a:r>
+                <a:rPr lang="en-US" sz="6000" b="1" dirty="0" err="1">
+                  <a:solidFill>
+                    <a:schemeClr val="tx1"/>
+                  </a:solidFill>
+                  <a:latin typeface="Microsoft JhengHei UI" panose="020B0604030504040204" pitchFamily="34" charset="-120"/>
+                  <a:ea typeface="Microsoft JhengHei UI" panose="020B0604030504040204" pitchFamily="34" charset="-120"/>
+                </a:rPr>
+                <a:t>Positive_ALT</a:t>
+              </a:r>
+              <a:endParaRPr lang="en-US" sz="6000" b="1" dirty="0">
+                <a:solidFill>
+                  <a:schemeClr val="tx1"/>
+                </a:solidFill>
+                <a:latin typeface="Microsoft JhengHei UI" panose="020B0604030504040204" pitchFamily="34" charset="-120"/>
+                <a:ea typeface="Microsoft JhengHei UI" panose="020B0604030504040204" pitchFamily="34" charset="-120"/>
+              </a:endParaRPr>
+            </a:p>
+          </p:txBody>
+        </p:sp>
+        <p:sp>
+          <p:nvSpPr>
+            <p:cNvPr id="33" name="Rectangle 32">
+              <a:extLst>
+                <a:ext uri="{FF2B5EF4-FFF2-40B4-BE49-F238E27FC236}">
+                  <a16:creationId xmlns:a16="http://schemas.microsoft.com/office/drawing/2014/main" id="{0D73B0D2-6595-FA4A-9405-996D933A89EB}"/>
+                </a:ext>
+              </a:extLst>
+            </p:cNvPr>
+            <p:cNvSpPr/>
+            <p:nvPr/>
+          </p:nvSpPr>
+          <p:spPr>
+            <a:xfrm>
+              <a:off x="23770047" y="2582090"/>
+              <a:ext cx="16420011" cy="8009709"/>
+            </a:xfrm>
+            <a:prstGeom prst="rect">
+              <a:avLst/>
+            </a:prstGeom>
+            <a:noFill/>
+            <a:ln w="63500">
+              <a:solidFill>
+                <a:schemeClr val="tx1"/>
+              </a:solidFill>
+            </a:ln>
+          </p:spPr>
+          <p:style>
+            <a:lnRef idx="2">
+              <a:schemeClr val="accent1">
+                <a:shade val="50000"/>
+              </a:schemeClr>
+            </a:lnRef>
+            <a:fillRef idx="1">
+              <a:schemeClr val="accent1"/>
+            </a:fillRef>
+            <a:effectRef idx="0">
+              <a:schemeClr val="accent1"/>
+            </a:effectRef>
+            <a:fontRef idx="minor">
+              <a:schemeClr val="lt1"/>
+            </a:fontRef>
+          </p:style>
+          <p:txBody>
+            <a:bodyPr rtlCol="0" anchor="ctr"/>
+            <a:lstStyle/>
+            <a:p>
+              <a:pPr algn="ctr"/>
+              <a:endParaRPr lang="en-US"/>
+            </a:p>
+          </p:txBody>
+        </p:sp>
+        <p:sp>
+          <p:nvSpPr>
+            <p:cNvPr id="34" name="Rectangle 33">
+              <a:extLst>
+                <a:ext uri="{FF2B5EF4-FFF2-40B4-BE49-F238E27FC236}">
+                  <a16:creationId xmlns:a16="http://schemas.microsoft.com/office/drawing/2014/main" id="{DBD5A47C-9B59-34D7-82AF-E5525C8708EB}"/>
+                </a:ext>
+              </a:extLst>
+            </p:cNvPr>
+            <p:cNvSpPr/>
+            <p:nvPr/>
+          </p:nvSpPr>
+          <p:spPr>
+            <a:xfrm>
+              <a:off x="6690089" y="2582090"/>
+              <a:ext cx="16420011" cy="8009709"/>
+            </a:xfrm>
+            <a:prstGeom prst="rect">
+              <a:avLst/>
+            </a:prstGeom>
+            <a:noFill/>
+            <a:ln w="63500">
+              <a:solidFill>
+                <a:schemeClr val="tx1"/>
+              </a:solidFill>
+            </a:ln>
+          </p:spPr>
+          <p:style>
+            <a:lnRef idx="2">
+              <a:schemeClr val="accent1">
+                <a:shade val="50000"/>
+              </a:schemeClr>
+            </a:lnRef>
+            <a:fillRef idx="1">
+              <a:schemeClr val="accent1"/>
+            </a:fillRef>
+            <a:effectRef idx="0">
+              <a:schemeClr val="accent1"/>
+            </a:effectRef>
+            <a:fontRef idx="minor">
+              <a:schemeClr val="lt1"/>
+            </a:fontRef>
+          </p:style>
+          <p:txBody>
+            <a:bodyPr rtlCol="0" anchor="ctr"/>
+            <a:lstStyle/>
+            <a:p>
+              <a:pPr algn="ctr"/>
+              <a:endParaRPr lang="en-US" dirty="0"/>
+            </a:p>
+          </p:txBody>
+        </p:sp>
+      </p:grpSp>
+      <p:sp>
+        <p:nvSpPr>
+          <p:cNvPr id="43" name="TextBox 42">
+            <a:extLst>
+              <a:ext uri="{FF2B5EF4-FFF2-40B4-BE49-F238E27FC236}">
+                <a16:creationId xmlns:a16="http://schemas.microsoft.com/office/drawing/2014/main" id="{5208A82D-BD4B-026F-6B03-EA1E6C210E3E}"/>
+              </a:ext>
+            </a:extLst>
+          </p:cNvPr>
+          <p:cNvSpPr txBox="1"/>
+          <p:nvPr/>
+        </p:nvSpPr>
+        <p:spPr>
+          <a:xfrm>
+            <a:off x="13031634" y="483078"/>
+            <a:ext cx="3736920" cy="1477328"/>
+          </a:xfrm>
+          <a:prstGeom prst="rect">
+            <a:avLst/>
+          </a:prstGeom>
+          <a:noFill/>
+        </p:spPr>
+        <p:txBody>
+          <a:bodyPr wrap="none" rtlCol="0">
+            <a:spAutoFit/>
+          </a:bodyPr>
+          <a:lstStyle/>
+          <a:p>
+            <a:pPr algn="ctr"/>
+            <a:r>
+              <a:rPr lang="en-US" sz="9000" b="1" dirty="0">
+                <a:latin typeface="Microsoft JhengHei UI" panose="020B0604030504040204" pitchFamily="34" charset="-120"/>
+                <a:ea typeface="Microsoft JhengHei UI" panose="020B0604030504040204" pitchFamily="34" charset="-120"/>
+              </a:rPr>
+              <a:t>Donor</a:t>
+            </a:r>
+          </a:p>
+        </p:txBody>
+      </p:sp>
+      <p:sp>
+        <p:nvSpPr>
+          <p:cNvPr id="44" name="TextBox 43">
+            <a:extLst>
+              <a:ext uri="{FF2B5EF4-FFF2-40B4-BE49-F238E27FC236}">
+                <a16:creationId xmlns:a16="http://schemas.microsoft.com/office/drawing/2014/main" id="{2807531B-8A55-400C-5FEA-290A638BEF8D}"/>
+              </a:ext>
+            </a:extLst>
+          </p:cNvPr>
+          <p:cNvSpPr txBox="1"/>
+          <p:nvPr/>
+        </p:nvSpPr>
+        <p:spPr>
+          <a:xfrm>
+            <a:off x="29369371" y="578336"/>
+            <a:ext cx="5221366" cy="1477328"/>
+          </a:xfrm>
+          <a:prstGeom prst="rect">
+            <a:avLst/>
+          </a:prstGeom>
+          <a:noFill/>
+        </p:spPr>
+        <p:txBody>
+          <a:bodyPr wrap="none" rtlCol="0">
+            <a:spAutoFit/>
+          </a:bodyPr>
+          <a:lstStyle/>
+          <a:p>
+            <a:pPr algn="ctr"/>
+            <a:r>
+              <a:rPr lang="en-US" sz="9000" b="1" dirty="0">
+                <a:latin typeface="Microsoft JhengHei UI" panose="020B0604030504040204" pitchFamily="34" charset="-120"/>
+                <a:ea typeface="Microsoft JhengHei UI" panose="020B0604030504040204" pitchFamily="34" charset="-120"/>
+              </a:rPr>
+              <a:t>Acceptor</a:t>
+            </a:r>
+          </a:p>
+        </p:txBody>
+      </p:sp>
+      <p:sp>
+        <p:nvSpPr>
+          <p:cNvPr id="66" name="TextBox 65">
+            <a:extLst>
+              <a:ext uri="{FF2B5EF4-FFF2-40B4-BE49-F238E27FC236}">
+                <a16:creationId xmlns:a16="http://schemas.microsoft.com/office/drawing/2014/main" id="{1F61BAB7-70F4-4A09-2588-51C323C9F5A2}"/>
+              </a:ext>
+            </a:extLst>
+          </p:cNvPr>
+          <p:cNvSpPr txBox="1"/>
+          <p:nvPr/>
+        </p:nvSpPr>
+        <p:spPr>
+          <a:xfrm>
+            <a:off x="4178600" y="13562885"/>
+            <a:ext cx="944489" cy="1938992"/>
+          </a:xfrm>
+          <a:prstGeom prst="rect">
+            <a:avLst/>
+          </a:prstGeom>
+          <a:noFill/>
+        </p:spPr>
+        <p:txBody>
+          <a:bodyPr wrap="square" rtlCol="0">
+            <a:spAutoFit/>
+          </a:bodyPr>
+          <a:lstStyle/>
+          <a:p>
+            <a:r>
+              <a:rPr lang="en-US" sz="12000" b="1" dirty="0"/>
+              <a:t>b</a:t>
+            </a:r>
+          </a:p>
+        </p:txBody>
+      </p:sp>
+    </p:spTree>
+    <p:extLst>
+      <p:ext uri="{BB962C8B-B14F-4D97-AF65-F5344CB8AC3E}">
+        <p14:creationId xmlns:p14="http://schemas.microsoft.com/office/powerpoint/2010/main" val="2001175103"/>
+      </p:ext>
+    </p:extLst>
+  </p:cSld>
+  <p:clrMapOvr>
+    <a:masterClrMapping/>
+  </p:clrMapOvr>
+</p:sld>
+</file>
+
+<file path=ppt/slides/slide2.xml><?xml version="1.0" encoding="utf-8"?>
+<p:sld xmlns:a="http://schemas.openxmlformats.org/drawingml/2006/main" xmlns:r="http://schemas.openxmlformats.org/officeDocument/2006/relationships" xmlns:p="http://schemas.openxmlformats.org/presentationml/2006/main">
+  <p:cSld>
+    <p:spTree>
+      <p:nvGrpSpPr>
+        <p:cNvPr id="1" name=""/>
+        <p:cNvGrpSpPr/>
+        <p:nvPr/>
+      </p:nvGrpSpPr>
+      <p:grpSpPr>
+        <a:xfrm>
+          <a:off x="0" y="0"/>
+          <a:ext cx="0" cy="0"/>
+          <a:chOff x="0" y="0"/>
+          <a:chExt cx="0" cy="0"/>
+        </a:xfrm>
+      </p:grpSpPr>
+      <p:pic>
+        <p:nvPicPr>
+          <p:cNvPr id="3" name="Picture 2" descr="Table&#10;&#10;Description automatically generated">
+            <a:extLst>
+              <a:ext uri="{FF2B5EF4-FFF2-40B4-BE49-F238E27FC236}">
+                <a16:creationId xmlns:a16="http://schemas.microsoft.com/office/drawing/2014/main" id="{917DDB18-C657-1916-F7FD-862C3EEE1146}"/>
+              </a:ext>
+            </a:extLst>
+          </p:cNvPr>
+          <p:cNvPicPr>
+            <a:picLocks noChangeAspect="1"/>
+          </p:cNvPicPr>
+          <p:nvPr/>
+        </p:nvPicPr>
+        <p:blipFill>
+          <a:blip r:embed="rId3"/>
+          <a:stretch>
+            <a:fillRect/>
+          </a:stretch>
+        </p:blipFill>
+        <p:spPr>
+          <a:xfrm>
+            <a:off x="23556688" y="2098189"/>
             <a:ext cx="16692469" cy="8346235"/>
           </a:xfrm>
           <a:prstGeom prst="rect">
@@ -3534,10 +4197,100 @@
       </p:pic>
       <p:pic>
         <p:nvPicPr>
-          <p:cNvPr id="60" name="Picture 59" descr="Table&#10;&#10;Description automatically generated">
+          <p:cNvPr id="7" name="Picture 6" descr="Chart&#10;&#10;Description automatically generated">
             <a:extLst>
               <a:ext uri="{FF2B5EF4-FFF2-40B4-BE49-F238E27FC236}">
-                <a16:creationId xmlns:a16="http://schemas.microsoft.com/office/drawing/2014/main" id="{7778F7B2-82C5-956E-E537-E132A7519EC4}"/>
+                <a16:creationId xmlns:a16="http://schemas.microsoft.com/office/drawing/2014/main" id="{ACEB81AB-45C6-8382-AEE4-DB94492675CB}"/>
+              </a:ext>
+            </a:extLst>
+          </p:cNvPr>
+          <p:cNvPicPr>
+            <a:picLocks noChangeAspect="1"/>
+          </p:cNvPicPr>
+          <p:nvPr/>
+        </p:nvPicPr>
+        <p:blipFill>
+          <a:blip r:embed="rId4"/>
+          <a:stretch>
+            <a:fillRect/>
+          </a:stretch>
+        </p:blipFill>
+        <p:spPr>
+          <a:xfrm>
+            <a:off x="23556688" y="10575839"/>
+            <a:ext cx="16692469" cy="8346235"/>
+          </a:xfrm>
+          <a:prstGeom prst="rect">
+            <a:avLst/>
+          </a:prstGeom>
+        </p:spPr>
+      </p:pic>
+      <p:pic>
+        <p:nvPicPr>
+          <p:cNvPr id="11" name="Picture 10" descr="Chart&#10;&#10;Description automatically generated with low confidence">
+            <a:extLst>
+              <a:ext uri="{FF2B5EF4-FFF2-40B4-BE49-F238E27FC236}">
+                <a16:creationId xmlns:a16="http://schemas.microsoft.com/office/drawing/2014/main" id="{07CA24A8-9976-049A-9624-DD98F5E1C308}"/>
+              </a:ext>
+            </a:extLst>
+          </p:cNvPr>
+          <p:cNvPicPr>
+            <a:picLocks noChangeAspect="1"/>
+          </p:cNvPicPr>
+          <p:nvPr/>
+        </p:nvPicPr>
+        <p:blipFill>
+          <a:blip r:embed="rId5"/>
+          <a:stretch>
+            <a:fillRect/>
+          </a:stretch>
+        </p:blipFill>
+        <p:spPr>
+          <a:xfrm>
+            <a:off x="23556687" y="19078398"/>
+            <a:ext cx="16692469" cy="8346235"/>
+          </a:xfrm>
+          <a:prstGeom prst="rect">
+            <a:avLst/>
+          </a:prstGeom>
+        </p:spPr>
+      </p:pic>
+      <p:pic>
+        <p:nvPicPr>
+          <p:cNvPr id="16" name="Picture 15" descr="Table&#10;&#10;Description automatically generated with medium confidence">
+            <a:extLst>
+              <a:ext uri="{FF2B5EF4-FFF2-40B4-BE49-F238E27FC236}">
+                <a16:creationId xmlns:a16="http://schemas.microsoft.com/office/drawing/2014/main" id="{04B5AA41-95CA-99D5-28E5-39651E685BF2}"/>
+              </a:ext>
+            </a:extLst>
+          </p:cNvPr>
+          <p:cNvPicPr>
+            <a:picLocks noChangeAspect="1"/>
+          </p:cNvPicPr>
+          <p:nvPr/>
+        </p:nvPicPr>
+        <p:blipFill>
+          <a:blip r:embed="rId6"/>
+          <a:stretch>
+            <a:fillRect/>
+          </a:stretch>
+        </p:blipFill>
+        <p:spPr>
+          <a:xfrm>
+            <a:off x="23556687" y="27516072"/>
+            <a:ext cx="16692469" cy="8346235"/>
+          </a:xfrm>
+          <a:prstGeom prst="rect">
+            <a:avLst/>
+          </a:prstGeom>
+        </p:spPr>
+      </p:pic>
+      <p:pic>
+        <p:nvPicPr>
+          <p:cNvPr id="5" name="Picture 4" descr="Chart&#10;&#10;Description automatically generated">
+            <a:extLst>
+              <a:ext uri="{FF2B5EF4-FFF2-40B4-BE49-F238E27FC236}">
+                <a16:creationId xmlns:a16="http://schemas.microsoft.com/office/drawing/2014/main" id="{DE362162-1758-EADC-7B99-F8E8D670CD32}"/>
               </a:ext>
             </a:extLst>
           </p:cNvPr>
@@ -3554,7 +4307,7 @@
         </p:blipFill>
         <p:spPr>
           <a:xfrm>
-            <a:off x="6490781" y="27516074"/>
+            <a:off x="6448111" y="2098190"/>
             <a:ext cx="16692469" cy="8346235"/>
           </a:xfrm>
           <a:prstGeom prst="rect">
@@ -3564,10 +4317,10 @@
       </p:pic>
       <p:pic>
         <p:nvPicPr>
-          <p:cNvPr id="52" name="Picture 51" descr="Chart&#10;&#10;Description automatically generated">
+          <p:cNvPr id="9" name="Picture 8" descr="Chart&#10;&#10;Description automatically generated">
             <a:extLst>
               <a:ext uri="{FF2B5EF4-FFF2-40B4-BE49-F238E27FC236}">
-                <a16:creationId xmlns:a16="http://schemas.microsoft.com/office/drawing/2014/main" id="{26DDBB66-39B7-D8E4-BF43-6518F35E98E9}"/>
+                <a16:creationId xmlns:a16="http://schemas.microsoft.com/office/drawing/2014/main" id="{E29EB3E2-36C3-40E2-A3C7-5D38FC56FE74}"/>
               </a:ext>
             </a:extLst>
           </p:cNvPr>
@@ -3584,7 +4337,7 @@
         </p:blipFill>
         <p:spPr>
           <a:xfrm>
-            <a:off x="6490783" y="10600177"/>
+            <a:off x="6448114" y="10575840"/>
             <a:ext cx="16692469" cy="8346235"/>
           </a:xfrm>
           <a:prstGeom prst="rect">
@@ -3594,10 +4347,10 @@
       </p:pic>
       <p:pic>
         <p:nvPicPr>
-          <p:cNvPr id="46" name="Picture 45" descr="Table&#10;&#10;Description automatically generated">
+          <p:cNvPr id="14" name="Picture 13" descr="A picture containing chart&#10;&#10;Description automatically generated">
             <a:extLst>
               <a:ext uri="{FF2B5EF4-FFF2-40B4-BE49-F238E27FC236}">
-                <a16:creationId xmlns:a16="http://schemas.microsoft.com/office/drawing/2014/main" id="{2C4E5D24-3402-9478-482A-6186664C3514}"/>
+                <a16:creationId xmlns:a16="http://schemas.microsoft.com/office/drawing/2014/main" id="{D961DA00-4865-15E3-5D17-E88FCEF5CF92}"/>
               </a:ext>
             </a:extLst>
           </p:cNvPr>
@@ -3614,7 +4367,7 @@
         </p:blipFill>
         <p:spPr>
           <a:xfrm>
-            <a:off x="23599950" y="2081318"/>
+            <a:off x="6448113" y="19043903"/>
             <a:ext cx="16692469" cy="8346235"/>
           </a:xfrm>
           <a:prstGeom prst="rect">
@@ -3624,10 +4377,10 @@
       </p:pic>
       <p:pic>
         <p:nvPicPr>
-          <p:cNvPr id="48" name="Picture 47" descr="Chart&#10;&#10;Description automatically generated">
+          <p:cNvPr id="21" name="Picture 20" descr="Chart&#10;&#10;Description automatically generated with low confidence">
             <a:extLst>
               <a:ext uri="{FF2B5EF4-FFF2-40B4-BE49-F238E27FC236}">
-                <a16:creationId xmlns:a16="http://schemas.microsoft.com/office/drawing/2014/main" id="{D4BC7395-DE58-18BA-689A-278314491D71}"/>
+                <a16:creationId xmlns:a16="http://schemas.microsoft.com/office/drawing/2014/main" id="{24F3555A-3610-D88B-0B23-192EF9498BC4}"/>
               </a:ext>
             </a:extLst>
           </p:cNvPr>
@@ -3644,7 +4397,7 @@
         </p:blipFill>
         <p:spPr>
           <a:xfrm>
-            <a:off x="6490783" y="2133805"/>
+            <a:off x="6448112" y="27516073"/>
             <a:ext cx="16692469" cy="8346235"/>
           </a:xfrm>
           <a:prstGeom prst="rect">
@@ -4617,7 +5370,7 @@
     </p:spTree>
     <p:extLst>
       <p:ext uri="{BB962C8B-B14F-4D97-AF65-F5344CB8AC3E}">
-        <p14:creationId xmlns:p14="http://schemas.microsoft.com/office/powerpoint/2010/main" val="2001175103"/>
+        <p14:creationId xmlns:p14="http://schemas.microsoft.com/office/powerpoint/2010/main" val="1712413504"/>
       </p:ext>
     </p:extLst>
   </p:cSld>

--- a/Figures/Figure_5/Figure_5.pptx
+++ b/Figures/Figure_5/Figure_5.pptx
@@ -2,16 +2,15 @@
 <file path=ppt/presentation.xml><?xml version="1.0" encoding="utf-8"?>
 <p:presentation xmlns:a="http://schemas.openxmlformats.org/drawingml/2006/main" xmlns:r="http://schemas.openxmlformats.org/officeDocument/2006/relationships" xmlns:p="http://schemas.openxmlformats.org/presentationml/2006/main" saveSubsetFonts="1" autoCompressPictures="0">
   <p:sldMasterIdLst>
-    <p:sldMasterId id="2147483684" r:id="rId1"/>
+    <p:sldMasterId id="2147483672" r:id="rId1"/>
   </p:sldMasterIdLst>
   <p:notesMasterIdLst>
-    <p:notesMasterId r:id="rId4"/>
+    <p:notesMasterId r:id="rId3"/>
   </p:notesMasterIdLst>
   <p:sldIdLst>
     <p:sldId id="256" r:id="rId2"/>
-    <p:sldId id="257" r:id="rId3"/>
   </p:sldIdLst>
-  <p:sldSz cx="50399950" cy="35999738"/>
+  <p:sldSz cx="43200638" cy="35999738"/>
   <p:notesSz cx="6858000" cy="9144000"/>
   <p:defaultTextStyle>
     <a:defPPr>
@@ -198,7 +197,7 @@
           <a:p>
             <a:fld id="{ABD72DE5-B6EE-E147-A976-7400C289695F}" type="datetimeFigureOut">
               <a:rPr lang="en-US" smtClean="0"/>
-              <a:t>5/4/23</a:t>
+              <a:t>5/17/23</a:t>
             </a:fld>
             <a:endParaRPr lang="en-US"/>
           </a:p>
@@ -216,8 +215,8 @@
         </p:nvSpPr>
         <p:spPr>
           <a:xfrm>
-            <a:off x="1270000" y="1143000"/>
-            <a:ext cx="4318000" cy="3086100"/>
+            <a:off x="1577975" y="1143000"/>
+            <a:ext cx="3702050" cy="3086100"/>
           </a:xfrm>
           <a:prstGeom prst="rect">
             <a:avLst/>
@@ -494,8 +493,8 @@
         </p:nvSpPr>
         <p:spPr>
           <a:xfrm>
-            <a:off x="1270000" y="1143000"/>
-            <a:ext cx="4318000" cy="3086100"/>
+            <a:off x="1577975" y="1143000"/>
+            <a:ext cx="3702050" cy="3086100"/>
           </a:xfrm>
         </p:spPr>
       </p:sp>
@@ -545,95 +544,6 @@
     <p:extLst>
       <p:ext uri="{BB962C8B-B14F-4D97-AF65-F5344CB8AC3E}">
         <p14:creationId xmlns:p14="http://schemas.microsoft.com/office/powerpoint/2010/main" val="1647626189"/>
-      </p:ext>
-    </p:extLst>
-  </p:cSld>
-  <p:clrMapOvr>
-    <a:masterClrMapping/>
-  </p:clrMapOvr>
-</p:notes>
-</file>
-
-<file path=ppt/notesSlides/notesSlide2.xml><?xml version="1.0" encoding="utf-8"?>
-<p:notes xmlns:a="http://schemas.openxmlformats.org/drawingml/2006/main" xmlns:r="http://schemas.openxmlformats.org/officeDocument/2006/relationships" xmlns:p="http://schemas.openxmlformats.org/presentationml/2006/main">
-  <p:cSld>
-    <p:spTree>
-      <p:nvGrpSpPr>
-        <p:cNvPr id="1" name=""/>
-        <p:cNvGrpSpPr/>
-        <p:nvPr/>
-      </p:nvGrpSpPr>
-      <p:grpSpPr>
-        <a:xfrm>
-          <a:off x="0" y="0"/>
-          <a:ext cx="0" cy="0"/>
-          <a:chOff x="0" y="0"/>
-          <a:chExt cx="0" cy="0"/>
-        </a:xfrm>
-      </p:grpSpPr>
-      <p:sp>
-        <p:nvSpPr>
-          <p:cNvPr id="2" name="Slide Image Placeholder 1"/>
-          <p:cNvSpPr>
-            <a:spLocks noGrp="1" noRot="1" noChangeAspect="1"/>
-          </p:cNvSpPr>
-          <p:nvPr>
-            <p:ph type="sldImg"/>
-          </p:nvPr>
-        </p:nvSpPr>
-        <p:spPr>
-          <a:xfrm>
-            <a:off x="1270000" y="1143000"/>
-            <a:ext cx="4318000" cy="3086100"/>
-          </a:xfrm>
-        </p:spPr>
-      </p:sp>
-      <p:sp>
-        <p:nvSpPr>
-          <p:cNvPr id="3" name="Notes Placeholder 2"/>
-          <p:cNvSpPr>
-            <a:spLocks noGrp="1"/>
-          </p:cNvSpPr>
-          <p:nvPr>
-            <p:ph type="body" idx="1"/>
-          </p:nvPr>
-        </p:nvSpPr>
-        <p:spPr/>
-        <p:txBody>
-          <a:bodyPr/>
-          <a:lstStyle/>
-          <a:p>
-            <a:endParaRPr lang="en-US" dirty="0"/>
-          </a:p>
-        </p:txBody>
-      </p:sp>
-      <p:sp>
-        <p:nvSpPr>
-          <p:cNvPr id="4" name="Slide Number Placeholder 3"/>
-          <p:cNvSpPr>
-            <a:spLocks noGrp="1"/>
-          </p:cNvSpPr>
-          <p:nvPr>
-            <p:ph type="sldNum" sz="quarter" idx="5"/>
-          </p:nvPr>
-        </p:nvSpPr>
-        <p:spPr/>
-        <p:txBody>
-          <a:bodyPr/>
-          <a:lstStyle/>
-          <a:p>
-            <a:fld id="{95F117BC-AFF7-1F40-A198-4736DB871B4B}" type="slidenum">
-              <a:rPr lang="en-US" smtClean="0"/>
-              <a:t>2</a:t>
-            </a:fld>
-            <a:endParaRPr lang="en-US"/>
-          </a:p>
-        </p:txBody>
-      </p:sp>
-    </p:spTree>
-    <p:extLst>
-      <p:ext uri="{BB962C8B-B14F-4D97-AF65-F5344CB8AC3E}">
-        <p14:creationId xmlns:p14="http://schemas.microsoft.com/office/powerpoint/2010/main" val="3079091395"/>
       </p:ext>
     </p:extLst>
   </p:cSld>
@@ -672,15 +582,15 @@
         </p:nvSpPr>
         <p:spPr>
           <a:xfrm>
-            <a:off x="3779996" y="5891626"/>
-            <a:ext cx="42839958" cy="12533242"/>
+            <a:off x="3240048" y="5891626"/>
+            <a:ext cx="36720542" cy="12533242"/>
           </a:xfrm>
         </p:spPr>
         <p:txBody>
           <a:bodyPr anchor="b"/>
           <a:lstStyle>
             <a:lvl1pPr algn="ctr">
-              <a:defRPr sz="31496"/>
+              <a:defRPr sz="28347"/>
             </a:lvl1pPr>
           </a:lstStyle>
           <a:p>
@@ -704,8 +614,8 @@
         </p:nvSpPr>
         <p:spPr>
           <a:xfrm>
-            <a:off x="6299994" y="18908198"/>
-            <a:ext cx="37799963" cy="8691601"/>
+            <a:off x="5400080" y="18908198"/>
+            <a:ext cx="32400479" cy="8691601"/>
           </a:xfrm>
         </p:spPr>
         <p:txBody>
@@ -713,39 +623,39 @@
           <a:lstStyle>
             <a:lvl1pPr marL="0" indent="0" algn="ctr">
               <a:buNone/>
-              <a:defRPr sz="12598"/>
+              <a:defRPr sz="11339"/>
             </a:lvl1pPr>
-            <a:lvl2pPr marL="2399980" indent="0" algn="ctr">
-              <a:buNone/>
-              <a:defRPr sz="10499"/>
+            <a:lvl2pPr marL="2160041" indent="0" algn="ctr">
+              <a:buNone/>
+              <a:defRPr sz="9449"/>
             </a:lvl2pPr>
-            <a:lvl3pPr marL="4799960" indent="0" algn="ctr">
-              <a:buNone/>
-              <a:defRPr sz="9449"/>
+            <a:lvl3pPr marL="4320083" indent="0" algn="ctr">
+              <a:buNone/>
+              <a:defRPr sz="8504"/>
             </a:lvl3pPr>
-            <a:lvl4pPr marL="7199940" indent="0" algn="ctr">
-              <a:buNone/>
-              <a:defRPr sz="8399"/>
+            <a:lvl4pPr marL="6480124" indent="0" algn="ctr">
+              <a:buNone/>
+              <a:defRPr sz="7559"/>
             </a:lvl4pPr>
-            <a:lvl5pPr marL="9599920" indent="0" algn="ctr">
-              <a:buNone/>
-              <a:defRPr sz="8399"/>
+            <a:lvl5pPr marL="8640166" indent="0" algn="ctr">
+              <a:buNone/>
+              <a:defRPr sz="7559"/>
             </a:lvl5pPr>
-            <a:lvl6pPr marL="11999900" indent="0" algn="ctr">
-              <a:buNone/>
-              <a:defRPr sz="8399"/>
+            <a:lvl6pPr marL="10800207" indent="0" algn="ctr">
+              <a:buNone/>
+              <a:defRPr sz="7559"/>
             </a:lvl6pPr>
-            <a:lvl7pPr marL="14399880" indent="0" algn="ctr">
-              <a:buNone/>
-              <a:defRPr sz="8399"/>
+            <a:lvl7pPr marL="12960248" indent="0" algn="ctr">
+              <a:buNone/>
+              <a:defRPr sz="7559"/>
             </a:lvl7pPr>
-            <a:lvl8pPr marL="16799860" indent="0" algn="ctr">
-              <a:buNone/>
-              <a:defRPr sz="8399"/>
+            <a:lvl8pPr marL="15120290" indent="0" algn="ctr">
+              <a:buNone/>
+              <a:defRPr sz="7559"/>
             </a:lvl8pPr>
-            <a:lvl9pPr marL="19199840" indent="0" algn="ctr">
-              <a:buNone/>
-              <a:defRPr sz="8399"/>
+            <a:lvl9pPr marL="17280331" indent="0" algn="ctr">
+              <a:buNone/>
+              <a:defRPr sz="7559"/>
             </a:lvl9pPr>
           </a:lstStyle>
           <a:p>
@@ -774,7 +684,7 @@
           <a:p>
             <a:fld id="{5829EFD3-DAAF-1A4D-98F0-A61E9156FD54}" type="datetimeFigureOut">
               <a:rPr lang="en-US" smtClean="0"/>
-              <a:t>5/4/23</a:t>
+              <a:t>5/17/23</a:t>
             </a:fld>
             <a:endParaRPr lang="en-US"/>
           </a:p>
@@ -825,7 +735,7 @@
     </p:spTree>
     <p:extLst>
       <p:ext uri="{BB962C8B-B14F-4D97-AF65-F5344CB8AC3E}">
-        <p14:creationId xmlns:p14="http://schemas.microsoft.com/office/powerpoint/2010/main" val="3514228061"/>
+        <p14:creationId xmlns:p14="http://schemas.microsoft.com/office/powerpoint/2010/main" val="2816469058"/>
       </p:ext>
     </p:extLst>
   </p:cSld>
@@ -944,7 +854,7 @@
           <a:p>
             <a:fld id="{5829EFD3-DAAF-1A4D-98F0-A61E9156FD54}" type="datetimeFigureOut">
               <a:rPr lang="en-US" smtClean="0"/>
-              <a:t>5/4/23</a:t>
+              <a:t>5/17/23</a:t>
             </a:fld>
             <a:endParaRPr lang="en-US"/>
           </a:p>
@@ -995,7 +905,7 @@
     </p:spTree>
     <p:extLst>
       <p:ext uri="{BB962C8B-B14F-4D97-AF65-F5344CB8AC3E}">
-        <p14:creationId xmlns:p14="http://schemas.microsoft.com/office/powerpoint/2010/main" val="3442652749"/>
+        <p14:creationId xmlns:p14="http://schemas.microsoft.com/office/powerpoint/2010/main" val="2144699890"/>
       </p:ext>
     </p:extLst>
   </p:cSld>
@@ -1034,8 +944,8 @@
         </p:nvSpPr>
         <p:spPr>
           <a:xfrm>
-            <a:off x="36067467" y="1916653"/>
-            <a:ext cx="10867489" cy="30508114"/>
+            <a:off x="30915459" y="1916653"/>
+            <a:ext cx="9315138" cy="30508114"/>
           </a:xfrm>
         </p:spPr>
         <p:txBody>
@@ -1062,8 +972,8 @@
         </p:nvSpPr>
         <p:spPr>
           <a:xfrm>
-            <a:off x="3464999" y="1916653"/>
-            <a:ext cx="31972468" cy="30508114"/>
+            <a:off x="2970046" y="1916653"/>
+            <a:ext cx="27405405" cy="30508114"/>
           </a:xfrm>
         </p:spPr>
         <p:txBody>
@@ -1124,7 +1034,7 @@
           <a:p>
             <a:fld id="{5829EFD3-DAAF-1A4D-98F0-A61E9156FD54}" type="datetimeFigureOut">
               <a:rPr lang="en-US" smtClean="0"/>
-              <a:t>5/4/23</a:t>
+              <a:t>5/17/23</a:t>
             </a:fld>
             <a:endParaRPr lang="en-US"/>
           </a:p>
@@ -1175,7 +1085,7 @@
     </p:spTree>
     <p:extLst>
       <p:ext uri="{BB962C8B-B14F-4D97-AF65-F5344CB8AC3E}">
-        <p14:creationId xmlns:p14="http://schemas.microsoft.com/office/powerpoint/2010/main" val="863254101"/>
+        <p14:creationId xmlns:p14="http://schemas.microsoft.com/office/powerpoint/2010/main" val="918261372"/>
       </p:ext>
     </p:extLst>
   </p:cSld>
@@ -1294,7 +1204,7 @@
           <a:p>
             <a:fld id="{5829EFD3-DAAF-1A4D-98F0-A61E9156FD54}" type="datetimeFigureOut">
               <a:rPr lang="en-US" smtClean="0"/>
-              <a:t>5/4/23</a:t>
+              <a:t>5/17/23</a:t>
             </a:fld>
             <a:endParaRPr lang="en-US"/>
           </a:p>
@@ -1345,7 +1255,7 @@
     </p:spTree>
     <p:extLst>
       <p:ext uri="{BB962C8B-B14F-4D97-AF65-F5344CB8AC3E}">
-        <p14:creationId xmlns:p14="http://schemas.microsoft.com/office/powerpoint/2010/main" val="2021473083"/>
+        <p14:creationId xmlns:p14="http://schemas.microsoft.com/office/powerpoint/2010/main" val="246408593"/>
       </p:ext>
     </p:extLst>
   </p:cSld>
@@ -1384,15 +1294,15 @@
         </p:nvSpPr>
         <p:spPr>
           <a:xfrm>
-            <a:off x="3438749" y="8974945"/>
-            <a:ext cx="43469957" cy="14974888"/>
+            <a:off x="2947546" y="8974945"/>
+            <a:ext cx="37260550" cy="14974888"/>
           </a:xfrm>
         </p:spPr>
         <p:txBody>
           <a:bodyPr anchor="b"/>
           <a:lstStyle>
             <a:lvl1pPr>
-              <a:defRPr sz="31496"/>
+              <a:defRPr sz="28347"/>
             </a:lvl1pPr>
           </a:lstStyle>
           <a:p>
@@ -1416,8 +1326,8 @@
         </p:nvSpPr>
         <p:spPr>
           <a:xfrm>
-            <a:off x="3438749" y="24091502"/>
-            <a:ext cx="43469957" cy="7874940"/>
+            <a:off x="2947546" y="24091502"/>
+            <a:ext cx="37260550" cy="7874940"/>
           </a:xfrm>
         </p:spPr>
         <p:txBody>
@@ -1425,15 +1335,15 @@
           <a:lstStyle>
             <a:lvl1pPr marL="0" indent="0">
               <a:buNone/>
-              <a:defRPr sz="12598">
+              <a:defRPr sz="11339">
                 <a:solidFill>
                   <a:schemeClr val="tx1"/>
                 </a:solidFill>
               </a:defRPr>
             </a:lvl1pPr>
-            <a:lvl2pPr marL="2399980" indent="0">
-              <a:buNone/>
-              <a:defRPr sz="10499">
+            <a:lvl2pPr marL="2160041" indent="0">
+              <a:buNone/>
+              <a:defRPr sz="9449">
                 <a:solidFill>
                   <a:schemeClr val="tx1">
                     <a:tint val="75000"/>
@@ -1441,9 +1351,9 @@
                 </a:solidFill>
               </a:defRPr>
             </a:lvl2pPr>
-            <a:lvl3pPr marL="4799960" indent="0">
-              <a:buNone/>
-              <a:defRPr sz="9449">
+            <a:lvl3pPr marL="4320083" indent="0">
+              <a:buNone/>
+              <a:defRPr sz="8504">
                 <a:solidFill>
                   <a:schemeClr val="tx1">
                     <a:tint val="75000"/>
@@ -1451,9 +1361,9 @@
                 </a:solidFill>
               </a:defRPr>
             </a:lvl3pPr>
-            <a:lvl4pPr marL="7199940" indent="0">
-              <a:buNone/>
-              <a:defRPr sz="8399">
+            <a:lvl4pPr marL="6480124" indent="0">
+              <a:buNone/>
+              <a:defRPr sz="7559">
                 <a:solidFill>
                   <a:schemeClr val="tx1">
                     <a:tint val="75000"/>
@@ -1461,9 +1371,9 @@
                 </a:solidFill>
               </a:defRPr>
             </a:lvl4pPr>
-            <a:lvl5pPr marL="9599920" indent="0">
-              <a:buNone/>
-              <a:defRPr sz="8399">
+            <a:lvl5pPr marL="8640166" indent="0">
+              <a:buNone/>
+              <a:defRPr sz="7559">
                 <a:solidFill>
                   <a:schemeClr val="tx1">
                     <a:tint val="75000"/>
@@ -1471,9 +1381,9 @@
                 </a:solidFill>
               </a:defRPr>
             </a:lvl5pPr>
-            <a:lvl6pPr marL="11999900" indent="0">
-              <a:buNone/>
-              <a:defRPr sz="8399">
+            <a:lvl6pPr marL="10800207" indent="0">
+              <a:buNone/>
+              <a:defRPr sz="7559">
                 <a:solidFill>
                   <a:schemeClr val="tx1">
                     <a:tint val="75000"/>
@@ -1481,9 +1391,9 @@
                 </a:solidFill>
               </a:defRPr>
             </a:lvl6pPr>
-            <a:lvl7pPr marL="14399880" indent="0">
-              <a:buNone/>
-              <a:defRPr sz="8399">
+            <a:lvl7pPr marL="12960248" indent="0">
+              <a:buNone/>
+              <a:defRPr sz="7559">
                 <a:solidFill>
                   <a:schemeClr val="tx1">
                     <a:tint val="75000"/>
@@ -1491,9 +1401,9 @@
                 </a:solidFill>
               </a:defRPr>
             </a:lvl7pPr>
-            <a:lvl8pPr marL="16799860" indent="0">
-              <a:buNone/>
-              <a:defRPr sz="8399">
+            <a:lvl8pPr marL="15120290" indent="0">
+              <a:buNone/>
+              <a:defRPr sz="7559">
                 <a:solidFill>
                   <a:schemeClr val="tx1">
                     <a:tint val="75000"/>
@@ -1501,9 +1411,9 @@
                 </a:solidFill>
               </a:defRPr>
             </a:lvl8pPr>
-            <a:lvl9pPr marL="19199840" indent="0">
-              <a:buNone/>
-              <a:defRPr sz="8399">
+            <a:lvl9pPr marL="17280331" indent="0">
+              <a:buNone/>
+              <a:defRPr sz="7559">
                 <a:solidFill>
                   <a:schemeClr val="tx1">
                     <a:tint val="75000"/>
@@ -1538,7 +1448,7 @@
           <a:p>
             <a:fld id="{5829EFD3-DAAF-1A4D-98F0-A61E9156FD54}" type="datetimeFigureOut">
               <a:rPr lang="en-US" smtClean="0"/>
-              <a:t>5/4/23</a:t>
+              <a:t>5/17/23</a:t>
             </a:fld>
             <a:endParaRPr lang="en-US"/>
           </a:p>
@@ -1589,7 +1499,7 @@
     </p:spTree>
     <p:extLst>
       <p:ext uri="{BB962C8B-B14F-4D97-AF65-F5344CB8AC3E}">
-        <p14:creationId xmlns:p14="http://schemas.microsoft.com/office/powerpoint/2010/main" val="4165514181"/>
+        <p14:creationId xmlns:p14="http://schemas.microsoft.com/office/powerpoint/2010/main" val="2305167248"/>
       </p:ext>
     </p:extLst>
   </p:cSld>
@@ -1651,8 +1561,8 @@
         </p:nvSpPr>
         <p:spPr>
           <a:xfrm>
-            <a:off x="3464996" y="9583264"/>
-            <a:ext cx="21419979" cy="22841503"/>
+            <a:off x="2970044" y="9583264"/>
+            <a:ext cx="18360271" cy="22841503"/>
           </a:xfrm>
         </p:spPr>
         <p:txBody>
@@ -1708,8 +1618,8 @@
         </p:nvSpPr>
         <p:spPr>
           <a:xfrm>
-            <a:off x="25514975" y="9583264"/>
-            <a:ext cx="21419979" cy="22841503"/>
+            <a:off x="21870323" y="9583264"/>
+            <a:ext cx="18360271" cy="22841503"/>
           </a:xfrm>
         </p:spPr>
         <p:txBody>
@@ -1770,7 +1680,7 @@
           <a:p>
             <a:fld id="{5829EFD3-DAAF-1A4D-98F0-A61E9156FD54}" type="datetimeFigureOut">
               <a:rPr lang="en-US" smtClean="0"/>
-              <a:t>5/4/23</a:t>
+              <a:t>5/17/23</a:t>
             </a:fld>
             <a:endParaRPr lang="en-US"/>
           </a:p>
@@ -1821,7 +1731,7 @@
     </p:spTree>
     <p:extLst>
       <p:ext uri="{BB962C8B-B14F-4D97-AF65-F5344CB8AC3E}">
-        <p14:creationId xmlns:p14="http://schemas.microsoft.com/office/powerpoint/2010/main" val="2166510633"/>
+        <p14:creationId xmlns:p14="http://schemas.microsoft.com/office/powerpoint/2010/main" val="1378132755"/>
       </p:ext>
     </p:extLst>
   </p:cSld>
@@ -1860,8 +1770,8 @@
         </p:nvSpPr>
         <p:spPr>
           <a:xfrm>
-            <a:off x="3471561" y="1916661"/>
-            <a:ext cx="43469957" cy="6958285"/>
+            <a:off x="2975671" y="1916661"/>
+            <a:ext cx="37260550" cy="6958285"/>
           </a:xfrm>
         </p:spPr>
         <p:txBody>
@@ -1888,8 +1798,8 @@
         </p:nvSpPr>
         <p:spPr>
           <a:xfrm>
-            <a:off x="3471567" y="8824938"/>
-            <a:ext cx="21321538" cy="4324966"/>
+            <a:off x="2975675" y="8824938"/>
+            <a:ext cx="18275892" cy="4324966"/>
           </a:xfrm>
         </p:spPr>
         <p:txBody>
@@ -1897,39 +1807,39 @@
           <a:lstStyle>
             <a:lvl1pPr marL="0" indent="0">
               <a:buNone/>
-              <a:defRPr sz="12598" b="1"/>
+              <a:defRPr sz="11339" b="1"/>
             </a:lvl1pPr>
-            <a:lvl2pPr marL="2399980" indent="0">
-              <a:buNone/>
-              <a:defRPr sz="10499" b="1"/>
+            <a:lvl2pPr marL="2160041" indent="0">
+              <a:buNone/>
+              <a:defRPr sz="9449" b="1"/>
             </a:lvl2pPr>
-            <a:lvl3pPr marL="4799960" indent="0">
-              <a:buNone/>
-              <a:defRPr sz="9449" b="1"/>
+            <a:lvl3pPr marL="4320083" indent="0">
+              <a:buNone/>
+              <a:defRPr sz="8504" b="1"/>
             </a:lvl3pPr>
-            <a:lvl4pPr marL="7199940" indent="0">
-              <a:buNone/>
-              <a:defRPr sz="8399" b="1"/>
+            <a:lvl4pPr marL="6480124" indent="0">
+              <a:buNone/>
+              <a:defRPr sz="7559" b="1"/>
             </a:lvl4pPr>
-            <a:lvl5pPr marL="9599920" indent="0">
-              <a:buNone/>
-              <a:defRPr sz="8399" b="1"/>
+            <a:lvl5pPr marL="8640166" indent="0">
+              <a:buNone/>
+              <a:defRPr sz="7559" b="1"/>
             </a:lvl5pPr>
-            <a:lvl6pPr marL="11999900" indent="0">
-              <a:buNone/>
-              <a:defRPr sz="8399" b="1"/>
+            <a:lvl6pPr marL="10800207" indent="0">
+              <a:buNone/>
+              <a:defRPr sz="7559" b="1"/>
             </a:lvl6pPr>
-            <a:lvl7pPr marL="14399880" indent="0">
-              <a:buNone/>
-              <a:defRPr sz="8399" b="1"/>
+            <a:lvl7pPr marL="12960248" indent="0">
+              <a:buNone/>
+              <a:defRPr sz="7559" b="1"/>
             </a:lvl7pPr>
-            <a:lvl8pPr marL="16799860" indent="0">
-              <a:buNone/>
-              <a:defRPr sz="8399" b="1"/>
+            <a:lvl8pPr marL="15120290" indent="0">
+              <a:buNone/>
+              <a:defRPr sz="7559" b="1"/>
             </a:lvl8pPr>
-            <a:lvl9pPr marL="19199840" indent="0">
-              <a:buNone/>
-              <a:defRPr sz="8399" b="1"/>
+            <a:lvl9pPr marL="17280331" indent="0">
+              <a:buNone/>
+              <a:defRPr sz="7559" b="1"/>
             </a:lvl9pPr>
           </a:lstStyle>
           <a:p>
@@ -1953,8 +1863,8 @@
         </p:nvSpPr>
         <p:spPr>
           <a:xfrm>
-            <a:off x="3471567" y="13149904"/>
-            <a:ext cx="21321538" cy="19341529"/>
+            <a:off x="2975675" y="13149904"/>
+            <a:ext cx="18275892" cy="19341529"/>
           </a:xfrm>
         </p:spPr>
         <p:txBody>
@@ -2010,8 +1920,8 @@
         </p:nvSpPr>
         <p:spPr>
           <a:xfrm>
-            <a:off x="25514978" y="8824938"/>
-            <a:ext cx="21426543" cy="4324966"/>
+            <a:off x="21870325" y="8824938"/>
+            <a:ext cx="18365898" cy="4324966"/>
           </a:xfrm>
         </p:spPr>
         <p:txBody>
@@ -2019,39 +1929,39 @@
           <a:lstStyle>
             <a:lvl1pPr marL="0" indent="0">
               <a:buNone/>
-              <a:defRPr sz="12598" b="1"/>
+              <a:defRPr sz="11339" b="1"/>
             </a:lvl1pPr>
-            <a:lvl2pPr marL="2399980" indent="0">
-              <a:buNone/>
-              <a:defRPr sz="10499" b="1"/>
+            <a:lvl2pPr marL="2160041" indent="0">
+              <a:buNone/>
+              <a:defRPr sz="9449" b="1"/>
             </a:lvl2pPr>
-            <a:lvl3pPr marL="4799960" indent="0">
-              <a:buNone/>
-              <a:defRPr sz="9449" b="1"/>
+            <a:lvl3pPr marL="4320083" indent="0">
+              <a:buNone/>
+              <a:defRPr sz="8504" b="1"/>
             </a:lvl3pPr>
-            <a:lvl4pPr marL="7199940" indent="0">
-              <a:buNone/>
-              <a:defRPr sz="8399" b="1"/>
+            <a:lvl4pPr marL="6480124" indent="0">
+              <a:buNone/>
+              <a:defRPr sz="7559" b="1"/>
             </a:lvl4pPr>
-            <a:lvl5pPr marL="9599920" indent="0">
-              <a:buNone/>
-              <a:defRPr sz="8399" b="1"/>
+            <a:lvl5pPr marL="8640166" indent="0">
+              <a:buNone/>
+              <a:defRPr sz="7559" b="1"/>
             </a:lvl5pPr>
-            <a:lvl6pPr marL="11999900" indent="0">
-              <a:buNone/>
-              <a:defRPr sz="8399" b="1"/>
+            <a:lvl6pPr marL="10800207" indent="0">
+              <a:buNone/>
+              <a:defRPr sz="7559" b="1"/>
             </a:lvl6pPr>
-            <a:lvl7pPr marL="14399880" indent="0">
-              <a:buNone/>
-              <a:defRPr sz="8399" b="1"/>
+            <a:lvl7pPr marL="12960248" indent="0">
+              <a:buNone/>
+              <a:defRPr sz="7559" b="1"/>
             </a:lvl7pPr>
-            <a:lvl8pPr marL="16799860" indent="0">
-              <a:buNone/>
-              <a:defRPr sz="8399" b="1"/>
+            <a:lvl8pPr marL="15120290" indent="0">
+              <a:buNone/>
+              <a:defRPr sz="7559" b="1"/>
             </a:lvl8pPr>
-            <a:lvl9pPr marL="19199840" indent="0">
-              <a:buNone/>
-              <a:defRPr sz="8399" b="1"/>
+            <a:lvl9pPr marL="17280331" indent="0">
+              <a:buNone/>
+              <a:defRPr sz="7559" b="1"/>
             </a:lvl9pPr>
           </a:lstStyle>
           <a:p>
@@ -2075,8 +1985,8 @@
         </p:nvSpPr>
         <p:spPr>
           <a:xfrm>
-            <a:off x="25514978" y="13149904"/>
-            <a:ext cx="21426543" cy="19341529"/>
+            <a:off x="21870325" y="13149904"/>
+            <a:ext cx="18365898" cy="19341529"/>
           </a:xfrm>
         </p:spPr>
         <p:txBody>
@@ -2137,7 +2047,7 @@
           <a:p>
             <a:fld id="{5829EFD3-DAAF-1A4D-98F0-A61E9156FD54}" type="datetimeFigureOut">
               <a:rPr lang="en-US" smtClean="0"/>
-              <a:t>5/4/23</a:t>
+              <a:t>5/17/23</a:t>
             </a:fld>
             <a:endParaRPr lang="en-US"/>
           </a:p>
@@ -2188,7 +2098,7 @@
     </p:spTree>
     <p:extLst>
       <p:ext uri="{BB962C8B-B14F-4D97-AF65-F5344CB8AC3E}">
-        <p14:creationId xmlns:p14="http://schemas.microsoft.com/office/powerpoint/2010/main" val="1126304702"/>
+        <p14:creationId xmlns:p14="http://schemas.microsoft.com/office/powerpoint/2010/main" val="4155956575"/>
       </p:ext>
     </p:extLst>
   </p:cSld>
@@ -2255,7 +2165,7 @@
           <a:p>
             <a:fld id="{5829EFD3-DAAF-1A4D-98F0-A61E9156FD54}" type="datetimeFigureOut">
               <a:rPr lang="en-US" smtClean="0"/>
-              <a:t>5/4/23</a:t>
+              <a:t>5/17/23</a:t>
             </a:fld>
             <a:endParaRPr lang="en-US"/>
           </a:p>
@@ -2306,7 +2216,7 @@
     </p:spTree>
     <p:extLst>
       <p:ext uri="{BB962C8B-B14F-4D97-AF65-F5344CB8AC3E}">
-        <p14:creationId xmlns:p14="http://schemas.microsoft.com/office/powerpoint/2010/main" val="3704019797"/>
+        <p14:creationId xmlns:p14="http://schemas.microsoft.com/office/powerpoint/2010/main" val="1749792177"/>
       </p:ext>
     </p:extLst>
   </p:cSld>
@@ -2350,7 +2260,7 @@
           <a:p>
             <a:fld id="{5829EFD3-DAAF-1A4D-98F0-A61E9156FD54}" type="datetimeFigureOut">
               <a:rPr lang="en-US" smtClean="0"/>
-              <a:t>5/4/23</a:t>
+              <a:t>5/17/23</a:t>
             </a:fld>
             <a:endParaRPr lang="en-US"/>
           </a:p>
@@ -2401,7 +2311,7 @@
     </p:spTree>
     <p:extLst>
       <p:ext uri="{BB962C8B-B14F-4D97-AF65-F5344CB8AC3E}">
-        <p14:creationId xmlns:p14="http://schemas.microsoft.com/office/powerpoint/2010/main" val="1319597417"/>
+        <p14:creationId xmlns:p14="http://schemas.microsoft.com/office/powerpoint/2010/main" val="2832297215"/>
       </p:ext>
     </p:extLst>
   </p:cSld>
@@ -2440,15 +2350,15 @@
         </p:nvSpPr>
         <p:spPr>
           <a:xfrm>
-            <a:off x="3471561" y="2399982"/>
-            <a:ext cx="16255296" cy="8399939"/>
+            <a:off x="2975671" y="2399982"/>
+            <a:ext cx="13933330" cy="8399939"/>
           </a:xfrm>
         </p:spPr>
         <p:txBody>
           <a:bodyPr anchor="b"/>
           <a:lstStyle>
             <a:lvl1pPr>
-              <a:defRPr sz="16798"/>
+              <a:defRPr sz="15118"/>
             </a:lvl1pPr>
           </a:lstStyle>
           <a:p>
@@ -2472,39 +2382,39 @@
         </p:nvSpPr>
         <p:spPr>
           <a:xfrm>
-            <a:off x="21426543" y="5183304"/>
-            <a:ext cx="25514975" cy="25583147"/>
+            <a:off x="18365898" y="5183304"/>
+            <a:ext cx="21870323" cy="25583147"/>
           </a:xfrm>
         </p:spPr>
         <p:txBody>
           <a:bodyPr/>
           <a:lstStyle>
             <a:lvl1pPr>
-              <a:defRPr sz="16798"/>
+              <a:defRPr sz="15118"/>
             </a:lvl1pPr>
             <a:lvl2pPr>
-              <a:defRPr sz="14698"/>
+              <a:defRPr sz="13229"/>
             </a:lvl2pPr>
             <a:lvl3pPr>
-              <a:defRPr sz="12598"/>
+              <a:defRPr sz="11339"/>
             </a:lvl3pPr>
             <a:lvl4pPr>
-              <a:defRPr sz="10499"/>
+              <a:defRPr sz="9449"/>
             </a:lvl4pPr>
             <a:lvl5pPr>
-              <a:defRPr sz="10499"/>
+              <a:defRPr sz="9449"/>
             </a:lvl5pPr>
             <a:lvl6pPr>
-              <a:defRPr sz="10499"/>
+              <a:defRPr sz="9449"/>
             </a:lvl6pPr>
             <a:lvl7pPr>
-              <a:defRPr sz="10499"/>
+              <a:defRPr sz="9449"/>
             </a:lvl7pPr>
             <a:lvl8pPr>
-              <a:defRPr sz="10499"/>
+              <a:defRPr sz="9449"/>
             </a:lvl8pPr>
             <a:lvl9pPr>
-              <a:defRPr sz="10499"/>
+              <a:defRPr sz="9449"/>
             </a:lvl9pPr>
           </a:lstStyle>
           <a:p>
@@ -2557,8 +2467,8 @@
         </p:nvSpPr>
         <p:spPr>
           <a:xfrm>
-            <a:off x="3471561" y="10799922"/>
-            <a:ext cx="16255296" cy="20008190"/>
+            <a:off x="2975671" y="10799922"/>
+            <a:ext cx="13933330" cy="20008190"/>
           </a:xfrm>
         </p:spPr>
         <p:txBody>
@@ -2566,39 +2476,39 @@
           <a:lstStyle>
             <a:lvl1pPr marL="0" indent="0">
               <a:buNone/>
-              <a:defRPr sz="8399"/>
+              <a:defRPr sz="7559"/>
             </a:lvl1pPr>
-            <a:lvl2pPr marL="2399980" indent="0">
-              <a:buNone/>
-              <a:defRPr sz="7349"/>
+            <a:lvl2pPr marL="2160041" indent="0">
+              <a:buNone/>
+              <a:defRPr sz="6614"/>
             </a:lvl2pPr>
-            <a:lvl3pPr marL="4799960" indent="0">
-              <a:buNone/>
-              <a:defRPr sz="6299"/>
+            <a:lvl3pPr marL="4320083" indent="0">
+              <a:buNone/>
+              <a:defRPr sz="5669"/>
             </a:lvl3pPr>
-            <a:lvl4pPr marL="7199940" indent="0">
-              <a:buNone/>
-              <a:defRPr sz="5249"/>
+            <a:lvl4pPr marL="6480124" indent="0">
+              <a:buNone/>
+              <a:defRPr sz="4725"/>
             </a:lvl4pPr>
-            <a:lvl5pPr marL="9599920" indent="0">
-              <a:buNone/>
-              <a:defRPr sz="5249"/>
+            <a:lvl5pPr marL="8640166" indent="0">
+              <a:buNone/>
+              <a:defRPr sz="4725"/>
             </a:lvl5pPr>
-            <a:lvl6pPr marL="11999900" indent="0">
-              <a:buNone/>
-              <a:defRPr sz="5249"/>
+            <a:lvl6pPr marL="10800207" indent="0">
+              <a:buNone/>
+              <a:defRPr sz="4725"/>
             </a:lvl6pPr>
-            <a:lvl7pPr marL="14399880" indent="0">
-              <a:buNone/>
-              <a:defRPr sz="5249"/>
+            <a:lvl7pPr marL="12960248" indent="0">
+              <a:buNone/>
+              <a:defRPr sz="4725"/>
             </a:lvl7pPr>
-            <a:lvl8pPr marL="16799860" indent="0">
-              <a:buNone/>
-              <a:defRPr sz="5249"/>
+            <a:lvl8pPr marL="15120290" indent="0">
+              <a:buNone/>
+              <a:defRPr sz="4725"/>
             </a:lvl8pPr>
-            <a:lvl9pPr marL="19199840" indent="0">
-              <a:buNone/>
-              <a:defRPr sz="5249"/>
+            <a:lvl9pPr marL="17280331" indent="0">
+              <a:buNone/>
+              <a:defRPr sz="4725"/>
             </a:lvl9pPr>
           </a:lstStyle>
           <a:p>
@@ -2627,7 +2537,7 @@
           <a:p>
             <a:fld id="{5829EFD3-DAAF-1A4D-98F0-A61E9156FD54}" type="datetimeFigureOut">
               <a:rPr lang="en-US" smtClean="0"/>
-              <a:t>5/4/23</a:t>
+              <a:t>5/17/23</a:t>
             </a:fld>
             <a:endParaRPr lang="en-US"/>
           </a:p>
@@ -2678,7 +2588,7 @@
     </p:spTree>
     <p:extLst>
       <p:ext uri="{BB962C8B-B14F-4D97-AF65-F5344CB8AC3E}">
-        <p14:creationId xmlns:p14="http://schemas.microsoft.com/office/powerpoint/2010/main" val="1902543414"/>
+        <p14:creationId xmlns:p14="http://schemas.microsoft.com/office/powerpoint/2010/main" val="2273502034"/>
       </p:ext>
     </p:extLst>
   </p:cSld>
@@ -2717,15 +2627,15 @@
         </p:nvSpPr>
         <p:spPr>
           <a:xfrm>
-            <a:off x="3471561" y="2399982"/>
-            <a:ext cx="16255296" cy="8399939"/>
+            <a:off x="2975671" y="2399982"/>
+            <a:ext cx="13933330" cy="8399939"/>
           </a:xfrm>
         </p:spPr>
         <p:txBody>
           <a:bodyPr anchor="b"/>
           <a:lstStyle>
             <a:lvl1pPr>
-              <a:defRPr sz="16798"/>
+              <a:defRPr sz="15118"/>
             </a:lvl1pPr>
           </a:lstStyle>
           <a:p>
@@ -2749,8 +2659,8 @@
         </p:nvSpPr>
         <p:spPr>
           <a:xfrm>
-            <a:off x="21426543" y="5183304"/>
-            <a:ext cx="25514975" cy="25583147"/>
+            <a:off x="18365898" y="5183304"/>
+            <a:ext cx="21870323" cy="25583147"/>
           </a:xfrm>
         </p:spPr>
         <p:txBody>
@@ -2758,39 +2668,39 @@
           <a:lstStyle>
             <a:lvl1pPr marL="0" indent="0">
               <a:buNone/>
-              <a:defRPr sz="16798"/>
+              <a:defRPr sz="15118"/>
             </a:lvl1pPr>
-            <a:lvl2pPr marL="2399980" indent="0">
-              <a:buNone/>
-              <a:defRPr sz="14698"/>
+            <a:lvl2pPr marL="2160041" indent="0">
+              <a:buNone/>
+              <a:defRPr sz="13229"/>
             </a:lvl2pPr>
-            <a:lvl3pPr marL="4799960" indent="0">
-              <a:buNone/>
-              <a:defRPr sz="12598"/>
+            <a:lvl3pPr marL="4320083" indent="0">
+              <a:buNone/>
+              <a:defRPr sz="11339"/>
             </a:lvl3pPr>
-            <a:lvl4pPr marL="7199940" indent="0">
-              <a:buNone/>
-              <a:defRPr sz="10499"/>
+            <a:lvl4pPr marL="6480124" indent="0">
+              <a:buNone/>
+              <a:defRPr sz="9449"/>
             </a:lvl4pPr>
-            <a:lvl5pPr marL="9599920" indent="0">
-              <a:buNone/>
-              <a:defRPr sz="10499"/>
+            <a:lvl5pPr marL="8640166" indent="0">
+              <a:buNone/>
+              <a:defRPr sz="9449"/>
             </a:lvl5pPr>
-            <a:lvl6pPr marL="11999900" indent="0">
-              <a:buNone/>
-              <a:defRPr sz="10499"/>
+            <a:lvl6pPr marL="10800207" indent="0">
+              <a:buNone/>
+              <a:defRPr sz="9449"/>
             </a:lvl6pPr>
-            <a:lvl7pPr marL="14399880" indent="0">
-              <a:buNone/>
-              <a:defRPr sz="10499"/>
+            <a:lvl7pPr marL="12960248" indent="0">
+              <a:buNone/>
+              <a:defRPr sz="9449"/>
             </a:lvl7pPr>
-            <a:lvl8pPr marL="16799860" indent="0">
-              <a:buNone/>
-              <a:defRPr sz="10499"/>
+            <a:lvl8pPr marL="15120290" indent="0">
+              <a:buNone/>
+              <a:defRPr sz="9449"/>
             </a:lvl8pPr>
-            <a:lvl9pPr marL="19199840" indent="0">
-              <a:buNone/>
-              <a:defRPr sz="10499"/>
+            <a:lvl9pPr marL="17280331" indent="0">
+              <a:buNone/>
+              <a:defRPr sz="9449"/>
             </a:lvl9pPr>
           </a:lstStyle>
           <a:p>
@@ -2814,8 +2724,8 @@
         </p:nvSpPr>
         <p:spPr>
           <a:xfrm>
-            <a:off x="3471561" y="10799922"/>
-            <a:ext cx="16255296" cy="20008190"/>
+            <a:off x="2975671" y="10799922"/>
+            <a:ext cx="13933330" cy="20008190"/>
           </a:xfrm>
         </p:spPr>
         <p:txBody>
@@ -2823,39 +2733,39 @@
           <a:lstStyle>
             <a:lvl1pPr marL="0" indent="0">
               <a:buNone/>
-              <a:defRPr sz="8399"/>
+              <a:defRPr sz="7559"/>
             </a:lvl1pPr>
-            <a:lvl2pPr marL="2399980" indent="0">
-              <a:buNone/>
-              <a:defRPr sz="7349"/>
+            <a:lvl2pPr marL="2160041" indent="0">
+              <a:buNone/>
+              <a:defRPr sz="6614"/>
             </a:lvl2pPr>
-            <a:lvl3pPr marL="4799960" indent="0">
-              <a:buNone/>
-              <a:defRPr sz="6299"/>
+            <a:lvl3pPr marL="4320083" indent="0">
+              <a:buNone/>
+              <a:defRPr sz="5669"/>
             </a:lvl3pPr>
-            <a:lvl4pPr marL="7199940" indent="0">
-              <a:buNone/>
-              <a:defRPr sz="5249"/>
+            <a:lvl4pPr marL="6480124" indent="0">
+              <a:buNone/>
+              <a:defRPr sz="4725"/>
             </a:lvl4pPr>
-            <a:lvl5pPr marL="9599920" indent="0">
-              <a:buNone/>
-              <a:defRPr sz="5249"/>
+            <a:lvl5pPr marL="8640166" indent="0">
+              <a:buNone/>
+              <a:defRPr sz="4725"/>
             </a:lvl5pPr>
-            <a:lvl6pPr marL="11999900" indent="0">
-              <a:buNone/>
-              <a:defRPr sz="5249"/>
+            <a:lvl6pPr marL="10800207" indent="0">
+              <a:buNone/>
+              <a:defRPr sz="4725"/>
             </a:lvl6pPr>
-            <a:lvl7pPr marL="14399880" indent="0">
-              <a:buNone/>
-              <a:defRPr sz="5249"/>
+            <a:lvl7pPr marL="12960248" indent="0">
+              <a:buNone/>
+              <a:defRPr sz="4725"/>
             </a:lvl7pPr>
-            <a:lvl8pPr marL="16799860" indent="0">
-              <a:buNone/>
-              <a:defRPr sz="5249"/>
+            <a:lvl8pPr marL="15120290" indent="0">
+              <a:buNone/>
+              <a:defRPr sz="4725"/>
             </a:lvl8pPr>
-            <a:lvl9pPr marL="19199840" indent="0">
-              <a:buNone/>
-              <a:defRPr sz="5249"/>
+            <a:lvl9pPr marL="17280331" indent="0">
+              <a:buNone/>
+              <a:defRPr sz="4725"/>
             </a:lvl9pPr>
           </a:lstStyle>
           <a:p>
@@ -2884,7 +2794,7 @@
           <a:p>
             <a:fld id="{5829EFD3-DAAF-1A4D-98F0-A61E9156FD54}" type="datetimeFigureOut">
               <a:rPr lang="en-US" smtClean="0"/>
-              <a:t>5/4/23</a:t>
+              <a:t>5/17/23</a:t>
             </a:fld>
             <a:endParaRPr lang="en-US"/>
           </a:p>
@@ -2935,7 +2845,7 @@
     </p:spTree>
     <p:extLst>
       <p:ext uri="{BB962C8B-B14F-4D97-AF65-F5344CB8AC3E}">
-        <p14:creationId xmlns:p14="http://schemas.microsoft.com/office/powerpoint/2010/main" val="1417022442"/>
+        <p14:creationId xmlns:p14="http://schemas.microsoft.com/office/powerpoint/2010/main" val="204651182"/>
       </p:ext>
     </p:extLst>
   </p:cSld>
@@ -2979,8 +2889,8 @@
         </p:nvSpPr>
         <p:spPr>
           <a:xfrm>
-            <a:off x="3464997" y="1916661"/>
-            <a:ext cx="43469957" cy="6958285"/>
+            <a:off x="2970044" y="1916661"/>
+            <a:ext cx="37260550" cy="6958285"/>
           </a:xfrm>
           <a:prstGeom prst="rect">
             <a:avLst/>
@@ -3012,8 +2922,8 @@
         </p:nvSpPr>
         <p:spPr>
           <a:xfrm>
-            <a:off x="3464997" y="9583264"/>
-            <a:ext cx="43469957" cy="22841503"/>
+            <a:off x="2970044" y="9583264"/>
+            <a:ext cx="37260550" cy="22841503"/>
           </a:xfrm>
           <a:prstGeom prst="rect">
             <a:avLst/>
@@ -3074,8 +2984,8 @@
         </p:nvSpPr>
         <p:spPr>
           <a:xfrm>
-            <a:off x="3464996" y="33366432"/>
-            <a:ext cx="11339989" cy="1916653"/>
+            <a:off x="2970044" y="33366432"/>
+            <a:ext cx="9720144" cy="1916653"/>
           </a:xfrm>
           <a:prstGeom prst="rect">
             <a:avLst/>
@@ -3085,7 +2995,7 @@
           <a:bodyPr vert="horz" lIns="91440" tIns="45720" rIns="91440" bIns="45720" rtlCol="0" anchor="ctr"/>
           <a:lstStyle>
             <a:lvl1pPr algn="l">
-              <a:defRPr sz="6299">
+              <a:defRPr sz="5669">
                 <a:solidFill>
                   <a:schemeClr val="tx1">
                     <a:tint val="75000"/>
@@ -3097,7 +3007,7 @@
           <a:p>
             <a:fld id="{5829EFD3-DAAF-1A4D-98F0-A61E9156FD54}" type="datetimeFigureOut">
               <a:rPr lang="en-US" smtClean="0"/>
-              <a:t>5/4/23</a:t>
+              <a:t>5/17/23</a:t>
             </a:fld>
             <a:endParaRPr lang="en-US"/>
           </a:p>
@@ -3115,8 +3025,8 @@
         </p:nvSpPr>
         <p:spPr>
           <a:xfrm>
-            <a:off x="16694984" y="33366432"/>
-            <a:ext cx="17009983" cy="1916653"/>
+            <a:off x="14310212" y="33366432"/>
+            <a:ext cx="14580215" cy="1916653"/>
           </a:xfrm>
           <a:prstGeom prst="rect">
             <a:avLst/>
@@ -3126,7 +3036,7 @@
           <a:bodyPr vert="horz" lIns="91440" tIns="45720" rIns="91440" bIns="45720" rtlCol="0" anchor="ctr"/>
           <a:lstStyle>
             <a:lvl1pPr algn="ctr">
-              <a:defRPr sz="6299">
+              <a:defRPr sz="5669">
                 <a:solidFill>
                   <a:schemeClr val="tx1">
                     <a:tint val="75000"/>
@@ -3152,8 +3062,8 @@
         </p:nvSpPr>
         <p:spPr>
           <a:xfrm>
-            <a:off x="35594965" y="33366432"/>
-            <a:ext cx="11339989" cy="1916653"/>
+            <a:off x="30510450" y="33366432"/>
+            <a:ext cx="9720144" cy="1916653"/>
           </a:xfrm>
           <a:prstGeom prst="rect">
             <a:avLst/>
@@ -3163,7 +3073,7 @@
           <a:bodyPr vert="horz" lIns="91440" tIns="45720" rIns="91440" bIns="45720" rtlCol="0" anchor="ctr"/>
           <a:lstStyle>
             <a:lvl1pPr algn="r">
-              <a:defRPr sz="6299">
+              <a:defRPr sz="5669">
                 <a:solidFill>
                   <a:schemeClr val="tx1">
                     <a:tint val="75000"/>
@@ -3184,27 +3094,27 @@
     </p:spTree>
     <p:extLst>
       <p:ext uri="{BB962C8B-B14F-4D97-AF65-F5344CB8AC3E}">
-        <p14:creationId xmlns:p14="http://schemas.microsoft.com/office/powerpoint/2010/main" val="2355768624"/>
+        <p14:creationId xmlns:p14="http://schemas.microsoft.com/office/powerpoint/2010/main" val="1915909745"/>
       </p:ext>
     </p:extLst>
   </p:cSld>
   <p:clrMap bg1="lt1" tx1="dk1" bg2="lt2" tx2="dk2" accent1="accent1" accent2="accent2" accent3="accent3" accent4="accent4" accent5="accent5" accent6="accent6" hlink="hlink" folHlink="folHlink"/>
   <p:sldLayoutIdLst>
-    <p:sldLayoutId id="2147483685" r:id="rId1"/>
-    <p:sldLayoutId id="2147483686" r:id="rId2"/>
-    <p:sldLayoutId id="2147483687" r:id="rId3"/>
-    <p:sldLayoutId id="2147483688" r:id="rId4"/>
-    <p:sldLayoutId id="2147483689" r:id="rId5"/>
-    <p:sldLayoutId id="2147483690" r:id="rId6"/>
-    <p:sldLayoutId id="2147483691" r:id="rId7"/>
-    <p:sldLayoutId id="2147483692" r:id="rId8"/>
-    <p:sldLayoutId id="2147483693" r:id="rId9"/>
-    <p:sldLayoutId id="2147483694" r:id="rId10"/>
-    <p:sldLayoutId id="2147483695" r:id="rId11"/>
+    <p:sldLayoutId id="2147483673" r:id="rId1"/>
+    <p:sldLayoutId id="2147483674" r:id="rId2"/>
+    <p:sldLayoutId id="2147483675" r:id="rId3"/>
+    <p:sldLayoutId id="2147483676" r:id="rId4"/>
+    <p:sldLayoutId id="2147483677" r:id="rId5"/>
+    <p:sldLayoutId id="2147483678" r:id="rId6"/>
+    <p:sldLayoutId id="2147483679" r:id="rId7"/>
+    <p:sldLayoutId id="2147483680" r:id="rId8"/>
+    <p:sldLayoutId id="2147483681" r:id="rId9"/>
+    <p:sldLayoutId id="2147483682" r:id="rId10"/>
+    <p:sldLayoutId id="2147483683" r:id="rId11"/>
   </p:sldLayoutIdLst>
   <p:txStyles>
     <p:titleStyle>
-      <a:lvl1pPr algn="l" defTabSz="4799960" rtl="0" eaLnBrk="1" latinLnBrk="0" hangingPunct="1">
+      <a:lvl1pPr algn="l" defTabSz="4320083" rtl="0" eaLnBrk="1" latinLnBrk="0" hangingPunct="1">
         <a:lnSpc>
           <a:spcPct val="90000"/>
         </a:lnSpc>
@@ -3212,7 +3122,7 @@
           <a:spcPct val="0"/>
         </a:spcBef>
         <a:buNone/>
-        <a:defRPr sz="23097" kern="1200">
+        <a:defRPr sz="20788" kern="1200">
           <a:solidFill>
             <a:schemeClr val="tx1"/>
           </a:solidFill>
@@ -3223,16 +3133,16 @@
       </a:lvl1pPr>
     </p:titleStyle>
     <p:bodyStyle>
-      <a:lvl1pPr marL="1199990" indent="-1199990" algn="l" defTabSz="4799960" rtl="0" eaLnBrk="1" latinLnBrk="0" hangingPunct="1">
+      <a:lvl1pPr marL="1080021" indent="-1080021" algn="l" defTabSz="4320083" rtl="0" eaLnBrk="1" latinLnBrk="0" hangingPunct="1">
         <a:lnSpc>
           <a:spcPct val="90000"/>
         </a:lnSpc>
         <a:spcBef>
-          <a:spcPts val="5249"/>
+          <a:spcPts val="4725"/>
         </a:spcBef>
         <a:buFont typeface="Arial" panose="020B0604020202020204" pitchFamily="34" charset="0"/>
         <a:buChar char="•"/>
-        <a:defRPr sz="14698" kern="1200">
+        <a:defRPr sz="13229" kern="1200">
           <a:solidFill>
             <a:schemeClr val="tx1"/>
           </a:solidFill>
@@ -3241,16 +3151,16 @@
           <a:cs typeface="+mn-cs"/>
         </a:defRPr>
       </a:lvl1pPr>
-      <a:lvl2pPr marL="3599970" indent="-1199990" algn="l" defTabSz="4799960" rtl="0" eaLnBrk="1" latinLnBrk="0" hangingPunct="1">
+      <a:lvl2pPr marL="3240062" indent="-1080021" algn="l" defTabSz="4320083" rtl="0" eaLnBrk="1" latinLnBrk="0" hangingPunct="1">
         <a:lnSpc>
           <a:spcPct val="90000"/>
         </a:lnSpc>
         <a:spcBef>
-          <a:spcPts val="2625"/>
+          <a:spcPts val="2362"/>
         </a:spcBef>
         <a:buFont typeface="Arial" panose="020B0604020202020204" pitchFamily="34" charset="0"/>
         <a:buChar char="•"/>
-        <a:defRPr sz="12598" kern="1200">
+        <a:defRPr sz="11339" kern="1200">
           <a:solidFill>
             <a:schemeClr val="tx1"/>
           </a:solidFill>
@@ -3259,30 +3169,12 @@
           <a:cs typeface="+mn-cs"/>
         </a:defRPr>
       </a:lvl2pPr>
-      <a:lvl3pPr marL="5999950" indent="-1199990" algn="l" defTabSz="4799960" rtl="0" eaLnBrk="1" latinLnBrk="0" hangingPunct="1">
+      <a:lvl3pPr marL="5400104" indent="-1080021" algn="l" defTabSz="4320083" rtl="0" eaLnBrk="1" latinLnBrk="0" hangingPunct="1">
         <a:lnSpc>
           <a:spcPct val="90000"/>
         </a:lnSpc>
         <a:spcBef>
-          <a:spcPts val="2625"/>
-        </a:spcBef>
-        <a:buFont typeface="Arial" panose="020B0604020202020204" pitchFamily="34" charset="0"/>
-        <a:buChar char="•"/>
-        <a:defRPr sz="10499" kern="1200">
-          <a:solidFill>
-            <a:schemeClr val="tx1"/>
-          </a:solidFill>
-          <a:latin typeface="+mn-lt"/>
-          <a:ea typeface="+mn-ea"/>
-          <a:cs typeface="+mn-cs"/>
-        </a:defRPr>
-      </a:lvl3pPr>
-      <a:lvl4pPr marL="8399930" indent="-1199990" algn="l" defTabSz="4799960" rtl="0" eaLnBrk="1" latinLnBrk="0" hangingPunct="1">
-        <a:lnSpc>
-          <a:spcPct val="90000"/>
-        </a:lnSpc>
-        <a:spcBef>
-          <a:spcPts val="2625"/>
+          <a:spcPts val="2362"/>
         </a:spcBef>
         <a:buFont typeface="Arial" panose="020B0604020202020204" pitchFamily="34" charset="0"/>
         <a:buChar char="•"/>
@@ -3294,17 +3186,35 @@
           <a:ea typeface="+mn-ea"/>
           <a:cs typeface="+mn-cs"/>
         </a:defRPr>
-      </a:lvl4pPr>
-      <a:lvl5pPr marL="10799910" indent="-1199990" algn="l" defTabSz="4799960" rtl="0" eaLnBrk="1" latinLnBrk="0" hangingPunct="1">
+      </a:lvl3pPr>
+      <a:lvl4pPr marL="7560145" indent="-1080021" algn="l" defTabSz="4320083" rtl="0" eaLnBrk="1" latinLnBrk="0" hangingPunct="1">
         <a:lnSpc>
           <a:spcPct val="90000"/>
         </a:lnSpc>
         <a:spcBef>
-          <a:spcPts val="2625"/>
+          <a:spcPts val="2362"/>
         </a:spcBef>
         <a:buFont typeface="Arial" panose="020B0604020202020204" pitchFamily="34" charset="0"/>
         <a:buChar char="•"/>
-        <a:defRPr sz="9449" kern="1200">
+        <a:defRPr sz="8504" kern="1200">
+          <a:solidFill>
+            <a:schemeClr val="tx1"/>
+          </a:solidFill>
+          <a:latin typeface="+mn-lt"/>
+          <a:ea typeface="+mn-ea"/>
+          <a:cs typeface="+mn-cs"/>
+        </a:defRPr>
+      </a:lvl4pPr>
+      <a:lvl5pPr marL="9720186" indent="-1080021" algn="l" defTabSz="4320083" rtl="0" eaLnBrk="1" latinLnBrk="0" hangingPunct="1">
+        <a:lnSpc>
+          <a:spcPct val="90000"/>
+        </a:lnSpc>
+        <a:spcBef>
+          <a:spcPts val="2362"/>
+        </a:spcBef>
+        <a:buFont typeface="Arial" panose="020B0604020202020204" pitchFamily="34" charset="0"/>
+        <a:buChar char="•"/>
+        <a:defRPr sz="8504" kern="1200">
           <a:solidFill>
             <a:schemeClr val="tx1"/>
           </a:solidFill>
@@ -3313,16 +3223,16 @@
           <a:cs typeface="+mn-cs"/>
         </a:defRPr>
       </a:lvl5pPr>
-      <a:lvl6pPr marL="13199890" indent="-1199990" algn="l" defTabSz="4799960" rtl="0" eaLnBrk="1" latinLnBrk="0" hangingPunct="1">
+      <a:lvl6pPr marL="11880228" indent="-1080021" algn="l" defTabSz="4320083" rtl="0" eaLnBrk="1" latinLnBrk="0" hangingPunct="1">
         <a:lnSpc>
           <a:spcPct val="90000"/>
         </a:lnSpc>
         <a:spcBef>
-          <a:spcPts val="2625"/>
+          <a:spcPts val="2362"/>
         </a:spcBef>
         <a:buFont typeface="Arial" panose="020B0604020202020204" pitchFamily="34" charset="0"/>
         <a:buChar char="•"/>
-        <a:defRPr sz="9449" kern="1200">
+        <a:defRPr sz="8504" kern="1200">
           <a:solidFill>
             <a:schemeClr val="tx1"/>
           </a:solidFill>
@@ -3331,16 +3241,16 @@
           <a:cs typeface="+mn-cs"/>
         </a:defRPr>
       </a:lvl6pPr>
-      <a:lvl7pPr marL="15599870" indent="-1199990" algn="l" defTabSz="4799960" rtl="0" eaLnBrk="1" latinLnBrk="0" hangingPunct="1">
+      <a:lvl7pPr marL="14040269" indent="-1080021" algn="l" defTabSz="4320083" rtl="0" eaLnBrk="1" latinLnBrk="0" hangingPunct="1">
         <a:lnSpc>
           <a:spcPct val="90000"/>
         </a:lnSpc>
         <a:spcBef>
-          <a:spcPts val="2625"/>
+          <a:spcPts val="2362"/>
         </a:spcBef>
         <a:buFont typeface="Arial" panose="020B0604020202020204" pitchFamily="34" charset="0"/>
         <a:buChar char="•"/>
-        <a:defRPr sz="9449" kern="1200">
+        <a:defRPr sz="8504" kern="1200">
           <a:solidFill>
             <a:schemeClr val="tx1"/>
           </a:solidFill>
@@ -3349,16 +3259,16 @@
           <a:cs typeface="+mn-cs"/>
         </a:defRPr>
       </a:lvl7pPr>
-      <a:lvl8pPr marL="17999850" indent="-1199990" algn="l" defTabSz="4799960" rtl="0" eaLnBrk="1" latinLnBrk="0" hangingPunct="1">
+      <a:lvl8pPr marL="16200311" indent="-1080021" algn="l" defTabSz="4320083" rtl="0" eaLnBrk="1" latinLnBrk="0" hangingPunct="1">
         <a:lnSpc>
           <a:spcPct val="90000"/>
         </a:lnSpc>
         <a:spcBef>
-          <a:spcPts val="2625"/>
+          <a:spcPts val="2362"/>
         </a:spcBef>
         <a:buFont typeface="Arial" panose="020B0604020202020204" pitchFamily="34" charset="0"/>
         <a:buChar char="•"/>
-        <a:defRPr sz="9449" kern="1200">
+        <a:defRPr sz="8504" kern="1200">
           <a:solidFill>
             <a:schemeClr val="tx1"/>
           </a:solidFill>
@@ -3367,16 +3277,16 @@
           <a:cs typeface="+mn-cs"/>
         </a:defRPr>
       </a:lvl8pPr>
-      <a:lvl9pPr marL="20399830" indent="-1199990" algn="l" defTabSz="4799960" rtl="0" eaLnBrk="1" latinLnBrk="0" hangingPunct="1">
+      <a:lvl9pPr marL="18360352" indent="-1080021" algn="l" defTabSz="4320083" rtl="0" eaLnBrk="1" latinLnBrk="0" hangingPunct="1">
         <a:lnSpc>
           <a:spcPct val="90000"/>
         </a:lnSpc>
         <a:spcBef>
-          <a:spcPts val="2625"/>
+          <a:spcPts val="2362"/>
         </a:spcBef>
         <a:buFont typeface="Arial" panose="020B0604020202020204" pitchFamily="34" charset="0"/>
         <a:buChar char="•"/>
-        <a:defRPr sz="9449" kern="1200">
+        <a:defRPr sz="8504" kern="1200">
           <a:solidFill>
             <a:schemeClr val="tx1"/>
           </a:solidFill>
@@ -3390,8 +3300,8 @@
       <a:defPPr>
         <a:defRPr lang="en-US"/>
       </a:defPPr>
-      <a:lvl1pPr marL="0" algn="l" defTabSz="4799960" rtl="0" eaLnBrk="1" latinLnBrk="0" hangingPunct="1">
-        <a:defRPr sz="9449" kern="1200">
+      <a:lvl1pPr marL="0" algn="l" defTabSz="4320083" rtl="0" eaLnBrk="1" latinLnBrk="0" hangingPunct="1">
+        <a:defRPr sz="8504" kern="1200">
           <a:solidFill>
             <a:schemeClr val="tx1"/>
           </a:solidFill>
@@ -3400,8 +3310,8 @@
           <a:cs typeface="+mn-cs"/>
         </a:defRPr>
       </a:lvl1pPr>
-      <a:lvl2pPr marL="2399980" algn="l" defTabSz="4799960" rtl="0" eaLnBrk="1" latinLnBrk="0" hangingPunct="1">
-        <a:defRPr sz="9449" kern="1200">
+      <a:lvl2pPr marL="2160041" algn="l" defTabSz="4320083" rtl="0" eaLnBrk="1" latinLnBrk="0" hangingPunct="1">
+        <a:defRPr sz="8504" kern="1200">
           <a:solidFill>
             <a:schemeClr val="tx1"/>
           </a:solidFill>
@@ -3410,8 +3320,8 @@
           <a:cs typeface="+mn-cs"/>
         </a:defRPr>
       </a:lvl2pPr>
-      <a:lvl3pPr marL="4799960" algn="l" defTabSz="4799960" rtl="0" eaLnBrk="1" latinLnBrk="0" hangingPunct="1">
-        <a:defRPr sz="9449" kern="1200">
+      <a:lvl3pPr marL="4320083" algn="l" defTabSz="4320083" rtl="0" eaLnBrk="1" latinLnBrk="0" hangingPunct="1">
+        <a:defRPr sz="8504" kern="1200">
           <a:solidFill>
             <a:schemeClr val="tx1"/>
           </a:solidFill>
@@ -3420,8 +3330,8 @@
           <a:cs typeface="+mn-cs"/>
         </a:defRPr>
       </a:lvl3pPr>
-      <a:lvl4pPr marL="7199940" algn="l" defTabSz="4799960" rtl="0" eaLnBrk="1" latinLnBrk="0" hangingPunct="1">
-        <a:defRPr sz="9449" kern="1200">
+      <a:lvl4pPr marL="6480124" algn="l" defTabSz="4320083" rtl="0" eaLnBrk="1" latinLnBrk="0" hangingPunct="1">
+        <a:defRPr sz="8504" kern="1200">
           <a:solidFill>
             <a:schemeClr val="tx1"/>
           </a:solidFill>
@@ -3430,8 +3340,8 @@
           <a:cs typeface="+mn-cs"/>
         </a:defRPr>
       </a:lvl4pPr>
-      <a:lvl5pPr marL="9599920" algn="l" defTabSz="4799960" rtl="0" eaLnBrk="1" latinLnBrk="0" hangingPunct="1">
-        <a:defRPr sz="9449" kern="1200">
+      <a:lvl5pPr marL="8640166" algn="l" defTabSz="4320083" rtl="0" eaLnBrk="1" latinLnBrk="0" hangingPunct="1">
+        <a:defRPr sz="8504" kern="1200">
           <a:solidFill>
             <a:schemeClr val="tx1"/>
           </a:solidFill>
@@ -3440,8 +3350,8 @@
           <a:cs typeface="+mn-cs"/>
         </a:defRPr>
       </a:lvl5pPr>
-      <a:lvl6pPr marL="11999900" algn="l" defTabSz="4799960" rtl="0" eaLnBrk="1" latinLnBrk="0" hangingPunct="1">
-        <a:defRPr sz="9449" kern="1200">
+      <a:lvl6pPr marL="10800207" algn="l" defTabSz="4320083" rtl="0" eaLnBrk="1" latinLnBrk="0" hangingPunct="1">
+        <a:defRPr sz="8504" kern="1200">
           <a:solidFill>
             <a:schemeClr val="tx1"/>
           </a:solidFill>
@@ -3450,8 +3360,8 @@
           <a:cs typeface="+mn-cs"/>
         </a:defRPr>
       </a:lvl6pPr>
-      <a:lvl7pPr marL="14399880" algn="l" defTabSz="4799960" rtl="0" eaLnBrk="1" latinLnBrk="0" hangingPunct="1">
-        <a:defRPr sz="9449" kern="1200">
+      <a:lvl7pPr marL="12960248" algn="l" defTabSz="4320083" rtl="0" eaLnBrk="1" latinLnBrk="0" hangingPunct="1">
+        <a:defRPr sz="8504" kern="1200">
           <a:solidFill>
             <a:schemeClr val="tx1"/>
           </a:solidFill>
@@ -3460,8 +3370,8 @@
           <a:cs typeface="+mn-cs"/>
         </a:defRPr>
       </a:lvl7pPr>
-      <a:lvl8pPr marL="16799860" algn="l" defTabSz="4799960" rtl="0" eaLnBrk="1" latinLnBrk="0" hangingPunct="1">
-        <a:defRPr sz="9449" kern="1200">
+      <a:lvl8pPr marL="15120290" algn="l" defTabSz="4320083" rtl="0" eaLnBrk="1" latinLnBrk="0" hangingPunct="1">
+        <a:defRPr sz="8504" kern="1200">
           <a:solidFill>
             <a:schemeClr val="tx1"/>
           </a:solidFill>
@@ -3470,8 +3380,8 @@
           <a:cs typeface="+mn-cs"/>
         </a:defRPr>
       </a:lvl8pPr>
-      <a:lvl9pPr marL="19199840" algn="l" defTabSz="4799960" rtl="0" eaLnBrk="1" latinLnBrk="0" hangingPunct="1">
-        <a:defRPr sz="9449" kern="1200">
+      <a:lvl9pPr marL="17280331" algn="l" defTabSz="4320083" rtl="0" eaLnBrk="1" latinLnBrk="0" hangingPunct="1">
+        <a:defRPr sz="8504" kern="1200">
           <a:solidFill>
             <a:schemeClr val="tx1"/>
           </a:solidFill>
@@ -3502,12 +3412,82 @@
           <a:chExt cx="0" cy="0"/>
         </a:xfrm>
       </p:grpSpPr>
+      <p:sp>
+        <p:nvSpPr>
+          <p:cNvPr id="19" name="TextBox 18">
+            <a:extLst>
+              <a:ext uri="{FF2B5EF4-FFF2-40B4-BE49-F238E27FC236}">
+                <a16:creationId xmlns:a16="http://schemas.microsoft.com/office/drawing/2014/main" id="{ABEDDC34-9C01-963F-A8F9-E052A49A2BB8}"/>
+              </a:ext>
+            </a:extLst>
+          </p:cNvPr>
+          <p:cNvSpPr txBox="1"/>
+          <p:nvPr/>
+        </p:nvSpPr>
+        <p:spPr>
+          <a:xfrm>
+            <a:off x="1052601" y="14921079"/>
+            <a:ext cx="699230" cy="1569660"/>
+          </a:xfrm>
+          <a:prstGeom prst="rect">
+            <a:avLst/>
+          </a:prstGeom>
+          <a:noFill/>
+        </p:spPr>
+        <p:txBody>
+          <a:bodyPr wrap="none" rtlCol="0">
+            <a:spAutoFit/>
+          </a:bodyPr>
+          <a:lstStyle/>
+          <a:p>
+            <a:r>
+              <a:rPr lang="en-US" sz="9600" b="1" dirty="0"/>
+              <a:t>c</a:t>
+            </a:r>
+          </a:p>
+        </p:txBody>
+      </p:sp>
+      <p:sp>
+        <p:nvSpPr>
+          <p:cNvPr id="20" name="TextBox 19">
+            <a:extLst>
+              <a:ext uri="{FF2B5EF4-FFF2-40B4-BE49-F238E27FC236}">
+                <a16:creationId xmlns:a16="http://schemas.microsoft.com/office/drawing/2014/main" id="{3F78695B-C0AD-2C92-4DF7-ECD8283AA6DD}"/>
+              </a:ext>
+            </a:extLst>
+          </p:cNvPr>
+          <p:cNvSpPr txBox="1"/>
+          <p:nvPr/>
+        </p:nvSpPr>
+        <p:spPr>
+          <a:xfrm>
+            <a:off x="21813674" y="14921079"/>
+            <a:ext cx="845103" cy="1569660"/>
+          </a:xfrm>
+          <a:prstGeom prst="rect">
+            <a:avLst/>
+          </a:prstGeom>
+          <a:noFill/>
+        </p:spPr>
+        <p:txBody>
+          <a:bodyPr wrap="none" rtlCol="0">
+            <a:spAutoFit/>
+          </a:bodyPr>
+          <a:lstStyle/>
+          <a:p>
+            <a:r>
+              <a:rPr lang="en-US" sz="9600" b="1" dirty="0"/>
+              <a:t>d</a:t>
+            </a:r>
+          </a:p>
+        </p:txBody>
+      </p:sp>
       <p:pic>
         <p:nvPicPr>
-          <p:cNvPr id="23" name="Picture 22" descr="Table&#10;&#10;Description automatically generated with medium confidence">
+          <p:cNvPr id="10" name="Picture 9" descr="A picture containing text, screenshot, plot, line&#10;&#10;Description automatically generated">
             <a:extLst>
               <a:ext uri="{FF2B5EF4-FFF2-40B4-BE49-F238E27FC236}">
-                <a16:creationId xmlns:a16="http://schemas.microsoft.com/office/drawing/2014/main" id="{A529161A-E5F0-FC41-B044-075C6677891F}"/>
+                <a16:creationId xmlns:a16="http://schemas.microsoft.com/office/drawing/2014/main" id="{AA91F481-D408-36EB-32AE-47C518B1C26F}"/>
               </a:ext>
             </a:extLst>
           </p:cNvPr>
@@ -3524,8 +3504,8 @@
         </p:blipFill>
         <p:spPr>
           <a:xfrm>
-            <a:off x="23744772" y="2249582"/>
-            <a:ext cx="16445286" cy="10963524"/>
+            <a:off x="872048" y="17195172"/>
+            <a:ext cx="20803956" cy="12482374"/>
           </a:xfrm>
           <a:prstGeom prst="rect">
             <a:avLst/>
@@ -3534,10 +3514,10 @@
       </p:pic>
       <p:pic>
         <p:nvPicPr>
-          <p:cNvPr id="25" name="Picture 24" descr="Chart&#10;&#10;Description automatically generated">
+          <p:cNvPr id="12" name="Picture 11" descr="A picture containing screenshot, text, line, plot&#10;&#10;Description automatically generated">
             <a:extLst>
               <a:ext uri="{FF2B5EF4-FFF2-40B4-BE49-F238E27FC236}">
-                <a16:creationId xmlns:a16="http://schemas.microsoft.com/office/drawing/2014/main" id="{23CC7B00-A44A-E78E-1364-F58FEBF46EAC}"/>
+                <a16:creationId xmlns:a16="http://schemas.microsoft.com/office/drawing/2014/main" id="{6CBC0197-51C1-6648-26D7-BF52C41886D3}"/>
               </a:ext>
             </a:extLst>
           </p:cNvPr>
@@ -3554,20 +3534,90 @@
         </p:blipFill>
         <p:spPr>
           <a:xfrm>
-            <a:off x="23744772" y="14333877"/>
-            <a:ext cx="16445286" cy="10963524"/>
+            <a:off x="21822284" y="17195172"/>
+            <a:ext cx="20803956" cy="12482374"/>
           </a:xfrm>
           <a:prstGeom prst="rect">
             <a:avLst/>
           </a:prstGeom>
         </p:spPr>
       </p:pic>
+      <p:sp>
+        <p:nvSpPr>
+          <p:cNvPr id="23" name="TextBox 22">
+            <a:extLst>
+              <a:ext uri="{FF2B5EF4-FFF2-40B4-BE49-F238E27FC236}">
+                <a16:creationId xmlns:a16="http://schemas.microsoft.com/office/drawing/2014/main" id="{9C7FA604-C140-15D5-6133-F229FFD2D3C2}"/>
+              </a:ext>
+            </a:extLst>
+          </p:cNvPr>
+          <p:cNvSpPr txBox="1"/>
+          <p:nvPr/>
+        </p:nvSpPr>
+        <p:spPr>
+          <a:xfrm>
+            <a:off x="1052601" y="16265964"/>
+            <a:ext cx="925253" cy="2215991"/>
+          </a:xfrm>
+          <a:prstGeom prst="rect">
+            <a:avLst/>
+          </a:prstGeom>
+          <a:noFill/>
+        </p:spPr>
+        <p:txBody>
+          <a:bodyPr wrap="none" rtlCol="0">
+            <a:spAutoFit/>
+          </a:bodyPr>
+          <a:lstStyle/>
+          <a:p>
+            <a:r>
+              <a:rPr lang="en-US" sz="13800" b="1" dirty="0"/>
+              <a:t>c</a:t>
+            </a:r>
+          </a:p>
+        </p:txBody>
+      </p:sp>
+      <p:sp>
+        <p:nvSpPr>
+          <p:cNvPr id="24" name="TextBox 23">
+            <a:extLst>
+              <a:ext uri="{FF2B5EF4-FFF2-40B4-BE49-F238E27FC236}">
+                <a16:creationId xmlns:a16="http://schemas.microsoft.com/office/drawing/2014/main" id="{E4849DC1-2326-4C2D-D2F0-B51750BD9ABC}"/>
+              </a:ext>
+            </a:extLst>
+          </p:cNvPr>
+          <p:cNvSpPr txBox="1"/>
+          <p:nvPr/>
+        </p:nvSpPr>
+        <p:spPr>
+          <a:xfrm>
+            <a:off x="21956218" y="16265964"/>
+            <a:ext cx="1133644" cy="2215991"/>
+          </a:xfrm>
+          <a:prstGeom prst="rect">
+            <a:avLst/>
+          </a:prstGeom>
+          <a:noFill/>
+        </p:spPr>
+        <p:txBody>
+          <a:bodyPr wrap="none" rtlCol="0">
+            <a:spAutoFit/>
+          </a:bodyPr>
+          <a:lstStyle/>
+          <a:p>
+            <a:r>
+              <a:rPr lang="en-US" sz="13800" b="1" dirty="0"/>
+              <a:t>d</a:t>
+            </a:r>
+          </a:p>
+        </p:txBody>
+      </p:sp>
       <p:pic>
         <p:nvPicPr>
-          <p:cNvPr id="27" name="Picture 26" descr="Chart&#10;&#10;Description automatically generated">
+          <p:cNvPr id="3" name="Picture 2" descr="A picture containing text, screenshot, line, diagram&#10;&#10;Description automatically generated">
             <a:extLst>
               <a:ext uri="{FF2B5EF4-FFF2-40B4-BE49-F238E27FC236}">
-                <a16:creationId xmlns:a16="http://schemas.microsoft.com/office/drawing/2014/main" id="{638C9140-8B84-3B22-684E-2A0BBD43C64D}"/>
+                <a16:creationId xmlns:a16="http://schemas.microsoft.com/office/drawing/2014/main" id="{45B0C888-577D-A892-22B2-3ADCACE972A0}"/>
               </a:ext>
             </a:extLst>
           </p:cNvPr>
@@ -3584,8 +3634,8 @@
         </p:blipFill>
         <p:spPr>
           <a:xfrm>
-            <a:off x="6607576" y="14333877"/>
-            <a:ext cx="16445286" cy="10963524"/>
+            <a:off x="1049956" y="722860"/>
+            <a:ext cx="21066740" cy="15800055"/>
           </a:xfrm>
           <a:prstGeom prst="rect">
             <a:avLst/>
@@ -3594,10 +3644,10 @@
       </p:pic>
       <p:pic>
         <p:nvPicPr>
-          <p:cNvPr id="45" name="Picture 44" descr="Chart, scatter chart&#10;&#10;Description automatically generated">
+          <p:cNvPr id="5" name="Picture 4" descr="A picture containing text, screenshot, line, diagram&#10;&#10;Description automatically generated">
             <a:extLst>
               <a:ext uri="{FF2B5EF4-FFF2-40B4-BE49-F238E27FC236}">
-                <a16:creationId xmlns:a16="http://schemas.microsoft.com/office/drawing/2014/main" id="{96253E72-C179-3538-7420-15C091C687ED}"/>
+                <a16:creationId xmlns:a16="http://schemas.microsoft.com/office/drawing/2014/main" id="{BFAC5698-361F-1FC1-6925-13F10A137122}"/>
               </a:ext>
             </a:extLst>
           </p:cNvPr>
@@ -3614,8 +3664,8 @@
         </p:blipFill>
         <p:spPr>
           <a:xfrm>
-            <a:off x="6636195" y="2249582"/>
-            <a:ext cx="16445286" cy="10963524"/>
+            <a:off x="21853912" y="722860"/>
+            <a:ext cx="21066740" cy="15800055"/>
           </a:xfrm>
           <a:prstGeom prst="rect">
             <a:avLst/>
@@ -3624,10 +3674,10 @@
       </p:pic>
       <p:sp>
         <p:nvSpPr>
-          <p:cNvPr id="13" name="TextBox 12">
+          <p:cNvPr id="6" name="TextBox 5">
             <a:extLst>
               <a:ext uri="{FF2B5EF4-FFF2-40B4-BE49-F238E27FC236}">
-                <a16:creationId xmlns:a16="http://schemas.microsoft.com/office/drawing/2014/main" id="{39F6D17D-EE6F-26CE-4CE4-126B5907638D}"/>
+                <a16:creationId xmlns:a16="http://schemas.microsoft.com/office/drawing/2014/main" id="{831A4C5F-9BFA-072E-0F66-6B53F969E83A}"/>
               </a:ext>
             </a:extLst>
           </p:cNvPr>
@@ -3636,8 +3686,8 @@
         </p:nvSpPr>
         <p:spPr>
           <a:xfrm>
-            <a:off x="4178601" y="1654517"/>
-            <a:ext cx="944489" cy="1938992"/>
+            <a:off x="1052601" y="0"/>
+            <a:ext cx="1058303" cy="2215991"/>
           </a:xfrm>
           <a:prstGeom prst="rect">
             <a:avLst/>
@@ -3651,7 +3701,7 @@
           <a:lstStyle/>
           <a:p>
             <a:r>
-              <a:rPr lang="en-US" sz="12000" b="1" dirty="0"/>
+              <a:rPr lang="en-US" sz="13800" b="1" dirty="0"/>
               <a:t>a</a:t>
             </a:r>
           </a:p>
@@ -3659,375 +3709,10 @@
       </p:sp>
       <p:sp>
         <p:nvSpPr>
-          <p:cNvPr id="17" name="Rectangle 16">
+          <p:cNvPr id="7" name="TextBox 6">
             <a:extLst>
               <a:ext uri="{FF2B5EF4-FFF2-40B4-BE49-F238E27FC236}">
-                <a16:creationId xmlns:a16="http://schemas.microsoft.com/office/drawing/2014/main" id="{ACDE5B14-A1B0-C8A3-915D-6A522D1E8F76}"/>
-              </a:ext>
-            </a:extLst>
-          </p:cNvPr>
-          <p:cNvSpPr/>
-          <p:nvPr/>
-        </p:nvSpPr>
-        <p:spPr>
-          <a:xfrm>
-            <a:off x="5427890" y="2249582"/>
-            <a:ext cx="1262199" cy="10916295"/>
-          </a:xfrm>
-          <a:prstGeom prst="rect">
-            <a:avLst/>
-          </a:prstGeom>
-          <a:noFill/>
-          <a:ln w="63500">
-            <a:solidFill>
-              <a:schemeClr val="tx1"/>
-            </a:solidFill>
-          </a:ln>
-        </p:spPr>
-        <p:style>
-          <a:lnRef idx="2">
-            <a:schemeClr val="accent1">
-              <a:shade val="50000"/>
-            </a:schemeClr>
-          </a:lnRef>
-          <a:fillRef idx="1">
-            <a:schemeClr val="accent1"/>
-          </a:fillRef>
-          <a:effectRef idx="0">
-            <a:schemeClr val="accent1"/>
-          </a:effectRef>
-          <a:fontRef idx="minor">
-            <a:schemeClr val="lt1"/>
-          </a:fontRef>
-        </p:style>
-        <p:txBody>
-          <a:bodyPr vert="vert270" rtlCol="0" anchor="ctr"/>
-          <a:lstStyle/>
-          <a:p>
-            <a:pPr algn="ctr"/>
-            <a:r>
-              <a:rPr lang="en-US" sz="6000" b="1" dirty="0" err="1">
-                <a:solidFill>
-                  <a:schemeClr val="tx1"/>
-                </a:solidFill>
-                <a:latin typeface="Microsoft JhengHei UI" panose="020B0604030504040204" pitchFamily="34" charset="-120"/>
-                <a:ea typeface="Microsoft JhengHei UI" panose="020B0604030504040204" pitchFamily="34" charset="-120"/>
-              </a:rPr>
-              <a:t>Positive_MANE</a:t>
-            </a:r>
-            <a:endParaRPr lang="en-US" sz="6000" b="1" dirty="0">
-              <a:solidFill>
-                <a:schemeClr val="tx1"/>
-              </a:solidFill>
-              <a:latin typeface="Microsoft JhengHei UI" panose="020B0604030504040204" pitchFamily="34" charset="-120"/>
-              <a:ea typeface="Microsoft JhengHei UI" panose="020B0604030504040204" pitchFamily="34" charset="-120"/>
-            </a:endParaRPr>
-          </a:p>
-        </p:txBody>
-      </p:sp>
-      <p:sp>
-        <p:nvSpPr>
-          <p:cNvPr id="18" name="Rectangle 17">
-            <a:extLst>
-              <a:ext uri="{FF2B5EF4-FFF2-40B4-BE49-F238E27FC236}">
-                <a16:creationId xmlns:a16="http://schemas.microsoft.com/office/drawing/2014/main" id="{756D40EB-0D67-8398-44AC-9A2F9E3F769A}"/>
-              </a:ext>
-            </a:extLst>
-          </p:cNvPr>
-          <p:cNvSpPr/>
-          <p:nvPr/>
-        </p:nvSpPr>
-        <p:spPr>
-          <a:xfrm>
-            <a:off x="23770047" y="2249582"/>
-            <a:ext cx="16420011" cy="10916295"/>
-          </a:xfrm>
-          <a:prstGeom prst="rect">
-            <a:avLst/>
-          </a:prstGeom>
-          <a:noFill/>
-          <a:ln w="63500">
-            <a:solidFill>
-              <a:schemeClr val="tx1"/>
-            </a:solidFill>
-          </a:ln>
-        </p:spPr>
-        <p:style>
-          <a:lnRef idx="2">
-            <a:schemeClr val="accent1">
-              <a:shade val="50000"/>
-            </a:schemeClr>
-          </a:lnRef>
-          <a:fillRef idx="1">
-            <a:schemeClr val="accent1"/>
-          </a:fillRef>
-          <a:effectRef idx="0">
-            <a:schemeClr val="accent1"/>
-          </a:effectRef>
-          <a:fontRef idx="minor">
-            <a:schemeClr val="lt1"/>
-          </a:fontRef>
-        </p:style>
-        <p:txBody>
-          <a:bodyPr rtlCol="0" anchor="ctr"/>
-          <a:lstStyle/>
-          <a:p>
-            <a:pPr algn="ctr"/>
-            <a:endParaRPr lang="en-US"/>
-          </a:p>
-        </p:txBody>
-      </p:sp>
-      <p:sp>
-        <p:nvSpPr>
-          <p:cNvPr id="19" name="Rectangle 18">
-            <a:extLst>
-              <a:ext uri="{FF2B5EF4-FFF2-40B4-BE49-F238E27FC236}">
-                <a16:creationId xmlns:a16="http://schemas.microsoft.com/office/drawing/2014/main" id="{602FC623-FA0C-0842-A18E-ACA59DDCC9FA}"/>
-              </a:ext>
-            </a:extLst>
-          </p:cNvPr>
-          <p:cNvSpPr/>
-          <p:nvPr/>
-        </p:nvSpPr>
-        <p:spPr>
-          <a:xfrm>
-            <a:off x="6690089" y="2249582"/>
-            <a:ext cx="16420011" cy="10916295"/>
-          </a:xfrm>
-          <a:prstGeom prst="rect">
-            <a:avLst/>
-          </a:prstGeom>
-          <a:noFill/>
-          <a:ln w="63500">
-            <a:solidFill>
-              <a:schemeClr val="tx1"/>
-            </a:solidFill>
-          </a:ln>
-        </p:spPr>
-        <p:style>
-          <a:lnRef idx="2">
-            <a:schemeClr val="accent1">
-              <a:shade val="50000"/>
-            </a:schemeClr>
-          </a:lnRef>
-          <a:fillRef idx="1">
-            <a:schemeClr val="accent1"/>
-          </a:fillRef>
-          <a:effectRef idx="0">
-            <a:schemeClr val="accent1"/>
-          </a:effectRef>
-          <a:fontRef idx="minor">
-            <a:schemeClr val="lt1"/>
-          </a:fontRef>
-        </p:style>
-        <p:txBody>
-          <a:bodyPr rtlCol="0" anchor="ctr"/>
-          <a:lstStyle/>
-          <a:p>
-            <a:pPr algn="ctr"/>
-            <a:endParaRPr lang="en-US" dirty="0"/>
-          </a:p>
-        </p:txBody>
-      </p:sp>
-      <p:grpSp>
-        <p:nvGrpSpPr>
-          <p:cNvPr id="31" name="Group 30">
-            <a:extLst>
-              <a:ext uri="{FF2B5EF4-FFF2-40B4-BE49-F238E27FC236}">
-                <a16:creationId xmlns:a16="http://schemas.microsoft.com/office/drawing/2014/main" id="{10AE9DC3-9EF8-8A31-82E3-AEC77328421E}"/>
-              </a:ext>
-            </a:extLst>
-          </p:cNvPr>
-          <p:cNvGrpSpPr/>
-          <p:nvPr/>
-        </p:nvGrpSpPr>
-        <p:grpSpPr>
-          <a:xfrm>
-            <a:off x="5427890" y="14044701"/>
-            <a:ext cx="34762168" cy="10963524"/>
-            <a:chOff x="5427890" y="2582090"/>
-            <a:chExt cx="34762168" cy="8009709"/>
-          </a:xfrm>
-        </p:grpSpPr>
-        <p:sp>
-          <p:nvSpPr>
-            <p:cNvPr id="32" name="Rectangle 31">
-              <a:extLst>
-                <a:ext uri="{FF2B5EF4-FFF2-40B4-BE49-F238E27FC236}">
-                  <a16:creationId xmlns:a16="http://schemas.microsoft.com/office/drawing/2014/main" id="{73CCFC7B-47EE-8BD4-2037-6847CC44B733}"/>
-                </a:ext>
-              </a:extLst>
-            </p:cNvPr>
-            <p:cNvSpPr/>
-            <p:nvPr/>
-          </p:nvSpPr>
-          <p:spPr>
-            <a:xfrm>
-              <a:off x="5427890" y="2582090"/>
-              <a:ext cx="1262199" cy="8009709"/>
-            </a:xfrm>
-            <a:prstGeom prst="rect">
-              <a:avLst/>
-            </a:prstGeom>
-            <a:noFill/>
-            <a:ln w="63500">
-              <a:solidFill>
-                <a:schemeClr val="tx1"/>
-              </a:solidFill>
-            </a:ln>
-          </p:spPr>
-          <p:style>
-            <a:lnRef idx="2">
-              <a:schemeClr val="accent1">
-                <a:shade val="50000"/>
-              </a:schemeClr>
-            </a:lnRef>
-            <a:fillRef idx="1">
-              <a:schemeClr val="accent1"/>
-            </a:fillRef>
-            <a:effectRef idx="0">
-              <a:schemeClr val="accent1"/>
-            </a:effectRef>
-            <a:fontRef idx="minor">
-              <a:schemeClr val="lt1"/>
-            </a:fontRef>
-          </p:style>
-          <p:txBody>
-            <a:bodyPr vert="vert270" rtlCol="0" anchor="ctr"/>
-            <a:lstStyle/>
-            <a:p>
-              <a:pPr algn="ctr"/>
-              <a:r>
-                <a:rPr lang="en-US" sz="6000" b="1" dirty="0" err="1">
-                  <a:solidFill>
-                    <a:schemeClr val="tx1"/>
-                  </a:solidFill>
-                  <a:latin typeface="Microsoft JhengHei UI" panose="020B0604030504040204" pitchFamily="34" charset="-120"/>
-                  <a:ea typeface="Microsoft JhengHei UI" panose="020B0604030504040204" pitchFamily="34" charset="-120"/>
-                </a:rPr>
-                <a:t>Positive_ALT</a:t>
-              </a:r>
-              <a:endParaRPr lang="en-US" sz="6000" b="1" dirty="0">
-                <a:solidFill>
-                  <a:schemeClr val="tx1"/>
-                </a:solidFill>
-                <a:latin typeface="Microsoft JhengHei UI" panose="020B0604030504040204" pitchFamily="34" charset="-120"/>
-                <a:ea typeface="Microsoft JhengHei UI" panose="020B0604030504040204" pitchFamily="34" charset="-120"/>
-              </a:endParaRPr>
-            </a:p>
-          </p:txBody>
-        </p:sp>
-        <p:sp>
-          <p:nvSpPr>
-            <p:cNvPr id="33" name="Rectangle 32">
-              <a:extLst>
-                <a:ext uri="{FF2B5EF4-FFF2-40B4-BE49-F238E27FC236}">
-                  <a16:creationId xmlns:a16="http://schemas.microsoft.com/office/drawing/2014/main" id="{0D73B0D2-6595-FA4A-9405-996D933A89EB}"/>
-                </a:ext>
-              </a:extLst>
-            </p:cNvPr>
-            <p:cNvSpPr/>
-            <p:nvPr/>
-          </p:nvSpPr>
-          <p:spPr>
-            <a:xfrm>
-              <a:off x="23770047" y="2582090"/>
-              <a:ext cx="16420011" cy="8009709"/>
-            </a:xfrm>
-            <a:prstGeom prst="rect">
-              <a:avLst/>
-            </a:prstGeom>
-            <a:noFill/>
-            <a:ln w="63500">
-              <a:solidFill>
-                <a:schemeClr val="tx1"/>
-              </a:solidFill>
-            </a:ln>
-          </p:spPr>
-          <p:style>
-            <a:lnRef idx="2">
-              <a:schemeClr val="accent1">
-                <a:shade val="50000"/>
-              </a:schemeClr>
-            </a:lnRef>
-            <a:fillRef idx="1">
-              <a:schemeClr val="accent1"/>
-            </a:fillRef>
-            <a:effectRef idx="0">
-              <a:schemeClr val="accent1"/>
-            </a:effectRef>
-            <a:fontRef idx="minor">
-              <a:schemeClr val="lt1"/>
-            </a:fontRef>
-          </p:style>
-          <p:txBody>
-            <a:bodyPr rtlCol="0" anchor="ctr"/>
-            <a:lstStyle/>
-            <a:p>
-              <a:pPr algn="ctr"/>
-              <a:endParaRPr lang="en-US"/>
-            </a:p>
-          </p:txBody>
-        </p:sp>
-        <p:sp>
-          <p:nvSpPr>
-            <p:cNvPr id="34" name="Rectangle 33">
-              <a:extLst>
-                <a:ext uri="{FF2B5EF4-FFF2-40B4-BE49-F238E27FC236}">
-                  <a16:creationId xmlns:a16="http://schemas.microsoft.com/office/drawing/2014/main" id="{DBD5A47C-9B59-34D7-82AF-E5525C8708EB}"/>
-                </a:ext>
-              </a:extLst>
-            </p:cNvPr>
-            <p:cNvSpPr/>
-            <p:nvPr/>
-          </p:nvSpPr>
-          <p:spPr>
-            <a:xfrm>
-              <a:off x="6690089" y="2582090"/>
-              <a:ext cx="16420011" cy="8009709"/>
-            </a:xfrm>
-            <a:prstGeom prst="rect">
-              <a:avLst/>
-            </a:prstGeom>
-            <a:noFill/>
-            <a:ln w="63500">
-              <a:solidFill>
-                <a:schemeClr val="tx1"/>
-              </a:solidFill>
-            </a:ln>
-          </p:spPr>
-          <p:style>
-            <a:lnRef idx="2">
-              <a:schemeClr val="accent1">
-                <a:shade val="50000"/>
-              </a:schemeClr>
-            </a:lnRef>
-            <a:fillRef idx="1">
-              <a:schemeClr val="accent1"/>
-            </a:fillRef>
-            <a:effectRef idx="0">
-              <a:schemeClr val="accent1"/>
-            </a:effectRef>
-            <a:fontRef idx="minor">
-              <a:schemeClr val="lt1"/>
-            </a:fontRef>
-          </p:style>
-          <p:txBody>
-            <a:bodyPr rtlCol="0" anchor="ctr"/>
-            <a:lstStyle/>
-            <a:p>
-              <a:pPr algn="ctr"/>
-              <a:endParaRPr lang="en-US" dirty="0"/>
-            </a:p>
-          </p:txBody>
-        </p:sp>
-      </p:grpSp>
-      <p:sp>
-        <p:nvSpPr>
-          <p:cNvPr id="43" name="TextBox 42">
-            <a:extLst>
-              <a:ext uri="{FF2B5EF4-FFF2-40B4-BE49-F238E27FC236}">
-                <a16:creationId xmlns:a16="http://schemas.microsoft.com/office/drawing/2014/main" id="{5208A82D-BD4B-026F-6B03-EA1E6C210E3E}"/>
+                <a16:creationId xmlns:a16="http://schemas.microsoft.com/office/drawing/2014/main" id="{13C31D1A-738B-7FDC-C4BE-76539143ED19}"/>
               </a:ext>
             </a:extLst>
           </p:cNvPr>
@@ -4036,8 +3721,8 @@
         </p:nvSpPr>
         <p:spPr>
           <a:xfrm>
-            <a:off x="13031634" y="483078"/>
-            <a:ext cx="3736920" cy="1477328"/>
+            <a:off x="22233521" y="0"/>
+            <a:ext cx="1133644" cy="2215991"/>
           </a:xfrm>
           <a:prstGeom prst="rect">
             <a:avLst/>
@@ -4050,86 +3735,8 @@
           </a:bodyPr>
           <a:lstStyle/>
           <a:p>
-            <a:pPr algn="ctr"/>
-            <a:r>
-              <a:rPr lang="en-US" sz="9000" b="1" dirty="0">
-                <a:latin typeface="Microsoft JhengHei UI" panose="020B0604030504040204" pitchFamily="34" charset="-120"/>
-                <a:ea typeface="Microsoft JhengHei UI" panose="020B0604030504040204" pitchFamily="34" charset="-120"/>
-              </a:rPr>
-              <a:t>Donor</a:t>
-            </a:r>
-          </a:p>
-        </p:txBody>
-      </p:sp>
-      <p:sp>
-        <p:nvSpPr>
-          <p:cNvPr id="44" name="TextBox 43">
-            <a:extLst>
-              <a:ext uri="{FF2B5EF4-FFF2-40B4-BE49-F238E27FC236}">
-                <a16:creationId xmlns:a16="http://schemas.microsoft.com/office/drawing/2014/main" id="{2807531B-8A55-400C-5FEA-290A638BEF8D}"/>
-              </a:ext>
-            </a:extLst>
-          </p:cNvPr>
-          <p:cNvSpPr txBox="1"/>
-          <p:nvPr/>
-        </p:nvSpPr>
-        <p:spPr>
-          <a:xfrm>
-            <a:off x="29369371" y="578336"/>
-            <a:ext cx="5221366" cy="1477328"/>
-          </a:xfrm>
-          <a:prstGeom prst="rect">
-            <a:avLst/>
-          </a:prstGeom>
-          <a:noFill/>
-        </p:spPr>
-        <p:txBody>
-          <a:bodyPr wrap="none" rtlCol="0">
-            <a:spAutoFit/>
-          </a:bodyPr>
-          <a:lstStyle/>
-          <a:p>
-            <a:pPr algn="ctr"/>
-            <a:r>
-              <a:rPr lang="en-US" sz="9000" b="1" dirty="0">
-                <a:latin typeface="Microsoft JhengHei UI" panose="020B0604030504040204" pitchFamily="34" charset="-120"/>
-                <a:ea typeface="Microsoft JhengHei UI" panose="020B0604030504040204" pitchFamily="34" charset="-120"/>
-              </a:rPr>
-              <a:t>Acceptor</a:t>
-            </a:r>
-          </a:p>
-        </p:txBody>
-      </p:sp>
-      <p:sp>
-        <p:nvSpPr>
-          <p:cNvPr id="66" name="TextBox 65">
-            <a:extLst>
-              <a:ext uri="{FF2B5EF4-FFF2-40B4-BE49-F238E27FC236}">
-                <a16:creationId xmlns:a16="http://schemas.microsoft.com/office/drawing/2014/main" id="{1F61BAB7-70F4-4A09-2588-51C323C9F5A2}"/>
-              </a:ext>
-            </a:extLst>
-          </p:cNvPr>
-          <p:cNvSpPr txBox="1"/>
-          <p:nvPr/>
-        </p:nvSpPr>
-        <p:spPr>
-          <a:xfrm>
-            <a:off x="4178600" y="13562885"/>
-            <a:ext cx="944489" cy="1938992"/>
-          </a:xfrm>
-          <a:prstGeom prst="rect">
-            <a:avLst/>
-          </a:prstGeom>
-          <a:noFill/>
-        </p:spPr>
-        <p:txBody>
-          <a:bodyPr wrap="square" rtlCol="0">
-            <a:spAutoFit/>
-          </a:bodyPr>
-          <a:lstStyle/>
-          <a:p>
-            <a:r>
-              <a:rPr lang="en-US" sz="12000" b="1" dirty="0"/>
+            <a:r>
+              <a:rPr lang="en-US" sz="13800" b="1" dirty="0"/>
               <a:t>b</a:t>
             </a:r>
           </a:p>
@@ -4139,1238 +3746,6 @@
     <p:extLst>
       <p:ext uri="{BB962C8B-B14F-4D97-AF65-F5344CB8AC3E}">
         <p14:creationId xmlns:p14="http://schemas.microsoft.com/office/powerpoint/2010/main" val="2001175103"/>
-      </p:ext>
-    </p:extLst>
-  </p:cSld>
-  <p:clrMapOvr>
-    <a:masterClrMapping/>
-  </p:clrMapOvr>
-</p:sld>
-</file>
-
-<file path=ppt/slides/slide2.xml><?xml version="1.0" encoding="utf-8"?>
-<p:sld xmlns:a="http://schemas.openxmlformats.org/drawingml/2006/main" xmlns:r="http://schemas.openxmlformats.org/officeDocument/2006/relationships" xmlns:p="http://schemas.openxmlformats.org/presentationml/2006/main">
-  <p:cSld>
-    <p:spTree>
-      <p:nvGrpSpPr>
-        <p:cNvPr id="1" name=""/>
-        <p:cNvGrpSpPr/>
-        <p:nvPr/>
-      </p:nvGrpSpPr>
-      <p:grpSpPr>
-        <a:xfrm>
-          <a:off x="0" y="0"/>
-          <a:ext cx="0" cy="0"/>
-          <a:chOff x="0" y="0"/>
-          <a:chExt cx="0" cy="0"/>
-        </a:xfrm>
-      </p:grpSpPr>
-      <p:pic>
-        <p:nvPicPr>
-          <p:cNvPr id="3" name="Picture 2" descr="Table&#10;&#10;Description automatically generated">
-            <a:extLst>
-              <a:ext uri="{FF2B5EF4-FFF2-40B4-BE49-F238E27FC236}">
-                <a16:creationId xmlns:a16="http://schemas.microsoft.com/office/drawing/2014/main" id="{917DDB18-C657-1916-F7FD-862C3EEE1146}"/>
-              </a:ext>
-            </a:extLst>
-          </p:cNvPr>
-          <p:cNvPicPr>
-            <a:picLocks noChangeAspect="1"/>
-          </p:cNvPicPr>
-          <p:nvPr/>
-        </p:nvPicPr>
-        <p:blipFill>
-          <a:blip r:embed="rId3"/>
-          <a:stretch>
-            <a:fillRect/>
-          </a:stretch>
-        </p:blipFill>
-        <p:spPr>
-          <a:xfrm>
-            <a:off x="23556688" y="2098189"/>
-            <a:ext cx="16692469" cy="8346235"/>
-          </a:xfrm>
-          <a:prstGeom prst="rect">
-            <a:avLst/>
-          </a:prstGeom>
-        </p:spPr>
-      </p:pic>
-      <p:pic>
-        <p:nvPicPr>
-          <p:cNvPr id="7" name="Picture 6" descr="Chart&#10;&#10;Description automatically generated">
-            <a:extLst>
-              <a:ext uri="{FF2B5EF4-FFF2-40B4-BE49-F238E27FC236}">
-                <a16:creationId xmlns:a16="http://schemas.microsoft.com/office/drawing/2014/main" id="{ACEB81AB-45C6-8382-AEE4-DB94492675CB}"/>
-              </a:ext>
-            </a:extLst>
-          </p:cNvPr>
-          <p:cNvPicPr>
-            <a:picLocks noChangeAspect="1"/>
-          </p:cNvPicPr>
-          <p:nvPr/>
-        </p:nvPicPr>
-        <p:blipFill>
-          <a:blip r:embed="rId4"/>
-          <a:stretch>
-            <a:fillRect/>
-          </a:stretch>
-        </p:blipFill>
-        <p:spPr>
-          <a:xfrm>
-            <a:off x="23556688" y="10575839"/>
-            <a:ext cx="16692469" cy="8346235"/>
-          </a:xfrm>
-          <a:prstGeom prst="rect">
-            <a:avLst/>
-          </a:prstGeom>
-        </p:spPr>
-      </p:pic>
-      <p:pic>
-        <p:nvPicPr>
-          <p:cNvPr id="11" name="Picture 10" descr="Chart&#10;&#10;Description automatically generated with low confidence">
-            <a:extLst>
-              <a:ext uri="{FF2B5EF4-FFF2-40B4-BE49-F238E27FC236}">
-                <a16:creationId xmlns:a16="http://schemas.microsoft.com/office/drawing/2014/main" id="{07CA24A8-9976-049A-9624-DD98F5E1C308}"/>
-              </a:ext>
-            </a:extLst>
-          </p:cNvPr>
-          <p:cNvPicPr>
-            <a:picLocks noChangeAspect="1"/>
-          </p:cNvPicPr>
-          <p:nvPr/>
-        </p:nvPicPr>
-        <p:blipFill>
-          <a:blip r:embed="rId5"/>
-          <a:stretch>
-            <a:fillRect/>
-          </a:stretch>
-        </p:blipFill>
-        <p:spPr>
-          <a:xfrm>
-            <a:off x="23556687" y="19078398"/>
-            <a:ext cx="16692469" cy="8346235"/>
-          </a:xfrm>
-          <a:prstGeom prst="rect">
-            <a:avLst/>
-          </a:prstGeom>
-        </p:spPr>
-      </p:pic>
-      <p:pic>
-        <p:nvPicPr>
-          <p:cNvPr id="16" name="Picture 15" descr="Table&#10;&#10;Description automatically generated with medium confidence">
-            <a:extLst>
-              <a:ext uri="{FF2B5EF4-FFF2-40B4-BE49-F238E27FC236}">
-                <a16:creationId xmlns:a16="http://schemas.microsoft.com/office/drawing/2014/main" id="{04B5AA41-95CA-99D5-28E5-39651E685BF2}"/>
-              </a:ext>
-            </a:extLst>
-          </p:cNvPr>
-          <p:cNvPicPr>
-            <a:picLocks noChangeAspect="1"/>
-          </p:cNvPicPr>
-          <p:nvPr/>
-        </p:nvPicPr>
-        <p:blipFill>
-          <a:blip r:embed="rId6"/>
-          <a:stretch>
-            <a:fillRect/>
-          </a:stretch>
-        </p:blipFill>
-        <p:spPr>
-          <a:xfrm>
-            <a:off x="23556687" y="27516072"/>
-            <a:ext cx="16692469" cy="8346235"/>
-          </a:xfrm>
-          <a:prstGeom prst="rect">
-            <a:avLst/>
-          </a:prstGeom>
-        </p:spPr>
-      </p:pic>
-      <p:pic>
-        <p:nvPicPr>
-          <p:cNvPr id="5" name="Picture 4" descr="Chart&#10;&#10;Description automatically generated">
-            <a:extLst>
-              <a:ext uri="{FF2B5EF4-FFF2-40B4-BE49-F238E27FC236}">
-                <a16:creationId xmlns:a16="http://schemas.microsoft.com/office/drawing/2014/main" id="{DE362162-1758-EADC-7B99-F8E8D670CD32}"/>
-              </a:ext>
-            </a:extLst>
-          </p:cNvPr>
-          <p:cNvPicPr>
-            <a:picLocks noChangeAspect="1"/>
-          </p:cNvPicPr>
-          <p:nvPr/>
-        </p:nvPicPr>
-        <p:blipFill>
-          <a:blip r:embed="rId7"/>
-          <a:stretch>
-            <a:fillRect/>
-          </a:stretch>
-        </p:blipFill>
-        <p:spPr>
-          <a:xfrm>
-            <a:off x="6448111" y="2098190"/>
-            <a:ext cx="16692469" cy="8346235"/>
-          </a:xfrm>
-          <a:prstGeom prst="rect">
-            <a:avLst/>
-          </a:prstGeom>
-        </p:spPr>
-      </p:pic>
-      <p:pic>
-        <p:nvPicPr>
-          <p:cNvPr id="9" name="Picture 8" descr="Chart&#10;&#10;Description automatically generated">
-            <a:extLst>
-              <a:ext uri="{FF2B5EF4-FFF2-40B4-BE49-F238E27FC236}">
-                <a16:creationId xmlns:a16="http://schemas.microsoft.com/office/drawing/2014/main" id="{E29EB3E2-36C3-40E2-A3C7-5D38FC56FE74}"/>
-              </a:ext>
-            </a:extLst>
-          </p:cNvPr>
-          <p:cNvPicPr>
-            <a:picLocks noChangeAspect="1"/>
-          </p:cNvPicPr>
-          <p:nvPr/>
-        </p:nvPicPr>
-        <p:blipFill>
-          <a:blip r:embed="rId8"/>
-          <a:stretch>
-            <a:fillRect/>
-          </a:stretch>
-        </p:blipFill>
-        <p:spPr>
-          <a:xfrm>
-            <a:off x="6448114" y="10575840"/>
-            <a:ext cx="16692469" cy="8346235"/>
-          </a:xfrm>
-          <a:prstGeom prst="rect">
-            <a:avLst/>
-          </a:prstGeom>
-        </p:spPr>
-      </p:pic>
-      <p:pic>
-        <p:nvPicPr>
-          <p:cNvPr id="14" name="Picture 13" descr="A picture containing chart&#10;&#10;Description automatically generated">
-            <a:extLst>
-              <a:ext uri="{FF2B5EF4-FFF2-40B4-BE49-F238E27FC236}">
-                <a16:creationId xmlns:a16="http://schemas.microsoft.com/office/drawing/2014/main" id="{D961DA00-4865-15E3-5D17-E88FCEF5CF92}"/>
-              </a:ext>
-            </a:extLst>
-          </p:cNvPr>
-          <p:cNvPicPr>
-            <a:picLocks noChangeAspect="1"/>
-          </p:cNvPicPr>
-          <p:nvPr/>
-        </p:nvPicPr>
-        <p:blipFill>
-          <a:blip r:embed="rId9"/>
-          <a:stretch>
-            <a:fillRect/>
-          </a:stretch>
-        </p:blipFill>
-        <p:spPr>
-          <a:xfrm>
-            <a:off x="6448113" y="19043903"/>
-            <a:ext cx="16692469" cy="8346235"/>
-          </a:xfrm>
-          <a:prstGeom prst="rect">
-            <a:avLst/>
-          </a:prstGeom>
-        </p:spPr>
-      </p:pic>
-      <p:pic>
-        <p:nvPicPr>
-          <p:cNvPr id="21" name="Picture 20" descr="Chart&#10;&#10;Description automatically generated with low confidence">
-            <a:extLst>
-              <a:ext uri="{FF2B5EF4-FFF2-40B4-BE49-F238E27FC236}">
-                <a16:creationId xmlns:a16="http://schemas.microsoft.com/office/drawing/2014/main" id="{24F3555A-3610-D88B-0B23-192EF9498BC4}"/>
-              </a:ext>
-            </a:extLst>
-          </p:cNvPr>
-          <p:cNvPicPr>
-            <a:picLocks noChangeAspect="1"/>
-          </p:cNvPicPr>
-          <p:nvPr/>
-        </p:nvPicPr>
-        <p:blipFill>
-          <a:blip r:embed="rId10"/>
-          <a:stretch>
-            <a:fillRect/>
-          </a:stretch>
-        </p:blipFill>
-        <p:spPr>
-          <a:xfrm>
-            <a:off x="6448112" y="27516073"/>
-            <a:ext cx="16692469" cy="8346235"/>
-          </a:xfrm>
-          <a:prstGeom prst="rect">
-            <a:avLst/>
-          </a:prstGeom>
-        </p:spPr>
-      </p:pic>
-      <p:sp>
-        <p:nvSpPr>
-          <p:cNvPr id="13" name="TextBox 12">
-            <a:extLst>
-              <a:ext uri="{FF2B5EF4-FFF2-40B4-BE49-F238E27FC236}">
-                <a16:creationId xmlns:a16="http://schemas.microsoft.com/office/drawing/2014/main" id="{39F6D17D-EE6F-26CE-4CE4-126B5907638D}"/>
-              </a:ext>
-            </a:extLst>
-          </p:cNvPr>
-          <p:cNvSpPr txBox="1"/>
-          <p:nvPr/>
-        </p:nvSpPr>
-        <p:spPr>
-          <a:xfrm>
-            <a:off x="4178601" y="1654517"/>
-            <a:ext cx="944489" cy="1938992"/>
-          </a:xfrm>
-          <a:prstGeom prst="rect">
-            <a:avLst/>
-          </a:prstGeom>
-          <a:noFill/>
-        </p:spPr>
-        <p:txBody>
-          <a:bodyPr wrap="none" rtlCol="0">
-            <a:spAutoFit/>
-          </a:bodyPr>
-          <a:lstStyle/>
-          <a:p>
-            <a:r>
-              <a:rPr lang="en-US" sz="12000" b="1" dirty="0"/>
-              <a:t>a</a:t>
-            </a:r>
-          </a:p>
-        </p:txBody>
-      </p:sp>
-      <p:sp>
-        <p:nvSpPr>
-          <p:cNvPr id="17" name="Rectangle 16">
-            <a:extLst>
-              <a:ext uri="{FF2B5EF4-FFF2-40B4-BE49-F238E27FC236}">
-                <a16:creationId xmlns:a16="http://schemas.microsoft.com/office/drawing/2014/main" id="{ACDE5B14-A1B0-C8A3-915D-6A522D1E8F76}"/>
-              </a:ext>
-            </a:extLst>
-          </p:cNvPr>
-          <p:cNvSpPr/>
-          <p:nvPr/>
-        </p:nvSpPr>
-        <p:spPr>
-          <a:xfrm>
-            <a:off x="5427890" y="2249582"/>
-            <a:ext cx="1262199" cy="8009709"/>
-          </a:xfrm>
-          <a:prstGeom prst="rect">
-            <a:avLst/>
-          </a:prstGeom>
-          <a:noFill/>
-          <a:ln w="63500">
-            <a:solidFill>
-              <a:schemeClr val="tx1"/>
-            </a:solidFill>
-          </a:ln>
-        </p:spPr>
-        <p:style>
-          <a:lnRef idx="2">
-            <a:schemeClr val="accent1">
-              <a:shade val="50000"/>
-            </a:schemeClr>
-          </a:lnRef>
-          <a:fillRef idx="1">
-            <a:schemeClr val="accent1"/>
-          </a:fillRef>
-          <a:effectRef idx="0">
-            <a:schemeClr val="accent1"/>
-          </a:effectRef>
-          <a:fontRef idx="minor">
-            <a:schemeClr val="lt1"/>
-          </a:fontRef>
-        </p:style>
-        <p:txBody>
-          <a:bodyPr vert="vert270" rtlCol="0" anchor="ctr"/>
-          <a:lstStyle/>
-          <a:p>
-            <a:pPr algn="ctr"/>
-            <a:r>
-              <a:rPr lang="en-US" sz="6000" b="1" dirty="0" err="1">
-                <a:solidFill>
-                  <a:schemeClr val="tx1"/>
-                </a:solidFill>
-                <a:latin typeface="Microsoft JhengHei UI" panose="020B0604030504040204" pitchFamily="34" charset="-120"/>
-                <a:ea typeface="Microsoft JhengHei UI" panose="020B0604030504040204" pitchFamily="34" charset="-120"/>
-              </a:rPr>
-              <a:t>Positive_MANE</a:t>
-            </a:r>
-            <a:endParaRPr lang="en-US" sz="6000" b="1" dirty="0">
-              <a:solidFill>
-                <a:schemeClr val="tx1"/>
-              </a:solidFill>
-              <a:latin typeface="Microsoft JhengHei UI" panose="020B0604030504040204" pitchFamily="34" charset="-120"/>
-              <a:ea typeface="Microsoft JhengHei UI" panose="020B0604030504040204" pitchFamily="34" charset="-120"/>
-            </a:endParaRPr>
-          </a:p>
-        </p:txBody>
-      </p:sp>
-      <p:sp>
-        <p:nvSpPr>
-          <p:cNvPr id="18" name="Rectangle 17">
-            <a:extLst>
-              <a:ext uri="{FF2B5EF4-FFF2-40B4-BE49-F238E27FC236}">
-                <a16:creationId xmlns:a16="http://schemas.microsoft.com/office/drawing/2014/main" id="{756D40EB-0D67-8398-44AC-9A2F9E3F769A}"/>
-              </a:ext>
-            </a:extLst>
-          </p:cNvPr>
-          <p:cNvSpPr/>
-          <p:nvPr/>
-        </p:nvSpPr>
-        <p:spPr>
-          <a:xfrm>
-            <a:off x="23770047" y="2249582"/>
-            <a:ext cx="16420011" cy="8009709"/>
-          </a:xfrm>
-          <a:prstGeom prst="rect">
-            <a:avLst/>
-          </a:prstGeom>
-          <a:noFill/>
-          <a:ln w="63500">
-            <a:solidFill>
-              <a:schemeClr val="tx1"/>
-            </a:solidFill>
-          </a:ln>
-        </p:spPr>
-        <p:style>
-          <a:lnRef idx="2">
-            <a:schemeClr val="accent1">
-              <a:shade val="50000"/>
-            </a:schemeClr>
-          </a:lnRef>
-          <a:fillRef idx="1">
-            <a:schemeClr val="accent1"/>
-          </a:fillRef>
-          <a:effectRef idx="0">
-            <a:schemeClr val="accent1"/>
-          </a:effectRef>
-          <a:fontRef idx="minor">
-            <a:schemeClr val="lt1"/>
-          </a:fontRef>
-        </p:style>
-        <p:txBody>
-          <a:bodyPr rtlCol="0" anchor="ctr"/>
-          <a:lstStyle/>
-          <a:p>
-            <a:pPr algn="ctr"/>
-            <a:endParaRPr lang="en-US"/>
-          </a:p>
-        </p:txBody>
-      </p:sp>
-      <p:sp>
-        <p:nvSpPr>
-          <p:cNvPr id="19" name="Rectangle 18">
-            <a:extLst>
-              <a:ext uri="{FF2B5EF4-FFF2-40B4-BE49-F238E27FC236}">
-                <a16:creationId xmlns:a16="http://schemas.microsoft.com/office/drawing/2014/main" id="{602FC623-FA0C-0842-A18E-ACA59DDCC9FA}"/>
-              </a:ext>
-            </a:extLst>
-          </p:cNvPr>
-          <p:cNvSpPr/>
-          <p:nvPr/>
-        </p:nvSpPr>
-        <p:spPr>
-          <a:xfrm>
-            <a:off x="6690089" y="2249582"/>
-            <a:ext cx="16420011" cy="8009709"/>
-          </a:xfrm>
-          <a:prstGeom prst="rect">
-            <a:avLst/>
-          </a:prstGeom>
-          <a:noFill/>
-          <a:ln w="63500">
-            <a:solidFill>
-              <a:schemeClr val="tx1"/>
-            </a:solidFill>
-          </a:ln>
-        </p:spPr>
-        <p:style>
-          <a:lnRef idx="2">
-            <a:schemeClr val="accent1">
-              <a:shade val="50000"/>
-            </a:schemeClr>
-          </a:lnRef>
-          <a:fillRef idx="1">
-            <a:schemeClr val="accent1"/>
-          </a:fillRef>
-          <a:effectRef idx="0">
-            <a:schemeClr val="accent1"/>
-          </a:effectRef>
-          <a:fontRef idx="minor">
-            <a:schemeClr val="lt1"/>
-          </a:fontRef>
-        </p:style>
-        <p:txBody>
-          <a:bodyPr rtlCol="0" anchor="ctr"/>
-          <a:lstStyle/>
-          <a:p>
-            <a:pPr algn="ctr"/>
-            <a:endParaRPr lang="en-US" dirty="0"/>
-          </a:p>
-        </p:txBody>
-      </p:sp>
-      <p:grpSp>
-        <p:nvGrpSpPr>
-          <p:cNvPr id="31" name="Group 30">
-            <a:extLst>
-              <a:ext uri="{FF2B5EF4-FFF2-40B4-BE49-F238E27FC236}">
-                <a16:creationId xmlns:a16="http://schemas.microsoft.com/office/drawing/2014/main" id="{10AE9DC3-9EF8-8A31-82E3-AEC77328421E}"/>
-              </a:ext>
-            </a:extLst>
-          </p:cNvPr>
-          <p:cNvGrpSpPr/>
-          <p:nvPr/>
-        </p:nvGrpSpPr>
-        <p:grpSpPr>
-          <a:xfrm>
-            <a:off x="5427890" y="10727834"/>
-            <a:ext cx="34762168" cy="8009709"/>
-            <a:chOff x="5427890" y="2582090"/>
-            <a:chExt cx="34762168" cy="8009709"/>
-          </a:xfrm>
-        </p:grpSpPr>
-        <p:sp>
-          <p:nvSpPr>
-            <p:cNvPr id="32" name="Rectangle 31">
-              <a:extLst>
-                <a:ext uri="{FF2B5EF4-FFF2-40B4-BE49-F238E27FC236}">
-                  <a16:creationId xmlns:a16="http://schemas.microsoft.com/office/drawing/2014/main" id="{73CCFC7B-47EE-8BD4-2037-6847CC44B733}"/>
-                </a:ext>
-              </a:extLst>
-            </p:cNvPr>
-            <p:cNvSpPr/>
-            <p:nvPr/>
-          </p:nvSpPr>
-          <p:spPr>
-            <a:xfrm>
-              <a:off x="5427890" y="2582090"/>
-              <a:ext cx="1262199" cy="8009709"/>
-            </a:xfrm>
-            <a:prstGeom prst="rect">
-              <a:avLst/>
-            </a:prstGeom>
-            <a:noFill/>
-            <a:ln w="63500">
-              <a:solidFill>
-                <a:schemeClr val="tx1"/>
-              </a:solidFill>
-            </a:ln>
-          </p:spPr>
-          <p:style>
-            <a:lnRef idx="2">
-              <a:schemeClr val="accent1">
-                <a:shade val="50000"/>
-              </a:schemeClr>
-            </a:lnRef>
-            <a:fillRef idx="1">
-              <a:schemeClr val="accent1"/>
-            </a:fillRef>
-            <a:effectRef idx="0">
-              <a:schemeClr val="accent1"/>
-            </a:effectRef>
-            <a:fontRef idx="minor">
-              <a:schemeClr val="lt1"/>
-            </a:fontRef>
-          </p:style>
-          <p:txBody>
-            <a:bodyPr vert="vert270" rtlCol="0" anchor="ctr"/>
-            <a:lstStyle/>
-            <a:p>
-              <a:pPr algn="ctr"/>
-              <a:r>
-                <a:rPr lang="en-US" sz="6000" b="1" dirty="0" err="1">
-                  <a:solidFill>
-                    <a:schemeClr val="tx1"/>
-                  </a:solidFill>
-                  <a:latin typeface="Microsoft JhengHei UI" panose="020B0604030504040204" pitchFamily="34" charset="-120"/>
-                  <a:ea typeface="Microsoft JhengHei UI" panose="020B0604030504040204" pitchFamily="34" charset="-120"/>
-                </a:rPr>
-                <a:t>Positive_ALT</a:t>
-              </a:r>
-              <a:endParaRPr lang="en-US" sz="6000" b="1" dirty="0">
-                <a:solidFill>
-                  <a:schemeClr val="tx1"/>
-                </a:solidFill>
-                <a:latin typeface="Microsoft JhengHei UI" panose="020B0604030504040204" pitchFamily="34" charset="-120"/>
-                <a:ea typeface="Microsoft JhengHei UI" panose="020B0604030504040204" pitchFamily="34" charset="-120"/>
-              </a:endParaRPr>
-            </a:p>
-          </p:txBody>
-        </p:sp>
-        <p:sp>
-          <p:nvSpPr>
-            <p:cNvPr id="33" name="Rectangle 32">
-              <a:extLst>
-                <a:ext uri="{FF2B5EF4-FFF2-40B4-BE49-F238E27FC236}">
-                  <a16:creationId xmlns:a16="http://schemas.microsoft.com/office/drawing/2014/main" id="{0D73B0D2-6595-FA4A-9405-996D933A89EB}"/>
-                </a:ext>
-              </a:extLst>
-            </p:cNvPr>
-            <p:cNvSpPr/>
-            <p:nvPr/>
-          </p:nvSpPr>
-          <p:spPr>
-            <a:xfrm>
-              <a:off x="23770047" y="2582090"/>
-              <a:ext cx="16420011" cy="8009709"/>
-            </a:xfrm>
-            <a:prstGeom prst="rect">
-              <a:avLst/>
-            </a:prstGeom>
-            <a:noFill/>
-            <a:ln w="63500">
-              <a:solidFill>
-                <a:schemeClr val="tx1"/>
-              </a:solidFill>
-            </a:ln>
-          </p:spPr>
-          <p:style>
-            <a:lnRef idx="2">
-              <a:schemeClr val="accent1">
-                <a:shade val="50000"/>
-              </a:schemeClr>
-            </a:lnRef>
-            <a:fillRef idx="1">
-              <a:schemeClr val="accent1"/>
-            </a:fillRef>
-            <a:effectRef idx="0">
-              <a:schemeClr val="accent1"/>
-            </a:effectRef>
-            <a:fontRef idx="minor">
-              <a:schemeClr val="lt1"/>
-            </a:fontRef>
-          </p:style>
-          <p:txBody>
-            <a:bodyPr rtlCol="0" anchor="ctr"/>
-            <a:lstStyle/>
-            <a:p>
-              <a:pPr algn="ctr"/>
-              <a:endParaRPr lang="en-US"/>
-            </a:p>
-          </p:txBody>
-        </p:sp>
-        <p:sp>
-          <p:nvSpPr>
-            <p:cNvPr id="34" name="Rectangle 33">
-              <a:extLst>
-                <a:ext uri="{FF2B5EF4-FFF2-40B4-BE49-F238E27FC236}">
-                  <a16:creationId xmlns:a16="http://schemas.microsoft.com/office/drawing/2014/main" id="{DBD5A47C-9B59-34D7-82AF-E5525C8708EB}"/>
-                </a:ext>
-              </a:extLst>
-            </p:cNvPr>
-            <p:cNvSpPr/>
-            <p:nvPr/>
-          </p:nvSpPr>
-          <p:spPr>
-            <a:xfrm>
-              <a:off x="6690089" y="2582090"/>
-              <a:ext cx="16420011" cy="8009709"/>
-            </a:xfrm>
-            <a:prstGeom prst="rect">
-              <a:avLst/>
-            </a:prstGeom>
-            <a:noFill/>
-            <a:ln w="63500">
-              <a:solidFill>
-                <a:schemeClr val="tx1"/>
-              </a:solidFill>
-            </a:ln>
-          </p:spPr>
-          <p:style>
-            <a:lnRef idx="2">
-              <a:schemeClr val="accent1">
-                <a:shade val="50000"/>
-              </a:schemeClr>
-            </a:lnRef>
-            <a:fillRef idx="1">
-              <a:schemeClr val="accent1"/>
-            </a:fillRef>
-            <a:effectRef idx="0">
-              <a:schemeClr val="accent1"/>
-            </a:effectRef>
-            <a:fontRef idx="minor">
-              <a:schemeClr val="lt1"/>
-            </a:fontRef>
-          </p:style>
-          <p:txBody>
-            <a:bodyPr rtlCol="0" anchor="ctr"/>
-            <a:lstStyle/>
-            <a:p>
-              <a:pPr algn="ctr"/>
-              <a:endParaRPr lang="en-US" dirty="0"/>
-            </a:p>
-          </p:txBody>
-        </p:sp>
-      </p:grpSp>
-      <p:grpSp>
-        <p:nvGrpSpPr>
-          <p:cNvPr id="35" name="Group 34">
-            <a:extLst>
-              <a:ext uri="{FF2B5EF4-FFF2-40B4-BE49-F238E27FC236}">
-                <a16:creationId xmlns:a16="http://schemas.microsoft.com/office/drawing/2014/main" id="{F8D6D886-4E17-34E1-9497-6B8A0BC51CF4}"/>
-              </a:ext>
-            </a:extLst>
-          </p:cNvPr>
-          <p:cNvGrpSpPr/>
-          <p:nvPr/>
-        </p:nvGrpSpPr>
-        <p:grpSpPr>
-          <a:xfrm>
-            <a:off x="5427890" y="19206086"/>
-            <a:ext cx="34762168" cy="8009709"/>
-            <a:chOff x="5427890" y="2582090"/>
-            <a:chExt cx="34762168" cy="8009709"/>
-          </a:xfrm>
-        </p:grpSpPr>
-        <p:sp>
-          <p:nvSpPr>
-            <p:cNvPr id="36" name="Rectangle 35">
-              <a:extLst>
-                <a:ext uri="{FF2B5EF4-FFF2-40B4-BE49-F238E27FC236}">
-                  <a16:creationId xmlns:a16="http://schemas.microsoft.com/office/drawing/2014/main" id="{F310B7B1-B6DA-059F-C0C0-810BB3344203}"/>
-                </a:ext>
-              </a:extLst>
-            </p:cNvPr>
-            <p:cNvSpPr/>
-            <p:nvPr/>
-          </p:nvSpPr>
-          <p:spPr>
-            <a:xfrm>
-              <a:off x="5427890" y="2582090"/>
-              <a:ext cx="1262199" cy="8009709"/>
-            </a:xfrm>
-            <a:prstGeom prst="rect">
-              <a:avLst/>
-            </a:prstGeom>
-            <a:noFill/>
-            <a:ln w="63500">
-              <a:solidFill>
-                <a:schemeClr val="tx1"/>
-              </a:solidFill>
-            </a:ln>
-          </p:spPr>
-          <p:style>
-            <a:lnRef idx="2">
-              <a:schemeClr val="accent1">
-                <a:shade val="50000"/>
-              </a:schemeClr>
-            </a:lnRef>
-            <a:fillRef idx="1">
-              <a:schemeClr val="accent1"/>
-            </a:fillRef>
-            <a:effectRef idx="0">
-              <a:schemeClr val="accent1"/>
-            </a:effectRef>
-            <a:fontRef idx="minor">
-              <a:schemeClr val="lt1"/>
-            </a:fontRef>
-          </p:style>
-          <p:txBody>
-            <a:bodyPr vert="vert270" rtlCol="0" anchor="ctr"/>
-            <a:lstStyle/>
-            <a:p>
-              <a:pPr algn="ctr"/>
-              <a:r>
-                <a:rPr lang="en-US" sz="6000" b="1" dirty="0">
-                  <a:solidFill>
-                    <a:schemeClr val="tx1"/>
-                  </a:solidFill>
-                  <a:latin typeface="Microsoft JhengHei UI" panose="020B0604030504040204" pitchFamily="34" charset="-120"/>
-                  <a:ea typeface="Microsoft JhengHei UI" panose="020B0604030504040204" pitchFamily="34" charset="-120"/>
-                </a:rPr>
-                <a:t>Negative_1</a:t>
-              </a:r>
-            </a:p>
-          </p:txBody>
-        </p:sp>
-        <p:sp>
-          <p:nvSpPr>
-            <p:cNvPr id="37" name="Rectangle 36">
-              <a:extLst>
-                <a:ext uri="{FF2B5EF4-FFF2-40B4-BE49-F238E27FC236}">
-                  <a16:creationId xmlns:a16="http://schemas.microsoft.com/office/drawing/2014/main" id="{69DA2DA1-6953-5897-E8A2-5294842B1D33}"/>
-                </a:ext>
-              </a:extLst>
-            </p:cNvPr>
-            <p:cNvSpPr/>
-            <p:nvPr/>
-          </p:nvSpPr>
-          <p:spPr>
-            <a:xfrm>
-              <a:off x="23770047" y="2582090"/>
-              <a:ext cx="16420011" cy="8009709"/>
-            </a:xfrm>
-            <a:prstGeom prst="rect">
-              <a:avLst/>
-            </a:prstGeom>
-            <a:noFill/>
-            <a:ln w="63500">
-              <a:solidFill>
-                <a:schemeClr val="tx1"/>
-              </a:solidFill>
-            </a:ln>
-          </p:spPr>
-          <p:style>
-            <a:lnRef idx="2">
-              <a:schemeClr val="accent1">
-                <a:shade val="50000"/>
-              </a:schemeClr>
-            </a:lnRef>
-            <a:fillRef idx="1">
-              <a:schemeClr val="accent1"/>
-            </a:fillRef>
-            <a:effectRef idx="0">
-              <a:schemeClr val="accent1"/>
-            </a:effectRef>
-            <a:fontRef idx="minor">
-              <a:schemeClr val="lt1"/>
-            </a:fontRef>
-          </p:style>
-          <p:txBody>
-            <a:bodyPr rtlCol="0" anchor="ctr"/>
-            <a:lstStyle/>
-            <a:p>
-              <a:pPr algn="ctr"/>
-              <a:endParaRPr lang="en-US"/>
-            </a:p>
-          </p:txBody>
-        </p:sp>
-        <p:sp>
-          <p:nvSpPr>
-            <p:cNvPr id="38" name="Rectangle 37">
-              <a:extLst>
-                <a:ext uri="{FF2B5EF4-FFF2-40B4-BE49-F238E27FC236}">
-                  <a16:creationId xmlns:a16="http://schemas.microsoft.com/office/drawing/2014/main" id="{CA042615-2013-8FBF-4892-FBB24306E779}"/>
-                </a:ext>
-              </a:extLst>
-            </p:cNvPr>
-            <p:cNvSpPr/>
-            <p:nvPr/>
-          </p:nvSpPr>
-          <p:spPr>
-            <a:xfrm>
-              <a:off x="6690089" y="2582090"/>
-              <a:ext cx="16420011" cy="8009709"/>
-            </a:xfrm>
-            <a:prstGeom prst="rect">
-              <a:avLst/>
-            </a:prstGeom>
-            <a:noFill/>
-            <a:ln w="63500">
-              <a:solidFill>
-                <a:schemeClr val="tx1"/>
-              </a:solidFill>
-            </a:ln>
-          </p:spPr>
-          <p:style>
-            <a:lnRef idx="2">
-              <a:schemeClr val="accent1">
-                <a:shade val="50000"/>
-              </a:schemeClr>
-            </a:lnRef>
-            <a:fillRef idx="1">
-              <a:schemeClr val="accent1"/>
-            </a:fillRef>
-            <a:effectRef idx="0">
-              <a:schemeClr val="accent1"/>
-            </a:effectRef>
-            <a:fontRef idx="minor">
-              <a:schemeClr val="lt1"/>
-            </a:fontRef>
-          </p:style>
-          <p:txBody>
-            <a:bodyPr rtlCol="0" anchor="ctr"/>
-            <a:lstStyle/>
-            <a:p>
-              <a:pPr algn="ctr"/>
-              <a:endParaRPr lang="en-US" dirty="0"/>
-            </a:p>
-          </p:txBody>
-        </p:sp>
-      </p:grpSp>
-      <p:grpSp>
-        <p:nvGrpSpPr>
-          <p:cNvPr id="39" name="Group 38">
-            <a:extLst>
-              <a:ext uri="{FF2B5EF4-FFF2-40B4-BE49-F238E27FC236}">
-                <a16:creationId xmlns:a16="http://schemas.microsoft.com/office/drawing/2014/main" id="{7210E349-A85D-8576-0B3B-8BA9852858C8}"/>
-              </a:ext>
-            </a:extLst>
-          </p:cNvPr>
-          <p:cNvGrpSpPr/>
-          <p:nvPr/>
-        </p:nvGrpSpPr>
-        <p:grpSpPr>
-          <a:xfrm>
-            <a:off x="5427890" y="27684338"/>
-            <a:ext cx="34762168" cy="8009709"/>
-            <a:chOff x="5427890" y="2582090"/>
-            <a:chExt cx="34762168" cy="8009709"/>
-          </a:xfrm>
-        </p:grpSpPr>
-        <p:sp>
-          <p:nvSpPr>
-            <p:cNvPr id="40" name="Rectangle 39">
-              <a:extLst>
-                <a:ext uri="{FF2B5EF4-FFF2-40B4-BE49-F238E27FC236}">
-                  <a16:creationId xmlns:a16="http://schemas.microsoft.com/office/drawing/2014/main" id="{C7556D46-67C3-06CA-2AC9-5A1570A327BC}"/>
-                </a:ext>
-              </a:extLst>
-            </p:cNvPr>
-            <p:cNvSpPr/>
-            <p:nvPr/>
-          </p:nvSpPr>
-          <p:spPr>
-            <a:xfrm>
-              <a:off x="5427890" y="2582090"/>
-              <a:ext cx="1262199" cy="8009709"/>
-            </a:xfrm>
-            <a:prstGeom prst="rect">
-              <a:avLst/>
-            </a:prstGeom>
-            <a:noFill/>
-            <a:ln w="63500">
-              <a:solidFill>
-                <a:schemeClr val="tx1"/>
-              </a:solidFill>
-            </a:ln>
-          </p:spPr>
-          <p:style>
-            <a:lnRef idx="2">
-              <a:schemeClr val="accent1">
-                <a:shade val="50000"/>
-              </a:schemeClr>
-            </a:lnRef>
-            <a:fillRef idx="1">
-              <a:schemeClr val="accent1"/>
-            </a:fillRef>
-            <a:effectRef idx="0">
-              <a:schemeClr val="accent1"/>
-            </a:effectRef>
-            <a:fontRef idx="minor">
-              <a:schemeClr val="lt1"/>
-            </a:fontRef>
-          </p:style>
-          <p:txBody>
-            <a:bodyPr vert="vert270" rtlCol="0" anchor="ctr"/>
-            <a:lstStyle/>
-            <a:p>
-              <a:pPr algn="ctr"/>
-              <a:r>
-                <a:rPr lang="en-US" sz="6000" b="1" dirty="0" err="1">
-                  <a:solidFill>
-                    <a:schemeClr val="tx1"/>
-                  </a:solidFill>
-                  <a:latin typeface="Microsoft JhengHei UI" panose="020B0604030504040204" pitchFamily="34" charset="-120"/>
-                  <a:ea typeface="Microsoft JhengHei UI" panose="020B0604030504040204" pitchFamily="34" charset="-120"/>
-                </a:rPr>
-                <a:t>Negative_Random</a:t>
-              </a:r>
-              <a:endParaRPr lang="en-US" sz="6000" b="1" dirty="0">
-                <a:solidFill>
-                  <a:schemeClr val="tx1"/>
-                </a:solidFill>
-                <a:latin typeface="Microsoft JhengHei UI" panose="020B0604030504040204" pitchFamily="34" charset="-120"/>
-                <a:ea typeface="Microsoft JhengHei UI" panose="020B0604030504040204" pitchFamily="34" charset="-120"/>
-              </a:endParaRPr>
-            </a:p>
-          </p:txBody>
-        </p:sp>
-        <p:sp>
-          <p:nvSpPr>
-            <p:cNvPr id="41" name="Rectangle 40">
-              <a:extLst>
-                <a:ext uri="{FF2B5EF4-FFF2-40B4-BE49-F238E27FC236}">
-                  <a16:creationId xmlns:a16="http://schemas.microsoft.com/office/drawing/2014/main" id="{613FE003-23B8-E909-E5AE-E0B5307A82EA}"/>
-                </a:ext>
-              </a:extLst>
-            </p:cNvPr>
-            <p:cNvSpPr/>
-            <p:nvPr/>
-          </p:nvSpPr>
-          <p:spPr>
-            <a:xfrm>
-              <a:off x="23770047" y="2582090"/>
-              <a:ext cx="16420011" cy="8009709"/>
-            </a:xfrm>
-            <a:prstGeom prst="rect">
-              <a:avLst/>
-            </a:prstGeom>
-            <a:noFill/>
-            <a:ln w="63500">
-              <a:solidFill>
-                <a:schemeClr val="tx1"/>
-              </a:solidFill>
-            </a:ln>
-          </p:spPr>
-          <p:style>
-            <a:lnRef idx="2">
-              <a:schemeClr val="accent1">
-                <a:shade val="50000"/>
-              </a:schemeClr>
-            </a:lnRef>
-            <a:fillRef idx="1">
-              <a:schemeClr val="accent1"/>
-            </a:fillRef>
-            <a:effectRef idx="0">
-              <a:schemeClr val="accent1"/>
-            </a:effectRef>
-            <a:fontRef idx="minor">
-              <a:schemeClr val="lt1"/>
-            </a:fontRef>
-          </p:style>
-          <p:txBody>
-            <a:bodyPr rtlCol="0" anchor="ctr"/>
-            <a:lstStyle/>
-            <a:p>
-              <a:pPr algn="ctr"/>
-              <a:endParaRPr lang="en-US"/>
-            </a:p>
-          </p:txBody>
-        </p:sp>
-        <p:sp>
-          <p:nvSpPr>
-            <p:cNvPr id="42" name="Rectangle 41">
-              <a:extLst>
-                <a:ext uri="{FF2B5EF4-FFF2-40B4-BE49-F238E27FC236}">
-                  <a16:creationId xmlns:a16="http://schemas.microsoft.com/office/drawing/2014/main" id="{6A88AF16-9AE5-DD02-AB99-511437150621}"/>
-                </a:ext>
-              </a:extLst>
-            </p:cNvPr>
-            <p:cNvSpPr/>
-            <p:nvPr/>
-          </p:nvSpPr>
-          <p:spPr>
-            <a:xfrm>
-              <a:off x="6690089" y="2582090"/>
-              <a:ext cx="16420011" cy="8009709"/>
-            </a:xfrm>
-            <a:prstGeom prst="rect">
-              <a:avLst/>
-            </a:prstGeom>
-            <a:noFill/>
-            <a:ln w="63500">
-              <a:solidFill>
-                <a:schemeClr val="tx1"/>
-              </a:solidFill>
-            </a:ln>
-          </p:spPr>
-          <p:style>
-            <a:lnRef idx="2">
-              <a:schemeClr val="accent1">
-                <a:shade val="50000"/>
-              </a:schemeClr>
-            </a:lnRef>
-            <a:fillRef idx="1">
-              <a:schemeClr val="accent1"/>
-            </a:fillRef>
-            <a:effectRef idx="0">
-              <a:schemeClr val="accent1"/>
-            </a:effectRef>
-            <a:fontRef idx="minor">
-              <a:schemeClr val="lt1"/>
-            </a:fontRef>
-          </p:style>
-          <p:txBody>
-            <a:bodyPr rtlCol="0" anchor="ctr"/>
-            <a:lstStyle/>
-            <a:p>
-              <a:pPr algn="ctr"/>
-              <a:endParaRPr lang="en-US" dirty="0"/>
-            </a:p>
-          </p:txBody>
-        </p:sp>
-      </p:grpSp>
-      <p:sp>
-        <p:nvSpPr>
-          <p:cNvPr id="43" name="TextBox 42">
-            <a:extLst>
-              <a:ext uri="{FF2B5EF4-FFF2-40B4-BE49-F238E27FC236}">
-                <a16:creationId xmlns:a16="http://schemas.microsoft.com/office/drawing/2014/main" id="{5208A82D-BD4B-026F-6B03-EA1E6C210E3E}"/>
-              </a:ext>
-            </a:extLst>
-          </p:cNvPr>
-          <p:cNvSpPr txBox="1"/>
-          <p:nvPr/>
-        </p:nvSpPr>
-        <p:spPr>
-          <a:xfrm>
-            <a:off x="13031634" y="483078"/>
-            <a:ext cx="3736920" cy="1477328"/>
-          </a:xfrm>
-          <a:prstGeom prst="rect">
-            <a:avLst/>
-          </a:prstGeom>
-          <a:noFill/>
-        </p:spPr>
-        <p:txBody>
-          <a:bodyPr wrap="none" rtlCol="0">
-            <a:spAutoFit/>
-          </a:bodyPr>
-          <a:lstStyle/>
-          <a:p>
-            <a:pPr algn="ctr"/>
-            <a:r>
-              <a:rPr lang="en-US" sz="9000" b="1" dirty="0">
-                <a:latin typeface="Microsoft JhengHei UI" panose="020B0604030504040204" pitchFamily="34" charset="-120"/>
-                <a:ea typeface="Microsoft JhengHei UI" panose="020B0604030504040204" pitchFamily="34" charset="-120"/>
-              </a:rPr>
-              <a:t>Donor</a:t>
-            </a:r>
-          </a:p>
-        </p:txBody>
-      </p:sp>
-      <p:sp>
-        <p:nvSpPr>
-          <p:cNvPr id="44" name="TextBox 43">
-            <a:extLst>
-              <a:ext uri="{FF2B5EF4-FFF2-40B4-BE49-F238E27FC236}">
-                <a16:creationId xmlns:a16="http://schemas.microsoft.com/office/drawing/2014/main" id="{2807531B-8A55-400C-5FEA-290A638BEF8D}"/>
-              </a:ext>
-            </a:extLst>
-          </p:cNvPr>
-          <p:cNvSpPr txBox="1"/>
-          <p:nvPr/>
-        </p:nvSpPr>
-        <p:spPr>
-          <a:xfrm>
-            <a:off x="29369371" y="578336"/>
-            <a:ext cx="5221366" cy="1477328"/>
-          </a:xfrm>
-          <a:prstGeom prst="rect">
-            <a:avLst/>
-          </a:prstGeom>
-          <a:noFill/>
-        </p:spPr>
-        <p:txBody>
-          <a:bodyPr wrap="none" rtlCol="0">
-            <a:spAutoFit/>
-          </a:bodyPr>
-          <a:lstStyle/>
-          <a:p>
-            <a:pPr algn="ctr"/>
-            <a:r>
-              <a:rPr lang="en-US" sz="9000" b="1" dirty="0">
-                <a:latin typeface="Microsoft JhengHei UI" panose="020B0604030504040204" pitchFamily="34" charset="-120"/>
-                <a:ea typeface="Microsoft JhengHei UI" panose="020B0604030504040204" pitchFamily="34" charset="-120"/>
-              </a:rPr>
-              <a:t>Acceptor</a:t>
-            </a:r>
-          </a:p>
-        </p:txBody>
-      </p:sp>
-      <p:sp>
-        <p:nvSpPr>
-          <p:cNvPr id="66" name="TextBox 65">
-            <a:extLst>
-              <a:ext uri="{FF2B5EF4-FFF2-40B4-BE49-F238E27FC236}">
-                <a16:creationId xmlns:a16="http://schemas.microsoft.com/office/drawing/2014/main" id="{1F61BAB7-70F4-4A09-2588-51C323C9F5A2}"/>
-              </a:ext>
-            </a:extLst>
-          </p:cNvPr>
-          <p:cNvSpPr txBox="1"/>
-          <p:nvPr/>
-        </p:nvSpPr>
-        <p:spPr>
-          <a:xfrm>
-            <a:off x="4178600" y="10246018"/>
-            <a:ext cx="944489" cy="1938992"/>
-          </a:xfrm>
-          <a:prstGeom prst="rect">
-            <a:avLst/>
-          </a:prstGeom>
-          <a:noFill/>
-        </p:spPr>
-        <p:txBody>
-          <a:bodyPr wrap="square" rtlCol="0">
-            <a:spAutoFit/>
-          </a:bodyPr>
-          <a:lstStyle/>
-          <a:p>
-            <a:r>
-              <a:rPr lang="en-US" sz="12000" b="1" dirty="0"/>
-              <a:t>b</a:t>
-            </a:r>
-          </a:p>
-        </p:txBody>
-      </p:sp>
-      <p:sp>
-        <p:nvSpPr>
-          <p:cNvPr id="67" name="TextBox 66">
-            <a:extLst>
-              <a:ext uri="{FF2B5EF4-FFF2-40B4-BE49-F238E27FC236}">
-                <a16:creationId xmlns:a16="http://schemas.microsoft.com/office/drawing/2014/main" id="{0EBBBA4C-3C21-3AE9-4642-A3FC2C1566BE}"/>
-              </a:ext>
-            </a:extLst>
-          </p:cNvPr>
-          <p:cNvSpPr txBox="1"/>
-          <p:nvPr/>
-        </p:nvSpPr>
-        <p:spPr>
-          <a:xfrm>
-            <a:off x="4192832" y="18663310"/>
-            <a:ext cx="829073" cy="1938992"/>
-          </a:xfrm>
-          <a:prstGeom prst="rect">
-            <a:avLst/>
-          </a:prstGeom>
-          <a:noFill/>
-        </p:spPr>
-        <p:txBody>
-          <a:bodyPr wrap="none" rtlCol="0">
-            <a:spAutoFit/>
-          </a:bodyPr>
-          <a:lstStyle/>
-          <a:p>
-            <a:r>
-              <a:rPr lang="en-US" sz="12000" b="1" dirty="0"/>
-              <a:t>c</a:t>
-            </a:r>
-          </a:p>
-        </p:txBody>
-      </p:sp>
-      <p:sp>
-        <p:nvSpPr>
-          <p:cNvPr id="68" name="TextBox 67">
-            <a:extLst>
-              <a:ext uri="{FF2B5EF4-FFF2-40B4-BE49-F238E27FC236}">
-                <a16:creationId xmlns:a16="http://schemas.microsoft.com/office/drawing/2014/main" id="{97463ECE-9B9B-0003-2C7F-28AE9E6BCDEE}"/>
-              </a:ext>
-            </a:extLst>
-          </p:cNvPr>
-          <p:cNvSpPr txBox="1"/>
-          <p:nvPr/>
-        </p:nvSpPr>
-        <p:spPr>
-          <a:xfrm>
-            <a:off x="4192831" y="27132891"/>
-            <a:ext cx="944489" cy="1938992"/>
-          </a:xfrm>
-          <a:prstGeom prst="rect">
-            <a:avLst/>
-          </a:prstGeom>
-          <a:noFill/>
-        </p:spPr>
-        <p:txBody>
-          <a:bodyPr wrap="square" rtlCol="0">
-            <a:spAutoFit/>
-          </a:bodyPr>
-          <a:lstStyle/>
-          <a:p>
-            <a:r>
-              <a:rPr lang="en-US" sz="12000" b="1" dirty="0"/>
-              <a:t>d</a:t>
-            </a:r>
-          </a:p>
-        </p:txBody>
-      </p:sp>
-    </p:spTree>
-    <p:extLst>
-      <p:ext uri="{BB962C8B-B14F-4D97-AF65-F5344CB8AC3E}">
-        <p14:creationId xmlns:p14="http://schemas.microsoft.com/office/powerpoint/2010/main" val="1712413504"/>
       </p:ext>
     </p:extLst>
   </p:cSld>

--- a/Figures/Figure_5/Figure_5.pptx
+++ b/Figures/Figure_5/Figure_5.pptx
@@ -197,7 +197,7 @@
           <a:p>
             <a:fld id="{ABD72DE5-B6EE-E147-A976-7400C289695F}" type="datetimeFigureOut">
               <a:rPr lang="en-US" smtClean="0"/>
-              <a:t>5/17/23</a:t>
+              <a:t>5/19/23</a:t>
             </a:fld>
             <a:endParaRPr lang="en-US"/>
           </a:p>
@@ -684,7 +684,7 @@
           <a:p>
             <a:fld id="{5829EFD3-DAAF-1A4D-98F0-A61E9156FD54}" type="datetimeFigureOut">
               <a:rPr lang="en-US" smtClean="0"/>
-              <a:t>5/17/23</a:t>
+              <a:t>5/19/23</a:t>
             </a:fld>
             <a:endParaRPr lang="en-US"/>
           </a:p>
@@ -854,7 +854,7 @@
           <a:p>
             <a:fld id="{5829EFD3-DAAF-1A4D-98F0-A61E9156FD54}" type="datetimeFigureOut">
               <a:rPr lang="en-US" smtClean="0"/>
-              <a:t>5/17/23</a:t>
+              <a:t>5/19/23</a:t>
             </a:fld>
             <a:endParaRPr lang="en-US"/>
           </a:p>
@@ -1034,7 +1034,7 @@
           <a:p>
             <a:fld id="{5829EFD3-DAAF-1A4D-98F0-A61E9156FD54}" type="datetimeFigureOut">
               <a:rPr lang="en-US" smtClean="0"/>
-              <a:t>5/17/23</a:t>
+              <a:t>5/19/23</a:t>
             </a:fld>
             <a:endParaRPr lang="en-US"/>
           </a:p>
@@ -1204,7 +1204,7 @@
           <a:p>
             <a:fld id="{5829EFD3-DAAF-1A4D-98F0-A61E9156FD54}" type="datetimeFigureOut">
               <a:rPr lang="en-US" smtClean="0"/>
-              <a:t>5/17/23</a:t>
+              <a:t>5/19/23</a:t>
             </a:fld>
             <a:endParaRPr lang="en-US"/>
           </a:p>
@@ -1448,7 +1448,7 @@
           <a:p>
             <a:fld id="{5829EFD3-DAAF-1A4D-98F0-A61E9156FD54}" type="datetimeFigureOut">
               <a:rPr lang="en-US" smtClean="0"/>
-              <a:t>5/17/23</a:t>
+              <a:t>5/19/23</a:t>
             </a:fld>
             <a:endParaRPr lang="en-US"/>
           </a:p>
@@ -1680,7 +1680,7 @@
           <a:p>
             <a:fld id="{5829EFD3-DAAF-1A4D-98F0-A61E9156FD54}" type="datetimeFigureOut">
               <a:rPr lang="en-US" smtClean="0"/>
-              <a:t>5/17/23</a:t>
+              <a:t>5/19/23</a:t>
             </a:fld>
             <a:endParaRPr lang="en-US"/>
           </a:p>
@@ -2047,7 +2047,7 @@
           <a:p>
             <a:fld id="{5829EFD3-DAAF-1A4D-98F0-A61E9156FD54}" type="datetimeFigureOut">
               <a:rPr lang="en-US" smtClean="0"/>
-              <a:t>5/17/23</a:t>
+              <a:t>5/19/23</a:t>
             </a:fld>
             <a:endParaRPr lang="en-US"/>
           </a:p>
@@ -2165,7 +2165,7 @@
           <a:p>
             <a:fld id="{5829EFD3-DAAF-1A4D-98F0-A61E9156FD54}" type="datetimeFigureOut">
               <a:rPr lang="en-US" smtClean="0"/>
-              <a:t>5/17/23</a:t>
+              <a:t>5/19/23</a:t>
             </a:fld>
             <a:endParaRPr lang="en-US"/>
           </a:p>
@@ -2260,7 +2260,7 @@
           <a:p>
             <a:fld id="{5829EFD3-DAAF-1A4D-98F0-A61E9156FD54}" type="datetimeFigureOut">
               <a:rPr lang="en-US" smtClean="0"/>
-              <a:t>5/17/23</a:t>
+              <a:t>5/19/23</a:t>
             </a:fld>
             <a:endParaRPr lang="en-US"/>
           </a:p>
@@ -2537,7 +2537,7 @@
           <a:p>
             <a:fld id="{5829EFD3-DAAF-1A4D-98F0-A61E9156FD54}" type="datetimeFigureOut">
               <a:rPr lang="en-US" smtClean="0"/>
-              <a:t>5/17/23</a:t>
+              <a:t>5/19/23</a:t>
             </a:fld>
             <a:endParaRPr lang="en-US"/>
           </a:p>
@@ -2794,7 +2794,7 @@
           <a:p>
             <a:fld id="{5829EFD3-DAAF-1A4D-98F0-A61E9156FD54}" type="datetimeFigureOut">
               <a:rPr lang="en-US" smtClean="0"/>
-              <a:t>5/17/23</a:t>
+              <a:t>5/19/23</a:t>
             </a:fld>
             <a:endParaRPr lang="en-US"/>
           </a:p>
@@ -3007,7 +3007,7 @@
           <a:p>
             <a:fld id="{5829EFD3-DAAF-1A4D-98F0-A61E9156FD54}" type="datetimeFigureOut">
               <a:rPr lang="en-US" smtClean="0"/>
-              <a:t>5/17/23</a:t>
+              <a:t>5/19/23</a:t>
             </a:fld>
             <a:endParaRPr lang="en-US"/>
           </a:p>
@@ -3412,82 +3412,12 @@
           <a:chExt cx="0" cy="0"/>
         </a:xfrm>
       </p:grpSpPr>
-      <p:sp>
-        <p:nvSpPr>
-          <p:cNvPr id="19" name="TextBox 18">
+      <p:pic>
+        <p:nvPicPr>
+          <p:cNvPr id="33" name="Picture 32" descr="A picture containing text, screenshot, diagram, line&#10;&#10;Description automatically generated">
             <a:extLst>
               <a:ext uri="{FF2B5EF4-FFF2-40B4-BE49-F238E27FC236}">
-                <a16:creationId xmlns:a16="http://schemas.microsoft.com/office/drawing/2014/main" id="{ABEDDC34-9C01-963F-A8F9-E052A49A2BB8}"/>
-              </a:ext>
-            </a:extLst>
-          </p:cNvPr>
-          <p:cNvSpPr txBox="1"/>
-          <p:nvPr/>
-        </p:nvSpPr>
-        <p:spPr>
-          <a:xfrm>
-            <a:off x="1052601" y="14921079"/>
-            <a:ext cx="699230" cy="1569660"/>
-          </a:xfrm>
-          <a:prstGeom prst="rect">
-            <a:avLst/>
-          </a:prstGeom>
-          <a:noFill/>
-        </p:spPr>
-        <p:txBody>
-          <a:bodyPr wrap="none" rtlCol="0">
-            <a:spAutoFit/>
-          </a:bodyPr>
-          <a:lstStyle/>
-          <a:p>
-            <a:r>
-              <a:rPr lang="en-US" sz="9600" b="1" dirty="0"/>
-              <a:t>c</a:t>
-            </a:r>
-          </a:p>
-        </p:txBody>
-      </p:sp>
-      <p:sp>
-        <p:nvSpPr>
-          <p:cNvPr id="20" name="TextBox 19">
-            <a:extLst>
-              <a:ext uri="{FF2B5EF4-FFF2-40B4-BE49-F238E27FC236}">
-                <a16:creationId xmlns:a16="http://schemas.microsoft.com/office/drawing/2014/main" id="{3F78695B-C0AD-2C92-4DF7-ECD8283AA6DD}"/>
-              </a:ext>
-            </a:extLst>
-          </p:cNvPr>
-          <p:cNvSpPr txBox="1"/>
-          <p:nvPr/>
-        </p:nvSpPr>
-        <p:spPr>
-          <a:xfrm>
-            <a:off x="21813674" y="14921079"/>
-            <a:ext cx="845103" cy="1569660"/>
-          </a:xfrm>
-          <a:prstGeom prst="rect">
-            <a:avLst/>
-          </a:prstGeom>
-          <a:noFill/>
-        </p:spPr>
-        <p:txBody>
-          <a:bodyPr wrap="none" rtlCol="0">
-            <a:spAutoFit/>
-          </a:bodyPr>
-          <a:lstStyle/>
-          <a:p>
-            <a:r>
-              <a:rPr lang="en-US" sz="9600" b="1" dirty="0"/>
-              <a:t>d</a:t>
-            </a:r>
-          </a:p>
-        </p:txBody>
-      </p:sp>
-      <p:pic>
-        <p:nvPicPr>
-          <p:cNvPr id="10" name="Picture 9" descr="A picture containing text, screenshot, plot, line&#10;&#10;Description automatically generated">
-            <a:extLst>
-              <a:ext uri="{FF2B5EF4-FFF2-40B4-BE49-F238E27FC236}">
-                <a16:creationId xmlns:a16="http://schemas.microsoft.com/office/drawing/2014/main" id="{AA91F481-D408-36EB-32AE-47C518B1C26F}"/>
+                <a16:creationId xmlns:a16="http://schemas.microsoft.com/office/drawing/2014/main" id="{02913293-0B5B-A396-194F-36E6102ADDF6}"/>
               </a:ext>
             </a:extLst>
           </p:cNvPr>
@@ -3504,8 +3434,8 @@
         </p:blipFill>
         <p:spPr>
           <a:xfrm>
-            <a:off x="872048" y="17195172"/>
-            <a:ext cx="20803956" cy="12482374"/>
+            <a:off x="-79514" y="13407418"/>
+            <a:ext cx="20895874" cy="20895874"/>
           </a:xfrm>
           <a:prstGeom prst="rect">
             <a:avLst/>
@@ -3514,10 +3444,10 @@
       </p:pic>
       <p:pic>
         <p:nvPicPr>
-          <p:cNvPr id="12" name="Picture 11" descr="A picture containing screenshot, text, line, plot&#10;&#10;Description automatically generated">
+          <p:cNvPr id="35" name="Picture 34" descr="A picture containing text, screenshot, line, diagram&#10;&#10;Description automatically generated">
             <a:extLst>
               <a:ext uri="{FF2B5EF4-FFF2-40B4-BE49-F238E27FC236}">
-                <a16:creationId xmlns:a16="http://schemas.microsoft.com/office/drawing/2014/main" id="{6CBC0197-51C1-6648-26D7-BF52C41886D3}"/>
+                <a16:creationId xmlns:a16="http://schemas.microsoft.com/office/drawing/2014/main" id="{F9216A03-3A5C-06B3-72DF-58BC31866419}"/>
               </a:ext>
             </a:extLst>
           </p:cNvPr>
@@ -3534,90 +3464,20 @@
         </p:blipFill>
         <p:spPr>
           <a:xfrm>
-            <a:off x="21822284" y="17195172"/>
-            <a:ext cx="20803956" cy="12482374"/>
+            <a:off x="21035311" y="13407418"/>
+            <a:ext cx="20895874" cy="20895874"/>
           </a:xfrm>
           <a:prstGeom prst="rect">
             <a:avLst/>
           </a:prstGeom>
         </p:spPr>
       </p:pic>
-      <p:sp>
-        <p:nvSpPr>
-          <p:cNvPr id="23" name="TextBox 22">
+      <p:pic>
+        <p:nvPicPr>
+          <p:cNvPr id="37" name="Picture 36" descr="A picture containing line, screenshot, diagram, text&#10;&#10;Description automatically generated">
             <a:extLst>
               <a:ext uri="{FF2B5EF4-FFF2-40B4-BE49-F238E27FC236}">
-                <a16:creationId xmlns:a16="http://schemas.microsoft.com/office/drawing/2014/main" id="{9C7FA604-C140-15D5-6133-F229FFD2D3C2}"/>
-              </a:ext>
-            </a:extLst>
-          </p:cNvPr>
-          <p:cNvSpPr txBox="1"/>
-          <p:nvPr/>
-        </p:nvSpPr>
-        <p:spPr>
-          <a:xfrm>
-            <a:off x="1052601" y="16265964"/>
-            <a:ext cx="925253" cy="2215991"/>
-          </a:xfrm>
-          <a:prstGeom prst="rect">
-            <a:avLst/>
-          </a:prstGeom>
-          <a:noFill/>
-        </p:spPr>
-        <p:txBody>
-          <a:bodyPr wrap="none" rtlCol="0">
-            <a:spAutoFit/>
-          </a:bodyPr>
-          <a:lstStyle/>
-          <a:p>
-            <a:r>
-              <a:rPr lang="en-US" sz="13800" b="1" dirty="0"/>
-              <a:t>c</a:t>
-            </a:r>
-          </a:p>
-        </p:txBody>
-      </p:sp>
-      <p:sp>
-        <p:nvSpPr>
-          <p:cNvPr id="24" name="TextBox 23">
-            <a:extLst>
-              <a:ext uri="{FF2B5EF4-FFF2-40B4-BE49-F238E27FC236}">
-                <a16:creationId xmlns:a16="http://schemas.microsoft.com/office/drawing/2014/main" id="{E4849DC1-2326-4C2D-D2F0-B51750BD9ABC}"/>
-              </a:ext>
-            </a:extLst>
-          </p:cNvPr>
-          <p:cNvSpPr txBox="1"/>
-          <p:nvPr/>
-        </p:nvSpPr>
-        <p:spPr>
-          <a:xfrm>
-            <a:off x="21956218" y="16265964"/>
-            <a:ext cx="1133644" cy="2215991"/>
-          </a:xfrm>
-          <a:prstGeom prst="rect">
-            <a:avLst/>
-          </a:prstGeom>
-          <a:noFill/>
-        </p:spPr>
-        <p:txBody>
-          <a:bodyPr wrap="none" rtlCol="0">
-            <a:spAutoFit/>
-          </a:bodyPr>
-          <a:lstStyle/>
-          <a:p>
-            <a:r>
-              <a:rPr lang="en-US" sz="13800" b="1" dirty="0"/>
-              <a:t>d</a:t>
-            </a:r>
-          </a:p>
-        </p:txBody>
-      </p:sp>
-      <p:pic>
-        <p:nvPicPr>
-          <p:cNvPr id="3" name="Picture 2" descr="A picture containing text, screenshot, line, diagram&#10;&#10;Description automatically generated">
-            <a:extLst>
-              <a:ext uri="{FF2B5EF4-FFF2-40B4-BE49-F238E27FC236}">
-                <a16:creationId xmlns:a16="http://schemas.microsoft.com/office/drawing/2014/main" id="{45B0C888-577D-A892-22B2-3ADCACE972A0}"/>
+                <a16:creationId xmlns:a16="http://schemas.microsoft.com/office/drawing/2014/main" id="{59F487ED-DDD4-06A7-00B1-B367E370B644}"/>
               </a:ext>
             </a:extLst>
           </p:cNvPr>
@@ -3634,8 +3494,8 @@
         </p:blipFill>
         <p:spPr>
           <a:xfrm>
-            <a:off x="1049956" y="722860"/>
-            <a:ext cx="21066740" cy="15800055"/>
+            <a:off x="899180" y="429163"/>
+            <a:ext cx="19892929" cy="8518963"/>
           </a:xfrm>
           <a:prstGeom prst="rect">
             <a:avLst/>
@@ -3644,10 +3504,10 @@
       </p:pic>
       <p:pic>
         <p:nvPicPr>
-          <p:cNvPr id="5" name="Picture 4" descr="A picture containing text, screenshot, line, diagram&#10;&#10;Description automatically generated">
+          <p:cNvPr id="39" name="Picture 38" descr="A picture containing text, screenshot, line, plot&#10;&#10;Description automatically generated">
             <a:extLst>
               <a:ext uri="{FF2B5EF4-FFF2-40B4-BE49-F238E27FC236}">
-                <a16:creationId xmlns:a16="http://schemas.microsoft.com/office/drawing/2014/main" id="{BFAC5698-361F-1FC1-6925-13F10A137122}"/>
+                <a16:creationId xmlns:a16="http://schemas.microsoft.com/office/drawing/2014/main" id="{6E5F9B97-8C07-5E51-4FCE-0DA359E19A82}"/>
               </a:ext>
             </a:extLst>
           </p:cNvPr>
@@ -3664,8 +3524,8 @@
         </p:blipFill>
         <p:spPr>
           <a:xfrm>
-            <a:off x="21853912" y="722860"/>
-            <a:ext cx="21066740" cy="15800055"/>
+            <a:off x="22038257" y="429162"/>
+            <a:ext cx="19892928" cy="8518963"/>
           </a:xfrm>
           <a:prstGeom prst="rect">
             <a:avLst/>
@@ -3674,10 +3534,10 @@
       </p:pic>
       <p:sp>
         <p:nvSpPr>
-          <p:cNvPr id="6" name="TextBox 5">
+          <p:cNvPr id="40" name="TextBox 39">
             <a:extLst>
               <a:ext uri="{FF2B5EF4-FFF2-40B4-BE49-F238E27FC236}">
-                <a16:creationId xmlns:a16="http://schemas.microsoft.com/office/drawing/2014/main" id="{831A4C5F-9BFA-072E-0F66-6B53F969E83A}"/>
+                <a16:creationId xmlns:a16="http://schemas.microsoft.com/office/drawing/2014/main" id="{618CA07C-DAAA-C794-5B8A-7E66C47187F9}"/>
               </a:ext>
             </a:extLst>
           </p:cNvPr>
@@ -3686,7 +3546,77 @@
         </p:nvSpPr>
         <p:spPr>
           <a:xfrm>
-            <a:off x="1052601" y="0"/>
+            <a:off x="283426" y="12656196"/>
+            <a:ext cx="925253" cy="2215991"/>
+          </a:xfrm>
+          <a:prstGeom prst="rect">
+            <a:avLst/>
+          </a:prstGeom>
+          <a:noFill/>
+        </p:spPr>
+        <p:txBody>
+          <a:bodyPr wrap="none" rtlCol="0">
+            <a:spAutoFit/>
+          </a:bodyPr>
+          <a:lstStyle/>
+          <a:p>
+            <a:r>
+              <a:rPr lang="en-US" sz="13800" b="1" dirty="0"/>
+              <a:t>c</a:t>
+            </a:r>
+          </a:p>
+        </p:txBody>
+      </p:sp>
+      <p:sp>
+        <p:nvSpPr>
+          <p:cNvPr id="41" name="TextBox 40">
+            <a:extLst>
+              <a:ext uri="{FF2B5EF4-FFF2-40B4-BE49-F238E27FC236}">
+                <a16:creationId xmlns:a16="http://schemas.microsoft.com/office/drawing/2014/main" id="{AC5C9333-ACB5-6AA3-B4EC-5F9A54EBA70E}"/>
+              </a:ext>
+            </a:extLst>
+          </p:cNvPr>
+          <p:cNvSpPr txBox="1"/>
+          <p:nvPr/>
+        </p:nvSpPr>
+        <p:spPr>
+          <a:xfrm>
+            <a:off x="21187043" y="12656196"/>
+            <a:ext cx="1133644" cy="2215991"/>
+          </a:xfrm>
+          <a:prstGeom prst="rect">
+            <a:avLst/>
+          </a:prstGeom>
+          <a:noFill/>
+        </p:spPr>
+        <p:txBody>
+          <a:bodyPr wrap="none" rtlCol="0">
+            <a:spAutoFit/>
+          </a:bodyPr>
+          <a:lstStyle/>
+          <a:p>
+            <a:r>
+              <a:rPr lang="en-US" sz="13800" b="1" dirty="0"/>
+              <a:t>d</a:t>
+            </a:r>
+          </a:p>
+        </p:txBody>
+      </p:sp>
+      <p:sp>
+        <p:nvSpPr>
+          <p:cNvPr id="42" name="TextBox 41">
+            <a:extLst>
+              <a:ext uri="{FF2B5EF4-FFF2-40B4-BE49-F238E27FC236}">
+                <a16:creationId xmlns:a16="http://schemas.microsoft.com/office/drawing/2014/main" id="{BD66C087-9961-ED57-FF7A-CABB597F4C63}"/>
+              </a:ext>
+            </a:extLst>
+          </p:cNvPr>
+          <p:cNvSpPr txBox="1"/>
+          <p:nvPr/>
+        </p:nvSpPr>
+        <p:spPr>
+          <a:xfrm>
+            <a:off x="283426" y="-318056"/>
             <a:ext cx="1058303" cy="2215991"/>
           </a:xfrm>
           <a:prstGeom prst="rect">
@@ -3709,10 +3639,10 @@
       </p:sp>
       <p:sp>
         <p:nvSpPr>
-          <p:cNvPr id="7" name="TextBox 6">
+          <p:cNvPr id="43" name="TextBox 42">
             <a:extLst>
               <a:ext uri="{FF2B5EF4-FFF2-40B4-BE49-F238E27FC236}">
-                <a16:creationId xmlns:a16="http://schemas.microsoft.com/office/drawing/2014/main" id="{13C31D1A-738B-7FDC-C4BE-76539143ED19}"/>
+                <a16:creationId xmlns:a16="http://schemas.microsoft.com/office/drawing/2014/main" id="{58FEB159-F94B-8D9E-1BE6-1AB2466819A0}"/>
               </a:ext>
             </a:extLst>
           </p:cNvPr>
@@ -3721,7 +3651,7 @@
         </p:nvSpPr>
         <p:spPr>
           <a:xfrm>
-            <a:off x="22233521" y="0"/>
+            <a:off x="21464346" y="-318056"/>
             <a:ext cx="1133644" cy="2215991"/>
           </a:xfrm>
           <a:prstGeom prst="rect">
@@ -3742,6 +3672,35 @@
           </a:p>
         </p:txBody>
       </p:sp>
+      <p:pic>
+        <p:nvPicPr>
+          <p:cNvPr id="3" name="Picture 2" descr="A picture containing text, screenshot, line, diagram&#10;&#10;Description automatically generated">
+            <a:extLst>
+              <a:ext uri="{FF2B5EF4-FFF2-40B4-BE49-F238E27FC236}">
+                <a16:creationId xmlns:a16="http://schemas.microsoft.com/office/drawing/2014/main" id="{9C54D280-778A-F1DB-73F9-884C280B812B}"/>
+              </a:ext>
+            </a:extLst>
+          </p:cNvPr>
+          <p:cNvPicPr>
+            <a:picLocks noChangeAspect="1"/>
+          </p:cNvPicPr>
+          <p:nvPr/>
+        </p:nvPicPr>
+        <p:blipFill rotWithShape="1">
+          <a:blip r:embed="rId7"/>
+          <a:srcRect l="14226" t="2075" r="6271" b="88608"/>
+          <a:stretch/>
+        </p:blipFill>
+        <p:spPr>
+          <a:xfrm>
+            <a:off x="7275107" y="9258956"/>
+            <a:ext cx="27520408" cy="3225048"/>
+          </a:xfrm>
+          <a:prstGeom prst="rect">
+            <a:avLst/>
+          </a:prstGeom>
+        </p:spPr>
+      </p:pic>
     </p:spTree>
     <p:extLst>
       <p:ext uri="{BB962C8B-B14F-4D97-AF65-F5344CB8AC3E}">
